--- a/docs/Final Project Presentation.pptx
+++ b/docs/Final Project Presentation.pptx
@@ -1,44 +1,28 @@
 
 <file path=ppt/presentation.xml><?xml version="1.0" encoding="utf-8"?>
-<p:presentation xmlns:a="http://schemas.openxmlformats.org/drawingml/2006/main" xmlns:r="http://schemas.openxmlformats.org/officeDocument/2006/relationships" xmlns:mc="http://schemas.openxmlformats.org/markup-compatibility/2006" xmlns:mv="urn:schemas-microsoft-com:mac:vml" xmlns:p="http://schemas.openxmlformats.org/presentationml/2006/main" xmlns:c="http://schemas.openxmlformats.org/drawingml/2006/chart" xmlns:dgm="http://schemas.openxmlformats.org/drawingml/2006/diagram" xmlns:o="urn:schemas-microsoft-com:office:office" xmlns:v="urn:schemas-microsoft-com:vml" xmlns:pvml="urn:schemas-microsoft-com:office:powerpoint" xmlns:com="http://schemas.openxmlformats.org/drawingml/2006/compatibility" xmlns:p14="http://schemas.microsoft.com/office/powerpoint/2010/main" xmlns:p15="http://schemas.microsoft.com/office/powerpoint/2012/main" xmlns:ahyp="http://schemas.microsoft.com/office/drawing/2018/hyperlinkcolor" autoCompressPictures="0" embedTrueTypeFonts="1" strictFirstAndLastChars="0" saveSubsetFonts="1">
+<p:presentation xmlns:a="http://schemas.openxmlformats.org/drawingml/2006/main" xmlns:r="http://schemas.openxmlformats.org/officeDocument/2006/relationships" xmlns:p="http://schemas.openxmlformats.org/presentationml/2006/main" strictFirstAndLastChars="0" embedTrueTypeFonts="1" saveSubsetFonts="1" autoCompressPictures="0">
   <p:sldMasterIdLst>
-    <p:sldMasterId id="2147483659" r:id="rId4"/>
+    <p:sldMasterId id="2147483659" r:id="rId1"/>
   </p:sldMasterIdLst>
   <p:notesMasterIdLst>
-    <p:notesMasterId r:id="rId5"/>
+    <p:notesMasterId r:id="rId12"/>
   </p:notesMasterIdLst>
   <p:sldIdLst>
-    <p:sldId id="256" r:id="rId6"/>
-    <p:sldId id="257" r:id="rId7"/>
-    <p:sldId id="258" r:id="rId8"/>
-    <p:sldId id="259" r:id="rId9"/>
-    <p:sldId id="260" r:id="rId10"/>
-    <p:sldId id="261" r:id="rId11"/>
-    <p:sldId id="262" r:id="rId12"/>
-    <p:sldId id="263" r:id="rId13"/>
-    <p:sldId id="264" r:id="rId14"/>
-    <p:sldId id="265" r:id="rId15"/>
+    <p:sldId id="256" r:id="rId2"/>
+    <p:sldId id="257" r:id="rId3"/>
+    <p:sldId id="258" r:id="rId4"/>
+    <p:sldId id="259" r:id="rId5"/>
+    <p:sldId id="260" r:id="rId6"/>
+    <p:sldId id="261" r:id="rId7"/>
+    <p:sldId id="262" r:id="rId8"/>
+    <p:sldId id="263" r:id="rId9"/>
+    <p:sldId id="264" r:id="rId10"/>
+    <p:sldId id="265" r:id="rId11"/>
   </p:sldIdLst>
-  <p:sldSz cy="5143500" cx="9144000"/>
+  <p:sldSz cx="9144000" cy="5143500" type="screen16x9"/>
   <p:notesSz cx="6858000" cy="9144000"/>
-  <p:embeddedFontLst>
-    <p:embeddedFont>
-      <p:font typeface="Roboto"/>
-      <p:regular r:id="rId16"/>
-      <p:bold r:id="rId17"/>
-      <p:italic r:id="rId18"/>
-      <p:boldItalic r:id="rId19"/>
-    </p:embeddedFont>
-    <p:embeddedFont>
-      <p:font typeface="Roboto Mono"/>
-      <p:regular r:id="rId20"/>
-      <p:bold r:id="rId21"/>
-      <p:italic r:id="rId22"/>
-      <p:boldItalic r:id="rId23"/>
-    </p:embeddedFont>
-  </p:embeddedFontLst>
   <p:defaultTextStyle>
-    <a:defPPr lvl="0" marR="0" rtl="0" algn="l">
+    <a:defPPr marR="0" lvl="0" algn="l" rtl="0">
       <a:lnSpc>
         <a:spcPct val="100000"/>
       </a:lnSpc>
@@ -49,7 +33,7 @@
         <a:spcPts val="0"/>
       </a:spcAft>
     </a:defPPr>
-    <a:lvl1pPr lvl="0" marR="0" rtl="0" algn="l">
+    <a:lvl1pPr marR="0" lvl="0" algn="l" rtl="0">
       <a:lnSpc>
         <a:spcPct val="100000"/>
       </a:lnSpc>
@@ -63,7 +47,7 @@
         <a:srgbClr val="000000"/>
       </a:buClr>
       <a:buFont typeface="Arial"/>
-      <a:defRPr b="0" i="0" sz="1400" u="none" cap="none" strike="noStrike">
+      <a:defRPr sz="1400" b="0" i="0" u="none" strike="noStrike" cap="none">
         <a:solidFill>
           <a:srgbClr val="000000"/>
         </a:solidFill>
@@ -73,7 +57,7 @@
         <a:sym typeface="Arial"/>
       </a:defRPr>
     </a:lvl1pPr>
-    <a:lvl2pPr lvl="1" marR="0" rtl="0" algn="l">
+    <a:lvl2pPr marR="0" lvl="1" algn="l" rtl="0">
       <a:lnSpc>
         <a:spcPct val="100000"/>
       </a:lnSpc>
@@ -87,7 +71,7 @@
         <a:srgbClr val="000000"/>
       </a:buClr>
       <a:buFont typeface="Arial"/>
-      <a:defRPr b="0" i="0" sz="1400" u="none" cap="none" strike="noStrike">
+      <a:defRPr sz="1400" b="0" i="0" u="none" strike="noStrike" cap="none">
         <a:solidFill>
           <a:srgbClr val="000000"/>
         </a:solidFill>
@@ -97,7 +81,7 @@
         <a:sym typeface="Arial"/>
       </a:defRPr>
     </a:lvl2pPr>
-    <a:lvl3pPr lvl="2" marR="0" rtl="0" algn="l">
+    <a:lvl3pPr marR="0" lvl="2" algn="l" rtl="0">
       <a:lnSpc>
         <a:spcPct val="100000"/>
       </a:lnSpc>
@@ -111,7 +95,7 @@
         <a:srgbClr val="000000"/>
       </a:buClr>
       <a:buFont typeface="Arial"/>
-      <a:defRPr b="0" i="0" sz="1400" u="none" cap="none" strike="noStrike">
+      <a:defRPr sz="1400" b="0" i="0" u="none" strike="noStrike" cap="none">
         <a:solidFill>
           <a:srgbClr val="000000"/>
         </a:solidFill>
@@ -121,7 +105,7 @@
         <a:sym typeface="Arial"/>
       </a:defRPr>
     </a:lvl3pPr>
-    <a:lvl4pPr lvl="3" marR="0" rtl="0" algn="l">
+    <a:lvl4pPr marR="0" lvl="3" algn="l" rtl="0">
       <a:lnSpc>
         <a:spcPct val="100000"/>
       </a:lnSpc>
@@ -135,7 +119,7 @@
         <a:srgbClr val="000000"/>
       </a:buClr>
       <a:buFont typeface="Arial"/>
-      <a:defRPr b="0" i="0" sz="1400" u="none" cap="none" strike="noStrike">
+      <a:defRPr sz="1400" b="0" i="0" u="none" strike="noStrike" cap="none">
         <a:solidFill>
           <a:srgbClr val="000000"/>
         </a:solidFill>
@@ -145,7 +129,7 @@
         <a:sym typeface="Arial"/>
       </a:defRPr>
     </a:lvl4pPr>
-    <a:lvl5pPr lvl="4" marR="0" rtl="0" algn="l">
+    <a:lvl5pPr marR="0" lvl="4" algn="l" rtl="0">
       <a:lnSpc>
         <a:spcPct val="100000"/>
       </a:lnSpc>
@@ -159,7 +143,7 @@
         <a:srgbClr val="000000"/>
       </a:buClr>
       <a:buFont typeface="Arial"/>
-      <a:defRPr b="0" i="0" sz="1400" u="none" cap="none" strike="noStrike">
+      <a:defRPr sz="1400" b="0" i="0" u="none" strike="noStrike" cap="none">
         <a:solidFill>
           <a:srgbClr val="000000"/>
         </a:solidFill>
@@ -169,7 +153,7 @@
         <a:sym typeface="Arial"/>
       </a:defRPr>
     </a:lvl5pPr>
-    <a:lvl6pPr lvl="5" marR="0" rtl="0" algn="l">
+    <a:lvl6pPr marR="0" lvl="5" algn="l" rtl="0">
       <a:lnSpc>
         <a:spcPct val="100000"/>
       </a:lnSpc>
@@ -183,7 +167,7 @@
         <a:srgbClr val="000000"/>
       </a:buClr>
       <a:buFont typeface="Arial"/>
-      <a:defRPr b="0" i="0" sz="1400" u="none" cap="none" strike="noStrike">
+      <a:defRPr sz="1400" b="0" i="0" u="none" strike="noStrike" cap="none">
         <a:solidFill>
           <a:srgbClr val="000000"/>
         </a:solidFill>
@@ -193,7 +177,7 @@
         <a:sym typeface="Arial"/>
       </a:defRPr>
     </a:lvl6pPr>
-    <a:lvl7pPr lvl="6" marR="0" rtl="0" algn="l">
+    <a:lvl7pPr marR="0" lvl="6" algn="l" rtl="0">
       <a:lnSpc>
         <a:spcPct val="100000"/>
       </a:lnSpc>
@@ -207,7 +191,7 @@
         <a:srgbClr val="000000"/>
       </a:buClr>
       <a:buFont typeface="Arial"/>
-      <a:defRPr b="0" i="0" sz="1400" u="none" cap="none" strike="noStrike">
+      <a:defRPr sz="1400" b="0" i="0" u="none" strike="noStrike" cap="none">
         <a:solidFill>
           <a:srgbClr val="000000"/>
         </a:solidFill>
@@ -217,7 +201,7 @@
         <a:sym typeface="Arial"/>
       </a:defRPr>
     </a:lvl7pPr>
-    <a:lvl8pPr lvl="7" marR="0" rtl="0" algn="l">
+    <a:lvl8pPr marR="0" lvl="7" algn="l" rtl="0">
       <a:lnSpc>
         <a:spcPct val="100000"/>
       </a:lnSpc>
@@ -231,7 +215,7 @@
         <a:srgbClr val="000000"/>
       </a:buClr>
       <a:buFont typeface="Arial"/>
-      <a:defRPr b="0" i="0" sz="1400" u="none" cap="none" strike="noStrike">
+      <a:defRPr sz="1400" b="0" i="0" u="none" strike="noStrike" cap="none">
         <a:solidFill>
           <a:srgbClr val="000000"/>
         </a:solidFill>
@@ -241,7 +225,7 @@
         <a:sym typeface="Arial"/>
       </a:defRPr>
     </a:lvl8pPr>
-    <a:lvl9pPr lvl="8" marR="0" rtl="0" algn="l">
+    <a:lvl9pPr marR="0" lvl="8" algn="l" rtl="0">
       <a:lnSpc>
         <a:spcPct val="100000"/>
       </a:lnSpc>
@@ -255,7 +239,7 @@
         <a:srgbClr val="000000"/>
       </a:buClr>
       <a:buFont typeface="Arial"/>
-      <a:defRPr b="0" i="0" sz="1400" u="none" cap="none" strike="noStrike">
+      <a:defRPr sz="1400" b="0" i="0" u="none" strike="noStrike" cap="none">
         <a:solidFill>
           <a:srgbClr val="000000"/>
         </a:solidFill>
@@ -268,7 +252,7 @@
   </p:defaultTextStyle>
   <p:extLst>
     <p:ext uri="{EFAFB233-063F-42B5-8137-9DF3F51BA10A}">
-      <p15:sldGuideLst>
+      <p15:sldGuideLst xmlns:ahyp="http://schemas.microsoft.com/office/drawing/2018/hyperlinkcolor" xmlns:p15="http://schemas.microsoft.com/office/powerpoint/2012/main" xmlns:p14="http://schemas.microsoft.com/office/powerpoint/2010/main" xmlns:com="http://schemas.openxmlformats.org/drawingml/2006/compatibility" xmlns:pvml="urn:schemas-microsoft-com:office:powerpoint" xmlns:v="urn:schemas-microsoft-com:vml" xmlns:o="urn:schemas-microsoft-com:office:office" xmlns:dgm="http://schemas.openxmlformats.org/drawingml/2006/diagram" xmlns:c="http://schemas.openxmlformats.org/drawingml/2006/chart" xmlns:mv="urn:schemas-microsoft-com:mac:vml" xmlns:mc="http://schemas.openxmlformats.org/markup-compatibility/2006" xmlns="">
         <p15:guide id="1" orient="horz" pos="1620">
           <p15:clr>
             <a:srgbClr val="A4A3A4"/>
@@ -286,11 +270,16 @@
 </file>
 
 <file path=ppt/notesMasters/notesMaster1.xml><?xml version="1.0" encoding="utf-8"?>
-<p:notesMaster xmlns:a="http://schemas.openxmlformats.org/drawingml/2006/main" xmlns:r="http://schemas.openxmlformats.org/officeDocument/2006/relationships" xmlns:mc="http://schemas.openxmlformats.org/markup-compatibility/2006" xmlns:mv="urn:schemas-microsoft-com:mac:vml" xmlns:p="http://schemas.openxmlformats.org/presentationml/2006/main" xmlns:c="http://schemas.openxmlformats.org/drawingml/2006/chart" xmlns:dgm="http://schemas.openxmlformats.org/drawingml/2006/diagram" xmlns:o="urn:schemas-microsoft-com:office:office" xmlns:v="urn:schemas-microsoft-com:vml" xmlns:pvml="urn:schemas-microsoft-com:office:powerpoint" xmlns:com="http://schemas.openxmlformats.org/drawingml/2006/compatibility" xmlns:p14="http://schemas.microsoft.com/office/powerpoint/2010/main" xmlns:p15="http://schemas.microsoft.com/office/powerpoint/2012/main" xmlns:ahyp="http://schemas.microsoft.com/office/drawing/2018/hyperlinkcolor">
+<p:notesMaster xmlns:a="http://schemas.openxmlformats.org/drawingml/2006/main" xmlns:r="http://schemas.openxmlformats.org/officeDocument/2006/relationships" xmlns:p="http://schemas.openxmlformats.org/presentationml/2006/main">
   <p:cSld>
+    <p:bg>
+      <p:bgRef idx="1001">
+        <a:schemeClr val="bg1"/>
+      </p:bgRef>
+    </p:bg>
     <p:spTree>
       <p:nvGrpSpPr>
-        <p:cNvPr id="2" name="Shape 2"/>
+        <p:cNvPr id="1" name="Shape 2"/>
         <p:cNvGrpSpPr/>
         <p:nvPr/>
       </p:nvGrpSpPr>
@@ -305,9 +294,11 @@
       <p:sp>
         <p:nvSpPr>
           <p:cNvPr id="3" name="Google Shape;3;n"/>
-          <p:cNvSpPr/>
+          <p:cNvSpPr>
+            <a:spLocks noGrp="1" noRot="1" noChangeAspect="1"/>
+          </p:cNvSpPr>
           <p:nvPr>
-            <p:ph idx="2" type="sldImg"/>
+            <p:ph type="sldImg" idx="2"/>
           </p:nvPr>
         </p:nvSpPr>
         <p:spPr>
@@ -316,9 +307,13 @@
             <a:ext cx="6096075" cy="3429000"/>
           </a:xfrm>
           <a:custGeom>
-            <a:rect b="b" l="l" r="r" t="t"/>
+            <a:avLst/>
+            <a:gdLst/>
+            <a:ahLst/>
+            <a:cxnLst/>
+            <a:rect l="l" t="t" r="r" b="b"/>
             <a:pathLst>
-              <a:path extrusionOk="0" h="120000" w="120000">
+              <a:path w="120000" h="120000" extrusionOk="0">
                 <a:moveTo>
                   <a:pt x="0" y="0"/>
                 </a:moveTo>
@@ -336,23 +331,25 @@
             </a:pathLst>
           </a:custGeom>
           <a:noFill/>
-          <a:ln cap="flat" cmpd="sng" w="9525">
+          <a:ln w="9525" cap="flat" cmpd="sng">
             <a:solidFill>
               <a:srgbClr val="000000"/>
             </a:solidFill>
             <a:prstDash val="solid"/>
             <a:round/>
-            <a:headEnd len="sm" w="sm" type="none"/>
-            <a:tailEnd len="sm" w="sm" type="none"/>
+            <a:headEnd type="none" w="sm" len="sm"/>
+            <a:tailEnd type="none" w="sm" len="sm"/>
           </a:ln>
         </p:spPr>
       </p:sp>
       <p:sp>
         <p:nvSpPr>
           <p:cNvPr id="4" name="Google Shape;4;n"/>
-          <p:cNvSpPr txBox="1"/>
+          <p:cNvSpPr txBox="1">
+            <a:spLocks noGrp="1"/>
+          </p:cNvSpPr>
           <p:nvPr>
-            <p:ph idx="1" type="body"/>
+            <p:ph type="body" idx="1"/>
           </p:nvPr>
         </p:nvSpPr>
         <p:spPr>
@@ -369,11 +366,11 @@
           </a:ln>
         </p:spPr>
         <p:txBody>
-          <a:bodyPr anchorCtr="0" anchor="t" bIns="91425" lIns="91425" spcFirstLastPara="1" rIns="91425" wrap="square" tIns="91425">
+          <a:bodyPr spcFirstLastPara="1" wrap="square" lIns="91425" tIns="91425" rIns="91425" bIns="91425" anchor="t" anchorCtr="0">
             <a:noAutofit/>
           </a:bodyPr>
           <a:lstStyle>
-            <a:lvl1pPr indent="-298450" lvl="0" marL="457200">
+            <a:lvl1pPr marL="457200" lvl="0" indent="-298450">
               <a:spcBef>
                 <a:spcPts val="0"/>
               </a:spcBef>
@@ -384,7 +381,7 @@
               <a:buChar char="●"/>
               <a:defRPr sz="1100"/>
             </a:lvl1pPr>
-            <a:lvl2pPr indent="-298450" lvl="1" marL="914400">
+            <a:lvl2pPr marL="914400" lvl="1" indent="-298450">
               <a:spcBef>
                 <a:spcPts val="0"/>
               </a:spcBef>
@@ -395,7 +392,7 @@
               <a:buChar char="○"/>
               <a:defRPr sz="1100"/>
             </a:lvl2pPr>
-            <a:lvl3pPr indent="-298450" lvl="2" marL="1371600">
+            <a:lvl3pPr marL="1371600" lvl="2" indent="-298450">
               <a:spcBef>
                 <a:spcPts val="0"/>
               </a:spcBef>
@@ -406,7 +403,7 @@
               <a:buChar char="■"/>
               <a:defRPr sz="1100"/>
             </a:lvl3pPr>
-            <a:lvl4pPr indent="-298450" lvl="3" marL="1828800">
+            <a:lvl4pPr marL="1828800" lvl="3" indent="-298450">
               <a:spcBef>
                 <a:spcPts val="0"/>
               </a:spcBef>
@@ -417,7 +414,7 @@
               <a:buChar char="●"/>
               <a:defRPr sz="1100"/>
             </a:lvl4pPr>
-            <a:lvl5pPr indent="-298450" lvl="4" marL="2286000">
+            <a:lvl5pPr marL="2286000" lvl="4" indent="-298450">
               <a:spcBef>
                 <a:spcPts val="0"/>
               </a:spcBef>
@@ -428,7 +425,7 @@
               <a:buChar char="○"/>
               <a:defRPr sz="1100"/>
             </a:lvl5pPr>
-            <a:lvl6pPr indent="-298450" lvl="5" marL="2743200">
+            <a:lvl6pPr marL="2743200" lvl="5" indent="-298450">
               <a:spcBef>
                 <a:spcPts val="0"/>
               </a:spcBef>
@@ -439,7 +436,7 @@
               <a:buChar char="■"/>
               <a:defRPr sz="1100"/>
             </a:lvl6pPr>
-            <a:lvl7pPr indent="-298450" lvl="6" marL="3200400">
+            <a:lvl7pPr marL="3200400" lvl="6" indent="-298450">
               <a:spcBef>
                 <a:spcPts val="0"/>
               </a:spcBef>
@@ -450,7 +447,7 @@
               <a:buChar char="●"/>
               <a:defRPr sz="1100"/>
             </a:lvl7pPr>
-            <a:lvl8pPr indent="-298450" lvl="7" marL="3657600">
+            <a:lvl8pPr marL="3657600" lvl="7" indent="-298450">
               <a:spcBef>
                 <a:spcPts val="0"/>
               </a:spcBef>
@@ -461,7 +458,7 @@
               <a:buChar char="○"/>
               <a:defRPr sz="1100"/>
             </a:lvl8pPr>
-            <a:lvl9pPr indent="-298450" lvl="8" marL="4114800">
+            <a:lvl9pPr marL="4114800" lvl="8" indent="-298450">
               <a:spcBef>
                 <a:spcPts val="0"/>
               </a:spcBef>
@@ -473,14 +470,16 @@
               <a:defRPr sz="1100"/>
             </a:lvl9pPr>
           </a:lstStyle>
-          <a:p/>
+          <a:p>
+            <a:endParaRPr/>
+          </a:p>
         </p:txBody>
       </p:sp>
     </p:spTree>
   </p:cSld>
-  <p:clrMap accent1="accent1" accent2="accent2" accent3="accent3" accent4="accent4" accent5="accent5" accent6="accent6" bg1="lt1" bg2="dk2" tx1="dk1" tx2="lt2" folHlink="folHlink" hlink="hlink"/>
+  <p:clrMap bg1="lt1" tx1="dk1" bg2="dk2" tx2="lt2" accent1="accent1" accent2="accent2" accent3="accent3" accent4="accent4" accent5="accent5" accent6="accent6" hlink="hlink" folHlink="folHlink"/>
   <p:notesStyle>
-    <a:defPPr lvl="0" marR="0" rtl="0" algn="l">
+    <a:defPPr marR="0" lvl="0" algn="l" rtl="0">
       <a:lnSpc>
         <a:spcPct val="100000"/>
       </a:lnSpc>
@@ -491,7 +490,7 @@
         <a:spcPts val="0"/>
       </a:spcAft>
     </a:defPPr>
-    <a:lvl1pPr lvl="0" marR="0" rtl="0" algn="l">
+    <a:lvl1pPr marR="0" lvl="0" algn="l" rtl="0">
       <a:lnSpc>
         <a:spcPct val="100000"/>
       </a:lnSpc>
@@ -505,7 +504,7 @@
         <a:srgbClr val="000000"/>
       </a:buClr>
       <a:buFont typeface="Arial"/>
-      <a:defRPr b="0" i="0" sz="1400" u="none" cap="none" strike="noStrike">
+      <a:defRPr sz="1400" b="0" i="0" u="none" strike="noStrike" cap="none">
         <a:solidFill>
           <a:srgbClr val="000000"/>
         </a:solidFill>
@@ -515,7 +514,7 @@
         <a:sym typeface="Arial"/>
       </a:defRPr>
     </a:lvl1pPr>
-    <a:lvl2pPr lvl="1" marR="0" rtl="0" algn="l">
+    <a:lvl2pPr marR="0" lvl="1" algn="l" rtl="0">
       <a:lnSpc>
         <a:spcPct val="100000"/>
       </a:lnSpc>
@@ -529,7 +528,7 @@
         <a:srgbClr val="000000"/>
       </a:buClr>
       <a:buFont typeface="Arial"/>
-      <a:defRPr b="0" i="0" sz="1400" u="none" cap="none" strike="noStrike">
+      <a:defRPr sz="1400" b="0" i="0" u="none" strike="noStrike" cap="none">
         <a:solidFill>
           <a:srgbClr val="000000"/>
         </a:solidFill>
@@ -539,7 +538,7 @@
         <a:sym typeface="Arial"/>
       </a:defRPr>
     </a:lvl2pPr>
-    <a:lvl3pPr lvl="2" marR="0" rtl="0" algn="l">
+    <a:lvl3pPr marR="0" lvl="2" algn="l" rtl="0">
       <a:lnSpc>
         <a:spcPct val="100000"/>
       </a:lnSpc>
@@ -553,7 +552,7 @@
         <a:srgbClr val="000000"/>
       </a:buClr>
       <a:buFont typeface="Arial"/>
-      <a:defRPr b="0" i="0" sz="1400" u="none" cap="none" strike="noStrike">
+      <a:defRPr sz="1400" b="0" i="0" u="none" strike="noStrike" cap="none">
         <a:solidFill>
           <a:srgbClr val="000000"/>
         </a:solidFill>
@@ -563,7 +562,7 @@
         <a:sym typeface="Arial"/>
       </a:defRPr>
     </a:lvl3pPr>
-    <a:lvl4pPr lvl="3" marR="0" rtl="0" algn="l">
+    <a:lvl4pPr marR="0" lvl="3" algn="l" rtl="0">
       <a:lnSpc>
         <a:spcPct val="100000"/>
       </a:lnSpc>
@@ -577,7 +576,7 @@
         <a:srgbClr val="000000"/>
       </a:buClr>
       <a:buFont typeface="Arial"/>
-      <a:defRPr b="0" i="0" sz="1400" u="none" cap="none" strike="noStrike">
+      <a:defRPr sz="1400" b="0" i="0" u="none" strike="noStrike" cap="none">
         <a:solidFill>
           <a:srgbClr val="000000"/>
         </a:solidFill>
@@ -587,7 +586,7 @@
         <a:sym typeface="Arial"/>
       </a:defRPr>
     </a:lvl4pPr>
-    <a:lvl5pPr lvl="4" marR="0" rtl="0" algn="l">
+    <a:lvl5pPr marR="0" lvl="4" algn="l" rtl="0">
       <a:lnSpc>
         <a:spcPct val="100000"/>
       </a:lnSpc>
@@ -601,7 +600,7 @@
         <a:srgbClr val="000000"/>
       </a:buClr>
       <a:buFont typeface="Arial"/>
-      <a:defRPr b="0" i="0" sz="1400" u="none" cap="none" strike="noStrike">
+      <a:defRPr sz="1400" b="0" i="0" u="none" strike="noStrike" cap="none">
         <a:solidFill>
           <a:srgbClr val="000000"/>
         </a:solidFill>
@@ -611,7 +610,7 @@
         <a:sym typeface="Arial"/>
       </a:defRPr>
     </a:lvl5pPr>
-    <a:lvl6pPr lvl="5" marR="0" rtl="0" algn="l">
+    <a:lvl6pPr marR="0" lvl="5" algn="l" rtl="0">
       <a:lnSpc>
         <a:spcPct val="100000"/>
       </a:lnSpc>
@@ -625,7 +624,7 @@
         <a:srgbClr val="000000"/>
       </a:buClr>
       <a:buFont typeface="Arial"/>
-      <a:defRPr b="0" i="0" sz="1400" u="none" cap="none" strike="noStrike">
+      <a:defRPr sz="1400" b="0" i="0" u="none" strike="noStrike" cap="none">
         <a:solidFill>
           <a:srgbClr val="000000"/>
         </a:solidFill>
@@ -635,7 +634,7 @@
         <a:sym typeface="Arial"/>
       </a:defRPr>
     </a:lvl6pPr>
-    <a:lvl7pPr lvl="6" marR="0" rtl="0" algn="l">
+    <a:lvl7pPr marR="0" lvl="6" algn="l" rtl="0">
       <a:lnSpc>
         <a:spcPct val="100000"/>
       </a:lnSpc>
@@ -649,7 +648,7 @@
         <a:srgbClr val="000000"/>
       </a:buClr>
       <a:buFont typeface="Arial"/>
-      <a:defRPr b="0" i="0" sz="1400" u="none" cap="none" strike="noStrike">
+      <a:defRPr sz="1400" b="0" i="0" u="none" strike="noStrike" cap="none">
         <a:solidFill>
           <a:srgbClr val="000000"/>
         </a:solidFill>
@@ -659,7 +658,7 @@
         <a:sym typeface="Arial"/>
       </a:defRPr>
     </a:lvl7pPr>
-    <a:lvl8pPr lvl="7" marR="0" rtl="0" algn="l">
+    <a:lvl8pPr marR="0" lvl="7" algn="l" rtl="0">
       <a:lnSpc>
         <a:spcPct val="100000"/>
       </a:lnSpc>
@@ -673,7 +672,7 @@
         <a:srgbClr val="000000"/>
       </a:buClr>
       <a:buFont typeface="Arial"/>
-      <a:defRPr b="0" i="0" sz="1400" u="none" cap="none" strike="noStrike">
+      <a:defRPr sz="1400" b="0" i="0" u="none" strike="noStrike" cap="none">
         <a:solidFill>
           <a:srgbClr val="000000"/>
         </a:solidFill>
@@ -683,7 +682,7 @@
         <a:sym typeface="Arial"/>
       </a:defRPr>
     </a:lvl8pPr>
-    <a:lvl9pPr lvl="8" marR="0" rtl="0" algn="l">
+    <a:lvl9pPr marR="0" lvl="8" algn="l" rtl="0">
       <a:lnSpc>
         <a:spcPct val="100000"/>
       </a:lnSpc>
@@ -697,7 +696,7 @@
         <a:srgbClr val="000000"/>
       </a:buClr>
       <a:buFont typeface="Arial"/>
-      <a:defRPr b="0" i="0" sz="1400" u="none" cap="none" strike="noStrike">
+      <a:defRPr sz="1400" b="0" i="0" u="none" strike="noStrike" cap="none">
         <a:solidFill>
           <a:srgbClr val="000000"/>
         </a:solidFill>
@@ -712,11 +711,11 @@
 </file>
 
 <file path=ppt/notesSlides/notesSlide1.xml><?xml version="1.0" encoding="utf-8"?>
-<p:notes xmlns:a="http://schemas.openxmlformats.org/drawingml/2006/main" xmlns:r="http://schemas.openxmlformats.org/officeDocument/2006/relationships" xmlns:mc="http://schemas.openxmlformats.org/markup-compatibility/2006" xmlns:mv="urn:schemas-microsoft-com:mac:vml" xmlns:p="http://schemas.openxmlformats.org/presentationml/2006/main" xmlns:c="http://schemas.openxmlformats.org/drawingml/2006/chart" xmlns:dgm="http://schemas.openxmlformats.org/drawingml/2006/diagram" xmlns:o="urn:schemas-microsoft-com:office:office" xmlns:v="urn:schemas-microsoft-com:vml" xmlns:pvml="urn:schemas-microsoft-com:office:powerpoint" xmlns:com="http://schemas.openxmlformats.org/drawingml/2006/compatibility" xmlns:p14="http://schemas.microsoft.com/office/powerpoint/2010/main" xmlns:p15="http://schemas.microsoft.com/office/powerpoint/2012/main" xmlns:ahyp="http://schemas.microsoft.com/office/drawing/2018/hyperlinkcolor" showMasterPhAnim="0" showMasterSp="0">
+<p:notes xmlns:a="http://schemas.openxmlformats.org/drawingml/2006/main" xmlns:r="http://schemas.openxmlformats.org/officeDocument/2006/relationships" xmlns:p="http://schemas.openxmlformats.org/presentationml/2006/main" showMasterSp="0" showMasterPhAnim="0">
   <p:cSld>
     <p:spTree>
       <p:nvGrpSpPr>
-        <p:cNvPr id="50" name="Shape 50"/>
+        <p:cNvPr id="1" name="Shape 50"/>
         <p:cNvGrpSpPr/>
         <p:nvPr/>
       </p:nvGrpSpPr>
@@ -731,9 +730,11 @@
       <p:sp>
         <p:nvSpPr>
           <p:cNvPr id="51" name="Google Shape;51;ga22e4371a9_0_1:notes"/>
-          <p:cNvSpPr/>
+          <p:cNvSpPr>
+            <a:spLocks noGrp="1" noRot="1" noChangeAspect="1"/>
+          </p:cNvSpPr>
           <p:nvPr>
-            <p:ph idx="2" type="sldImg"/>
+            <p:ph type="sldImg" idx="2"/>
           </p:nvPr>
         </p:nvSpPr>
         <p:spPr>
@@ -742,9 +743,13 @@
             <a:ext cx="6096000" cy="3429000"/>
           </a:xfrm>
           <a:custGeom>
-            <a:rect b="b" l="l" r="r" t="t"/>
+            <a:avLst/>
+            <a:gdLst/>
+            <a:ahLst/>
+            <a:cxnLst/>
+            <a:rect l="l" t="t" r="r" b="b"/>
             <a:pathLst>
-              <a:path extrusionOk="0" h="120000" w="120000">
+              <a:path w="120000" h="120000" extrusionOk="0">
                 <a:moveTo>
                   <a:pt x="0" y="0"/>
                 </a:moveTo>
@@ -766,9 +771,11 @@
       <p:sp>
         <p:nvSpPr>
           <p:cNvPr id="52" name="Google Shape;52;ga22e4371a9_0_1:notes"/>
-          <p:cNvSpPr txBox="1"/>
+          <p:cNvSpPr txBox="1">
+            <a:spLocks noGrp="1"/>
+          </p:cNvSpPr>
           <p:nvPr>
-            <p:ph idx="1" type="body"/>
+            <p:ph type="body" idx="1"/>
           </p:nvPr>
         </p:nvSpPr>
         <p:spPr>
@@ -781,12 +788,12 @@
           </a:prstGeom>
         </p:spPr>
         <p:txBody>
-          <a:bodyPr anchorCtr="0" anchor="t" bIns="91425" lIns="91425" spcFirstLastPara="1" rIns="91425" wrap="square" tIns="91425">
+          <a:bodyPr spcFirstLastPara="1" wrap="square" lIns="91425" tIns="91425" rIns="91425" bIns="91425" anchor="t" anchorCtr="0">
             <a:noAutofit/>
           </a:bodyPr>
           <a:lstStyle/>
           <a:p>
-            <a:pPr indent="0" lvl="0" marL="0" rtl="0" algn="l">
+            <a:pPr marL="0" lvl="0" indent="0" algn="l" rtl="0">
               <a:spcBef>
                 <a:spcPts val="0"/>
               </a:spcBef>
@@ -795,9 +802,6 @@
               </a:spcAft>
               <a:buNone/>
             </a:pPr>
-            <a:r>
-              <a:t/>
-            </a:r>
             <a:endParaRPr/>
           </a:p>
         </p:txBody>
@@ -811,11 +815,11 @@
 </file>
 
 <file path=ppt/notesSlides/notesSlide10.xml><?xml version="1.0" encoding="utf-8"?>
-<p:notes xmlns:a="http://schemas.openxmlformats.org/drawingml/2006/main" xmlns:r="http://schemas.openxmlformats.org/officeDocument/2006/relationships" xmlns:mc="http://schemas.openxmlformats.org/markup-compatibility/2006" xmlns:mv="urn:schemas-microsoft-com:mac:vml" xmlns:p="http://schemas.openxmlformats.org/presentationml/2006/main" xmlns:c="http://schemas.openxmlformats.org/drawingml/2006/chart" xmlns:dgm="http://schemas.openxmlformats.org/drawingml/2006/diagram" xmlns:o="urn:schemas-microsoft-com:office:office" xmlns:v="urn:schemas-microsoft-com:vml" xmlns:pvml="urn:schemas-microsoft-com:office:powerpoint" xmlns:com="http://schemas.openxmlformats.org/drawingml/2006/compatibility" xmlns:p14="http://schemas.microsoft.com/office/powerpoint/2010/main" xmlns:p15="http://schemas.microsoft.com/office/powerpoint/2012/main" xmlns:ahyp="http://schemas.microsoft.com/office/drawing/2018/hyperlinkcolor" showMasterPhAnim="0" showMasterSp="0">
+<p:notes xmlns:a="http://schemas.openxmlformats.org/drawingml/2006/main" xmlns:r="http://schemas.openxmlformats.org/officeDocument/2006/relationships" xmlns:p="http://schemas.openxmlformats.org/presentationml/2006/main" showMasterSp="0" showMasterPhAnim="0">
   <p:cSld>
     <p:spTree>
       <p:nvGrpSpPr>
-        <p:cNvPr id="117" name="Shape 117"/>
+        <p:cNvPr id="1" name="Shape 117"/>
         <p:cNvGrpSpPr/>
         <p:nvPr/>
       </p:nvGrpSpPr>
@@ -830,9 +834,11 @@
       <p:sp>
         <p:nvSpPr>
           <p:cNvPr id="118" name="Google Shape;118;gac0bbc3422_1_272:notes"/>
-          <p:cNvSpPr/>
+          <p:cNvSpPr>
+            <a:spLocks noGrp="1" noRot="1" noChangeAspect="1"/>
+          </p:cNvSpPr>
           <p:nvPr>
-            <p:ph idx="2" type="sldImg"/>
+            <p:ph type="sldImg" idx="2"/>
           </p:nvPr>
         </p:nvSpPr>
         <p:spPr>
@@ -841,9 +847,13 @@
             <a:ext cx="6096000" cy="3429000"/>
           </a:xfrm>
           <a:custGeom>
-            <a:rect b="b" l="l" r="r" t="t"/>
+            <a:avLst/>
+            <a:gdLst/>
+            <a:ahLst/>
+            <a:cxnLst/>
+            <a:rect l="l" t="t" r="r" b="b"/>
             <a:pathLst>
-              <a:path extrusionOk="0" h="120000" w="120000">
+              <a:path w="120000" h="120000" extrusionOk="0">
                 <a:moveTo>
                   <a:pt x="0" y="0"/>
                 </a:moveTo>
@@ -865,9 +875,11 @@
       <p:sp>
         <p:nvSpPr>
           <p:cNvPr id="119" name="Google Shape;119;gac0bbc3422_1_272:notes"/>
-          <p:cNvSpPr txBox="1"/>
+          <p:cNvSpPr txBox="1">
+            <a:spLocks noGrp="1"/>
+          </p:cNvSpPr>
           <p:nvPr>
-            <p:ph idx="1" type="body"/>
+            <p:ph type="body" idx="1"/>
           </p:nvPr>
         </p:nvSpPr>
         <p:spPr>
@@ -880,12 +892,12 @@
           </a:prstGeom>
         </p:spPr>
         <p:txBody>
-          <a:bodyPr anchorCtr="0" anchor="t" bIns="91425" lIns="91425" spcFirstLastPara="1" rIns="91425" wrap="square" tIns="91425">
+          <a:bodyPr spcFirstLastPara="1" wrap="square" lIns="91425" tIns="91425" rIns="91425" bIns="91425" anchor="t" anchorCtr="0">
             <a:noAutofit/>
           </a:bodyPr>
           <a:lstStyle/>
           <a:p>
-            <a:pPr indent="0" lvl="0" marL="0" rtl="0" algn="l">
+            <a:pPr marL="0" lvl="0" indent="0" algn="l" rtl="0">
               <a:spcBef>
                 <a:spcPts val="0"/>
               </a:spcBef>
@@ -894,9 +906,6 @@
               </a:spcAft>
               <a:buNone/>
             </a:pPr>
-            <a:r>
-              <a:t/>
-            </a:r>
             <a:endParaRPr/>
           </a:p>
         </p:txBody>
@@ -910,11 +919,11 @@
 </file>
 
 <file path=ppt/notesSlides/notesSlide2.xml><?xml version="1.0" encoding="utf-8"?>
-<p:notes xmlns:a="http://schemas.openxmlformats.org/drawingml/2006/main" xmlns:r="http://schemas.openxmlformats.org/officeDocument/2006/relationships" xmlns:mc="http://schemas.openxmlformats.org/markup-compatibility/2006" xmlns:mv="urn:schemas-microsoft-com:mac:vml" xmlns:p="http://schemas.openxmlformats.org/presentationml/2006/main" xmlns:c="http://schemas.openxmlformats.org/drawingml/2006/chart" xmlns:dgm="http://schemas.openxmlformats.org/drawingml/2006/diagram" xmlns:o="urn:schemas-microsoft-com:office:office" xmlns:v="urn:schemas-microsoft-com:vml" xmlns:pvml="urn:schemas-microsoft-com:office:powerpoint" xmlns:com="http://schemas.openxmlformats.org/drawingml/2006/compatibility" xmlns:p14="http://schemas.microsoft.com/office/powerpoint/2010/main" xmlns:p15="http://schemas.microsoft.com/office/powerpoint/2012/main" xmlns:ahyp="http://schemas.microsoft.com/office/drawing/2018/hyperlinkcolor" showMasterPhAnim="0" showMasterSp="0">
+<p:notes xmlns:a="http://schemas.openxmlformats.org/drawingml/2006/main" xmlns:r="http://schemas.openxmlformats.org/officeDocument/2006/relationships" xmlns:p="http://schemas.openxmlformats.org/presentationml/2006/main" showMasterSp="0" showMasterPhAnim="0">
   <p:cSld>
     <p:spTree>
       <p:nvGrpSpPr>
-        <p:cNvPr id="56" name="Shape 56"/>
+        <p:cNvPr id="1" name="Shape 56"/>
         <p:cNvGrpSpPr/>
         <p:nvPr/>
       </p:nvGrpSpPr>
@@ -929,9 +938,11 @@
       <p:sp>
         <p:nvSpPr>
           <p:cNvPr id="57" name="Google Shape;57;gac0bbc3422_0_6:notes"/>
-          <p:cNvSpPr/>
+          <p:cNvSpPr>
+            <a:spLocks noGrp="1" noRot="1" noChangeAspect="1"/>
+          </p:cNvSpPr>
           <p:nvPr>
-            <p:ph idx="2" type="sldImg"/>
+            <p:ph type="sldImg" idx="2"/>
           </p:nvPr>
         </p:nvSpPr>
         <p:spPr>
@@ -940,9 +951,13 @@
             <a:ext cx="6096000" cy="3429000"/>
           </a:xfrm>
           <a:custGeom>
-            <a:rect b="b" l="l" r="r" t="t"/>
+            <a:avLst/>
+            <a:gdLst/>
+            <a:ahLst/>
+            <a:cxnLst/>
+            <a:rect l="l" t="t" r="r" b="b"/>
             <a:pathLst>
-              <a:path extrusionOk="0" h="120000" w="120000">
+              <a:path w="120000" h="120000" extrusionOk="0">
                 <a:moveTo>
                   <a:pt x="0" y="0"/>
                 </a:moveTo>
@@ -964,9 +979,11 @@
       <p:sp>
         <p:nvSpPr>
           <p:cNvPr id="58" name="Google Shape;58;gac0bbc3422_0_6:notes"/>
-          <p:cNvSpPr txBox="1"/>
+          <p:cNvSpPr txBox="1">
+            <a:spLocks noGrp="1"/>
+          </p:cNvSpPr>
           <p:nvPr>
-            <p:ph idx="1" type="body"/>
+            <p:ph type="body" idx="1"/>
           </p:nvPr>
         </p:nvSpPr>
         <p:spPr>
@@ -979,12 +996,12 @@
           </a:prstGeom>
         </p:spPr>
         <p:txBody>
-          <a:bodyPr anchorCtr="0" anchor="t" bIns="91425" lIns="91425" spcFirstLastPara="1" rIns="91425" wrap="square" tIns="91425">
+          <a:bodyPr spcFirstLastPara="1" wrap="square" lIns="91425" tIns="91425" rIns="91425" bIns="91425" anchor="t" anchorCtr="0">
             <a:noAutofit/>
           </a:bodyPr>
           <a:lstStyle/>
           <a:p>
-            <a:pPr indent="0" lvl="0" marL="0" rtl="0" algn="l">
+            <a:pPr marL="0" lvl="0" indent="0" algn="l" rtl="0">
               <a:spcBef>
                 <a:spcPts val="0"/>
               </a:spcBef>
@@ -995,20 +1012,12 @@
             </a:pPr>
             <a:r>
               <a:rPr lang="en"/>
-              <a:t>Duke University has an ion-trap quantum computer that runs on a hardware platform called ARTIQ which we will explain in detail in a few minutes. Our goals was to implement a translation layer between a high level language like Qiskit or Q# and the Duke Artiq Extensions (or DAX) language, a high level language that ARTIQ can be programmed in. We did this by developing a new provider for qiskit similar to how IBM cloud is an existing provider that quantum </a:t>
-            </a:r>
-            <a:r>
-              <a:rPr lang="en"/>
-              <a:t>circuits</a:t>
-            </a:r>
-            <a:r>
-              <a:rPr lang="en"/>
-              <a:t> can be run on. </a:t>
+              <a:t>Duke University has an ion-trap quantum computer that runs on a hardware platform called ARTIQ which we will explain in detail in a few minutes. Our goals was to implement a translation layer between a high level language like Qiskit or Q# and the Duke Artiq Extensions (or DAX) language, a high level language that ARTIQ can be programmed in. We did this by developing a new provider for qiskit similar to how IBM cloud is an existing provider that quantum circuits can be run on. </a:t>
             </a:r>
             <a:endParaRPr/>
           </a:p>
           <a:p>
-            <a:pPr indent="0" lvl="0" marL="0" rtl="0" algn="l">
+            <a:pPr marL="0" lvl="0" indent="0" algn="l" rtl="0">
               <a:spcBef>
                 <a:spcPts val="0"/>
               </a:spcBef>
@@ -1017,9 +1026,6 @@
               </a:spcAft>
               <a:buNone/>
             </a:pPr>
-            <a:r>
-              <a:t/>
-            </a:r>
             <a:endParaRPr/>
           </a:p>
         </p:txBody>
@@ -1033,11 +1039,11 @@
 </file>
 
 <file path=ppt/notesSlides/notesSlide3.xml><?xml version="1.0" encoding="utf-8"?>
-<p:notes xmlns:a="http://schemas.openxmlformats.org/drawingml/2006/main" xmlns:r="http://schemas.openxmlformats.org/officeDocument/2006/relationships" xmlns:mc="http://schemas.openxmlformats.org/markup-compatibility/2006" xmlns:mv="urn:schemas-microsoft-com:mac:vml" xmlns:p="http://schemas.openxmlformats.org/presentationml/2006/main" xmlns:c="http://schemas.openxmlformats.org/drawingml/2006/chart" xmlns:dgm="http://schemas.openxmlformats.org/drawingml/2006/diagram" xmlns:o="urn:schemas-microsoft-com:office:office" xmlns:v="urn:schemas-microsoft-com:vml" xmlns:pvml="urn:schemas-microsoft-com:office:powerpoint" xmlns:com="http://schemas.openxmlformats.org/drawingml/2006/compatibility" xmlns:p14="http://schemas.microsoft.com/office/powerpoint/2010/main" xmlns:p15="http://schemas.microsoft.com/office/powerpoint/2012/main" xmlns:ahyp="http://schemas.microsoft.com/office/drawing/2018/hyperlinkcolor" showMasterPhAnim="0" showMasterSp="0">
+<p:notes xmlns:a="http://schemas.openxmlformats.org/drawingml/2006/main" xmlns:r="http://schemas.openxmlformats.org/officeDocument/2006/relationships" xmlns:p="http://schemas.openxmlformats.org/presentationml/2006/main" showMasterSp="0" showMasterPhAnim="0">
   <p:cSld>
     <p:spTree>
       <p:nvGrpSpPr>
-        <p:cNvPr id="69" name="Shape 69"/>
+        <p:cNvPr id="1" name="Shape 69"/>
         <p:cNvGrpSpPr/>
         <p:nvPr/>
       </p:nvGrpSpPr>
@@ -1052,9 +1058,11 @@
       <p:sp>
         <p:nvSpPr>
           <p:cNvPr id="70" name="Google Shape;70;ga2af597718_1_30:notes"/>
-          <p:cNvSpPr/>
+          <p:cNvSpPr>
+            <a:spLocks noGrp="1" noRot="1" noChangeAspect="1"/>
+          </p:cNvSpPr>
           <p:nvPr>
-            <p:ph idx="2" type="sldImg"/>
+            <p:ph type="sldImg" idx="2"/>
           </p:nvPr>
         </p:nvSpPr>
         <p:spPr>
@@ -1063,9 +1071,13 @@
             <a:ext cx="6096000" cy="3429000"/>
           </a:xfrm>
           <a:custGeom>
-            <a:rect b="b" l="l" r="r" t="t"/>
+            <a:avLst/>
+            <a:gdLst/>
+            <a:ahLst/>
+            <a:cxnLst/>
+            <a:rect l="l" t="t" r="r" b="b"/>
             <a:pathLst>
-              <a:path extrusionOk="0" h="120000" w="120000">
+              <a:path w="120000" h="120000" extrusionOk="0">
                 <a:moveTo>
                   <a:pt x="0" y="0"/>
                 </a:moveTo>
@@ -1087,9 +1099,11 @@
       <p:sp>
         <p:nvSpPr>
           <p:cNvPr id="71" name="Google Shape;71;ga2af597718_1_30:notes"/>
-          <p:cNvSpPr txBox="1"/>
+          <p:cNvSpPr txBox="1">
+            <a:spLocks noGrp="1"/>
+          </p:cNvSpPr>
           <p:nvPr>
-            <p:ph idx="1" type="body"/>
+            <p:ph type="body" idx="1"/>
           </p:nvPr>
         </p:nvSpPr>
         <p:spPr>
@@ -1102,12 +1116,12 @@
           </a:prstGeom>
         </p:spPr>
         <p:txBody>
-          <a:bodyPr anchorCtr="0" anchor="t" bIns="91425" lIns="91425" spcFirstLastPara="1" rIns="91425" wrap="square" tIns="91425">
+          <a:bodyPr spcFirstLastPara="1" wrap="square" lIns="91425" tIns="91425" rIns="91425" bIns="91425" anchor="t" anchorCtr="0">
             <a:noAutofit/>
           </a:bodyPr>
           <a:lstStyle/>
           <a:p>
-            <a:pPr indent="0" lvl="0" marL="0" marR="190500" rtl="0" algn="l">
+            <a:pPr marL="0" marR="190500" lvl="0" indent="0" algn="l" rtl="0">
               <a:lnSpc>
                 <a:spcPct val="115000"/>
               </a:lnSpc>
@@ -1128,18 +1142,7 @@
                   <a:srgbClr val="FFFFFF"/>
                 </a:highlight>
               </a:rPr>
-              <a:t>So, what exactly is DAX? </a:t>
-            </a:r>
-            <a:r>
-              <a:rPr lang="en" sz="1150">
-                <a:solidFill>
-                  <a:srgbClr val="1D1C1D"/>
-                </a:solidFill>
-                <a:highlight>
-                  <a:srgbClr val="FFFFFF"/>
-                </a:highlight>
-              </a:rPr>
-              <a:t>DAX is a device dependant high level programming language. It was made specifically to be compiled into kernels that can be run on the ARTIQ FPGA.</a:t>
+              <a:t>So, what exactly is DAX? DAX is a device dependant high level programming language. It was made specifically to be compiled into kernels that can be run on the ARTIQ FPGA.</a:t>
             </a:r>
             <a:endParaRPr sz="1150">
               <a:solidFill>
@@ -1151,7 +1154,7 @@
             </a:endParaRPr>
           </a:p>
           <a:p>
-            <a:pPr indent="0" lvl="0" marL="0" marR="190500" rtl="0" algn="l">
+            <a:pPr marL="0" marR="190500" lvl="0" indent="0" algn="l" rtl="0">
               <a:lnSpc>
                 <a:spcPct val="115000"/>
               </a:lnSpc>
@@ -1163,9 +1166,6 @@
               </a:spcAft>
               <a:buNone/>
             </a:pPr>
-            <a:r>
-              <a:t/>
-            </a:r>
             <a:endParaRPr sz="1150">
               <a:solidFill>
                 <a:srgbClr val="1D1C1D"/>
@@ -1176,7 +1176,7 @@
             </a:endParaRPr>
           </a:p>
           <a:p>
-            <a:pPr indent="0" lvl="0" marL="0" marR="190500" rtl="0" algn="l">
+            <a:pPr marL="0" marR="190500" lvl="0" indent="0" algn="l" rtl="0">
               <a:lnSpc>
                 <a:spcPct val="115000"/>
               </a:lnSpc>
@@ -1209,7 +1209,7 @@
             </a:endParaRPr>
           </a:p>
           <a:p>
-            <a:pPr indent="0" lvl="0" marL="0" marR="190500" rtl="0" algn="l">
+            <a:pPr marL="0" marR="190500" lvl="0" indent="0" algn="l" rtl="0">
               <a:lnSpc>
                 <a:spcPct val="115000"/>
               </a:lnSpc>
@@ -1221,9 +1221,6 @@
               </a:spcAft>
               <a:buNone/>
             </a:pPr>
-            <a:r>
-              <a:t/>
-            </a:r>
             <a:endParaRPr sz="1150">
               <a:solidFill>
                 <a:srgbClr val="1D1C1D"/>
@@ -1234,7 +1231,7 @@
             </a:endParaRPr>
           </a:p>
           <a:p>
-            <a:pPr indent="0" lvl="0" marL="0" marR="190500" rtl="0" algn="l">
+            <a:pPr marL="0" marR="190500" lvl="0" indent="0" algn="l" rtl="0">
               <a:lnSpc>
                 <a:spcPct val="115000"/>
               </a:lnSpc>
@@ -1251,9 +1248,6 @@
               <a:buFont typeface="Arial"/>
               <a:buNone/>
             </a:pPr>
-            <a:r>
-              <a:t/>
-            </a:r>
             <a:endParaRPr sz="1150">
               <a:solidFill>
                 <a:srgbClr val="1D1C1D"/>
@@ -1274,11 +1268,11 @@
 </file>
 
 <file path=ppt/notesSlides/notesSlide4.xml><?xml version="1.0" encoding="utf-8"?>
-<p:notes xmlns:a="http://schemas.openxmlformats.org/drawingml/2006/main" xmlns:r="http://schemas.openxmlformats.org/officeDocument/2006/relationships" xmlns:mc="http://schemas.openxmlformats.org/markup-compatibility/2006" xmlns:mv="urn:schemas-microsoft-com:mac:vml" xmlns:p="http://schemas.openxmlformats.org/presentationml/2006/main" xmlns:c="http://schemas.openxmlformats.org/drawingml/2006/chart" xmlns:dgm="http://schemas.openxmlformats.org/drawingml/2006/diagram" xmlns:o="urn:schemas-microsoft-com:office:office" xmlns:v="urn:schemas-microsoft-com:vml" xmlns:pvml="urn:schemas-microsoft-com:office:powerpoint" xmlns:com="http://schemas.openxmlformats.org/drawingml/2006/compatibility" xmlns:p14="http://schemas.microsoft.com/office/powerpoint/2010/main" xmlns:p15="http://schemas.microsoft.com/office/powerpoint/2012/main" xmlns:ahyp="http://schemas.microsoft.com/office/drawing/2018/hyperlinkcolor" showMasterPhAnim="0" showMasterSp="0">
+<p:notes xmlns:a="http://schemas.openxmlformats.org/drawingml/2006/main" xmlns:r="http://schemas.openxmlformats.org/officeDocument/2006/relationships" xmlns:p="http://schemas.openxmlformats.org/presentationml/2006/main" showMasterSp="0" showMasterPhAnim="0">
   <p:cSld>
     <p:spTree>
       <p:nvGrpSpPr>
-        <p:cNvPr id="76" name="Shape 76"/>
+        <p:cNvPr id="1" name="Shape 76"/>
         <p:cNvGrpSpPr/>
         <p:nvPr/>
       </p:nvGrpSpPr>
@@ -1293,9 +1287,11 @@
       <p:sp>
         <p:nvSpPr>
           <p:cNvPr id="77" name="Google Shape;77;ga2af597718_1_0:notes"/>
-          <p:cNvSpPr/>
+          <p:cNvSpPr>
+            <a:spLocks noGrp="1" noRot="1" noChangeAspect="1"/>
+          </p:cNvSpPr>
           <p:nvPr>
-            <p:ph idx="2" type="sldImg"/>
+            <p:ph type="sldImg" idx="2"/>
           </p:nvPr>
         </p:nvSpPr>
         <p:spPr>
@@ -1304,9 +1300,13 @@
             <a:ext cx="6096000" cy="3429000"/>
           </a:xfrm>
           <a:custGeom>
-            <a:rect b="b" l="l" r="r" t="t"/>
+            <a:avLst/>
+            <a:gdLst/>
+            <a:ahLst/>
+            <a:cxnLst/>
+            <a:rect l="l" t="t" r="r" b="b"/>
             <a:pathLst>
-              <a:path extrusionOk="0" h="120000" w="120000">
+              <a:path w="120000" h="120000" extrusionOk="0">
                 <a:moveTo>
                   <a:pt x="0" y="0"/>
                 </a:moveTo>
@@ -1328,9 +1328,11 @@
       <p:sp>
         <p:nvSpPr>
           <p:cNvPr id="78" name="Google Shape;78;ga2af597718_1_0:notes"/>
-          <p:cNvSpPr txBox="1"/>
+          <p:cNvSpPr txBox="1">
+            <a:spLocks noGrp="1"/>
+          </p:cNvSpPr>
           <p:nvPr>
-            <p:ph idx="1" type="body"/>
+            <p:ph type="body" idx="1"/>
           </p:nvPr>
         </p:nvSpPr>
         <p:spPr>
@@ -1343,12 +1345,12 @@
           </a:prstGeom>
         </p:spPr>
         <p:txBody>
-          <a:bodyPr anchorCtr="0" anchor="t" bIns="91425" lIns="91425" spcFirstLastPara="1" rIns="91425" wrap="square" tIns="91425">
+          <a:bodyPr spcFirstLastPara="1" wrap="square" lIns="91425" tIns="91425" rIns="91425" bIns="91425" anchor="t" anchorCtr="0">
             <a:noAutofit/>
           </a:bodyPr>
           <a:lstStyle/>
           <a:p>
-            <a:pPr indent="0" lvl="0" marL="0" rtl="0" algn="l">
+            <a:pPr marL="0" lvl="0" indent="0" algn="l" rtl="0">
               <a:spcBef>
                 <a:spcPts val="0"/>
               </a:spcBef>
@@ -1359,11 +1361,7 @@
             </a:pPr>
             <a:r>
               <a:rPr lang="en"/>
-              <a:t>To best talk about what we’ve achieved, I’ll first talk about how Qiskit’s Provider-backend </a:t>
-            </a:r>
-            <a:r>
-              <a:rPr lang="en"/>
-              <a:t>infrastructure works. //</a:t>
+              <a:t>To best talk about what we’ve achieved, I’ll first talk about how Qiskit’s Provider-backend infrastructure works. //</a:t>
             </a:r>
             <a:r>
               <a:rPr lang="en" strike="sngStrike"/>
@@ -1372,7 +1370,7 @@
             <a:endParaRPr strike="sngStrike"/>
           </a:p>
           <a:p>
-            <a:pPr indent="0" lvl="0" marL="0" rtl="0" algn="l">
+            <a:pPr marL="0" lvl="0" indent="0" algn="l" rtl="0">
               <a:spcBef>
                 <a:spcPts val="0"/>
               </a:spcBef>
@@ -1381,13 +1379,10 @@
               </a:spcAft>
               <a:buNone/>
             </a:pPr>
-            <a:r>
-              <a:t/>
-            </a:r>
             <a:endParaRPr/>
           </a:p>
           <a:p>
-            <a:pPr indent="0" lvl="0" marL="0" rtl="0" algn="l">
+            <a:pPr marL="0" lvl="0" indent="0" algn="l" rtl="0">
               <a:spcBef>
                 <a:spcPts val="0"/>
               </a:spcBef>
@@ -1415,7 +1410,7 @@
             <a:endParaRPr/>
           </a:p>
           <a:p>
-            <a:pPr indent="0" lvl="0" marL="0" rtl="0" algn="l">
+            <a:pPr marL="0" lvl="0" indent="0" algn="l" rtl="0">
               <a:spcBef>
                 <a:spcPts val="0"/>
               </a:spcBef>
@@ -1424,13 +1419,10 @@
               </a:spcAft>
               <a:buNone/>
             </a:pPr>
-            <a:r>
-              <a:t/>
-            </a:r>
             <a:endParaRPr/>
           </a:p>
           <a:p>
-            <a:pPr indent="0" lvl="0" marL="0" rtl="0" algn="l">
+            <a:pPr marL="0" lvl="0" indent="0" algn="l" rtl="0">
               <a:spcBef>
                 <a:spcPts val="0"/>
               </a:spcBef>
@@ -1445,15 +1437,7 @@
                   <a:schemeClr val="dk1"/>
                 </a:solidFill>
               </a:rPr>
-              <a:t>Before we started developing our own code we utilized some of the work of </a:t>
-            </a:r>
-            <a:r>
-              <a:rPr lang="en">
-                <a:solidFill>
-                  <a:schemeClr val="dk1"/>
-                </a:solidFill>
-              </a:rPr>
-              <a:t>the group Alpine Quantum Technologies, or AQT. They are Austrian company creating their own Ion Trap Quantum Computer. We were able to use a bit of their program infrastructure to aid in the development of our own provider and backend.</a:t>
+              <a:t>Before we started developing our own code we utilized some of the work of the group Alpine Quantum Technologies, or AQT. They are Austrian company creating their own Ion Trap Quantum Computer. We were able to use a bit of their program infrastructure to aid in the development of our own provider and backend.</a:t>
             </a:r>
             <a:endParaRPr>
               <a:solidFill>
@@ -1462,7 +1446,7 @@
             </a:endParaRPr>
           </a:p>
           <a:p>
-            <a:pPr indent="0" lvl="0" marL="0" rtl="0" algn="l">
+            <a:pPr marL="0" lvl="0" indent="0" algn="l" rtl="0">
               <a:spcBef>
                 <a:spcPts val="0"/>
               </a:spcBef>
@@ -1471,9 +1455,6 @@
               </a:spcAft>
               <a:buNone/>
             </a:pPr>
-            <a:r>
-              <a:t/>
-            </a:r>
             <a:endParaRPr>
               <a:solidFill>
                 <a:schemeClr val="dk1"/>
@@ -1481,7 +1462,7 @@
             </a:endParaRPr>
           </a:p>
           <a:p>
-            <a:pPr indent="0" lvl="0" marL="0" rtl="0" algn="l">
+            <a:pPr marL="0" lvl="0" indent="0" algn="l" rtl="0">
               <a:spcBef>
                 <a:spcPts val="0"/>
               </a:spcBef>
@@ -1505,7 +1486,7 @@
             <a:endParaRPr/>
           </a:p>
           <a:p>
-            <a:pPr indent="0" lvl="0" marL="0" rtl="0" algn="l">
+            <a:pPr marL="0" lvl="0" indent="0" algn="l" rtl="0">
               <a:spcBef>
                 <a:spcPts val="0"/>
               </a:spcBef>
@@ -1521,7 +1502,7 @@
             <a:endParaRPr/>
           </a:p>
           <a:p>
-            <a:pPr indent="0" lvl="0" marL="0" rtl="0" algn="l">
+            <a:pPr marL="0" lvl="0" indent="0" algn="l" rtl="0">
               <a:spcBef>
                 <a:spcPts val="0"/>
               </a:spcBef>
@@ -1530,9 +1511,6 @@
               </a:spcAft>
               <a:buNone/>
             </a:pPr>
-            <a:r>
-              <a:t/>
-            </a:r>
             <a:endParaRPr strike="sngStrike"/>
           </a:p>
         </p:txBody>
@@ -1546,11 +1524,11 @@
 </file>
 
 <file path=ppt/notesSlides/notesSlide5.xml><?xml version="1.0" encoding="utf-8"?>
-<p:notes xmlns:a="http://schemas.openxmlformats.org/drawingml/2006/main" xmlns:r="http://schemas.openxmlformats.org/officeDocument/2006/relationships" xmlns:mc="http://schemas.openxmlformats.org/markup-compatibility/2006" xmlns:mv="urn:schemas-microsoft-com:mac:vml" xmlns:p="http://schemas.openxmlformats.org/presentationml/2006/main" xmlns:c="http://schemas.openxmlformats.org/drawingml/2006/chart" xmlns:dgm="http://schemas.openxmlformats.org/drawingml/2006/diagram" xmlns:o="urn:schemas-microsoft-com:office:office" xmlns:v="urn:schemas-microsoft-com:vml" xmlns:pvml="urn:schemas-microsoft-com:office:powerpoint" xmlns:com="http://schemas.openxmlformats.org/drawingml/2006/compatibility" xmlns:p14="http://schemas.microsoft.com/office/powerpoint/2010/main" xmlns:p15="http://schemas.microsoft.com/office/powerpoint/2012/main" xmlns:ahyp="http://schemas.microsoft.com/office/drawing/2018/hyperlinkcolor" showMasterPhAnim="0" showMasterSp="0">
+<p:notes xmlns:a="http://schemas.openxmlformats.org/drawingml/2006/main" xmlns:r="http://schemas.openxmlformats.org/officeDocument/2006/relationships" xmlns:p="http://schemas.openxmlformats.org/presentationml/2006/main" showMasterSp="0" showMasterPhAnim="0">
   <p:cSld>
     <p:spTree>
       <p:nvGrpSpPr>
-        <p:cNvPr id="82" name="Shape 82"/>
+        <p:cNvPr id="1" name="Shape 82"/>
         <p:cNvGrpSpPr/>
         <p:nvPr/>
       </p:nvGrpSpPr>
@@ -1565,20 +1543,26 @@
       <p:sp>
         <p:nvSpPr>
           <p:cNvPr id="83" name="Google Shape;83;ga2af597718_1_5:notes"/>
-          <p:cNvSpPr/>
+          <p:cNvSpPr>
+            <a:spLocks noGrp="1" noRot="1" noChangeAspect="1"/>
+          </p:cNvSpPr>
           <p:nvPr>
-            <p:ph idx="2" type="sldImg"/>
+            <p:ph type="sldImg" idx="2"/>
           </p:nvPr>
         </p:nvSpPr>
         <p:spPr>
           <a:xfrm>
-            <a:off x="381300" y="685800"/>
+            <a:off x="381000" y="685800"/>
             <a:ext cx="6096000" cy="3429000"/>
           </a:xfrm>
           <a:custGeom>
-            <a:rect b="b" l="l" r="r" t="t"/>
+            <a:avLst/>
+            <a:gdLst/>
+            <a:ahLst/>
+            <a:cxnLst/>
+            <a:rect l="l" t="t" r="r" b="b"/>
             <a:pathLst>
-              <a:path extrusionOk="0" h="120000" w="120000">
+              <a:path w="120000" h="120000" extrusionOk="0">
                 <a:moveTo>
                   <a:pt x="0" y="0"/>
                 </a:moveTo>
@@ -1600,9 +1584,11 @@
       <p:sp>
         <p:nvSpPr>
           <p:cNvPr id="84" name="Google Shape;84;ga2af597718_1_5:notes"/>
-          <p:cNvSpPr txBox="1"/>
+          <p:cNvSpPr txBox="1">
+            <a:spLocks noGrp="1"/>
+          </p:cNvSpPr>
           <p:nvPr>
-            <p:ph idx="1" type="body"/>
+            <p:ph type="body" idx="1"/>
           </p:nvPr>
         </p:nvSpPr>
         <p:spPr>
@@ -1615,12 +1601,12 @@
           </a:prstGeom>
         </p:spPr>
         <p:txBody>
-          <a:bodyPr anchorCtr="0" anchor="t" bIns="91425" lIns="91425" spcFirstLastPara="1" rIns="91425" wrap="square" tIns="91425">
+          <a:bodyPr spcFirstLastPara="1" wrap="square" lIns="91425" tIns="91425" rIns="91425" bIns="91425" anchor="t" anchorCtr="0">
             <a:noAutofit/>
           </a:bodyPr>
           <a:lstStyle/>
           <a:p>
-            <a:pPr indent="0" lvl="0" marL="0" rtl="0" algn="l">
+            <a:pPr marL="0" lvl="0" indent="0" algn="l" rtl="0">
               <a:spcBef>
                 <a:spcPts val="0"/>
               </a:spcBef>
@@ -1636,7 +1622,7 @@
             <a:endParaRPr/>
           </a:p>
           <a:p>
-            <a:pPr indent="0" lvl="0" marL="0" rtl="0" algn="l">
+            <a:pPr marL="0" lvl="0" indent="0" algn="l" rtl="0">
               <a:spcBef>
                 <a:spcPts val="0"/>
               </a:spcBef>
@@ -1645,13 +1631,10 @@
               </a:spcAft>
               <a:buNone/>
             </a:pPr>
-            <a:r>
-              <a:t/>
-            </a:r>
             <a:endParaRPr/>
           </a:p>
           <a:p>
-            <a:pPr indent="0" lvl="0" marL="0" rtl="0" algn="l">
+            <a:pPr marL="0" lvl="0" indent="0" algn="l" rtl="0">
               <a:spcBef>
                 <a:spcPts val="0"/>
               </a:spcBef>
@@ -1667,7 +1650,7 @@
             <a:endParaRPr/>
           </a:p>
           <a:p>
-            <a:pPr indent="0" lvl="0" marL="0" rtl="0" algn="l">
+            <a:pPr marL="0" lvl="0" indent="0" algn="l" rtl="0">
               <a:spcBef>
                 <a:spcPts val="0"/>
               </a:spcBef>
@@ -1683,7 +1666,7 @@
             <a:endParaRPr/>
           </a:p>
           <a:p>
-            <a:pPr indent="0" lvl="0" marL="0" rtl="0" algn="l">
+            <a:pPr marL="0" lvl="0" indent="0" algn="l" rtl="0">
               <a:spcBef>
                 <a:spcPts val="0"/>
               </a:spcBef>
@@ -1692,13 +1675,10 @@
               </a:spcAft>
               <a:buNone/>
             </a:pPr>
-            <a:r>
-              <a:t/>
-            </a:r>
             <a:endParaRPr/>
           </a:p>
           <a:p>
-            <a:pPr indent="0" lvl="0" marL="0" rtl="0" algn="l">
+            <a:pPr marL="0" lvl="0" indent="0" algn="l" rtl="0">
               <a:spcBef>
                 <a:spcPts val="0"/>
               </a:spcBef>
@@ -1714,7 +1694,7 @@
             <a:endParaRPr/>
           </a:p>
           <a:p>
-            <a:pPr indent="0" lvl="0" marL="0" rtl="0" algn="l">
+            <a:pPr marL="0" lvl="0" indent="0" algn="l" rtl="0">
               <a:spcBef>
                 <a:spcPts val="0"/>
               </a:spcBef>
@@ -1723,13 +1703,10 @@
               </a:spcAft>
               <a:buNone/>
             </a:pPr>
-            <a:r>
-              <a:t/>
-            </a:r>
             <a:endParaRPr/>
           </a:p>
           <a:p>
-            <a:pPr indent="0" lvl="0" marL="0" rtl="0" algn="l">
+            <a:pPr marL="0" lvl="0" indent="0" algn="l" rtl="0">
               <a:spcBef>
                 <a:spcPts val="0"/>
               </a:spcBef>
@@ -1755,11 +1732,11 @@
 </file>
 
 <file path=ppt/notesSlides/notesSlide6.xml><?xml version="1.0" encoding="utf-8"?>
-<p:notes xmlns:a="http://schemas.openxmlformats.org/drawingml/2006/main" xmlns:r="http://schemas.openxmlformats.org/officeDocument/2006/relationships" xmlns:mc="http://schemas.openxmlformats.org/markup-compatibility/2006" xmlns:mv="urn:schemas-microsoft-com:mac:vml" xmlns:p="http://schemas.openxmlformats.org/presentationml/2006/main" xmlns:c="http://schemas.openxmlformats.org/drawingml/2006/chart" xmlns:dgm="http://schemas.openxmlformats.org/drawingml/2006/diagram" xmlns:o="urn:schemas-microsoft-com:office:office" xmlns:v="urn:schemas-microsoft-com:vml" xmlns:pvml="urn:schemas-microsoft-com:office:powerpoint" xmlns:com="http://schemas.openxmlformats.org/drawingml/2006/compatibility" xmlns:p14="http://schemas.microsoft.com/office/powerpoint/2010/main" xmlns:p15="http://schemas.microsoft.com/office/powerpoint/2012/main" xmlns:ahyp="http://schemas.microsoft.com/office/drawing/2018/hyperlinkcolor" showMasterPhAnim="0" showMasterSp="0">
+<p:notes xmlns:a="http://schemas.openxmlformats.org/drawingml/2006/main" xmlns:r="http://schemas.openxmlformats.org/officeDocument/2006/relationships" xmlns:p="http://schemas.openxmlformats.org/presentationml/2006/main" showMasterSp="0" showMasterPhAnim="0">
   <p:cSld>
     <p:spTree>
       <p:nvGrpSpPr>
-        <p:cNvPr id="89" name="Shape 89"/>
+        <p:cNvPr id="1" name="Shape 89"/>
         <p:cNvGrpSpPr/>
         <p:nvPr/>
       </p:nvGrpSpPr>
@@ -1774,9 +1751,11 @@
       <p:sp>
         <p:nvSpPr>
           <p:cNvPr id="90" name="Google Shape;90;ga2af597718_1_20:notes"/>
-          <p:cNvSpPr/>
+          <p:cNvSpPr>
+            <a:spLocks noGrp="1" noRot="1" noChangeAspect="1"/>
+          </p:cNvSpPr>
           <p:nvPr>
-            <p:ph idx="2" type="sldImg"/>
+            <p:ph type="sldImg" idx="2"/>
           </p:nvPr>
         </p:nvSpPr>
         <p:spPr>
@@ -1785,9 +1764,13 @@
             <a:ext cx="6096000" cy="3429000"/>
           </a:xfrm>
           <a:custGeom>
-            <a:rect b="b" l="l" r="r" t="t"/>
+            <a:avLst/>
+            <a:gdLst/>
+            <a:ahLst/>
+            <a:cxnLst/>
+            <a:rect l="l" t="t" r="r" b="b"/>
             <a:pathLst>
-              <a:path extrusionOk="0" h="120000" w="120000">
+              <a:path w="120000" h="120000" extrusionOk="0">
                 <a:moveTo>
                   <a:pt x="0" y="0"/>
                 </a:moveTo>
@@ -1809,9 +1792,11 @@
       <p:sp>
         <p:nvSpPr>
           <p:cNvPr id="91" name="Google Shape;91;ga2af597718_1_20:notes"/>
-          <p:cNvSpPr txBox="1"/>
+          <p:cNvSpPr txBox="1">
+            <a:spLocks noGrp="1"/>
+          </p:cNvSpPr>
           <p:nvPr>
-            <p:ph idx="1" type="body"/>
+            <p:ph type="body" idx="1"/>
           </p:nvPr>
         </p:nvSpPr>
         <p:spPr>
@@ -1824,12 +1809,12 @@
           </a:prstGeom>
         </p:spPr>
         <p:txBody>
-          <a:bodyPr anchorCtr="0" anchor="t" bIns="91425" lIns="91425" spcFirstLastPara="1" rIns="91425" wrap="square" tIns="91425">
+          <a:bodyPr spcFirstLastPara="1" wrap="square" lIns="91425" tIns="91425" rIns="91425" bIns="91425" anchor="t" anchorCtr="0">
             <a:noAutofit/>
           </a:bodyPr>
           <a:lstStyle/>
           <a:p>
-            <a:pPr indent="0" lvl="0" marL="0" rtl="0" algn="l">
+            <a:pPr marL="0" lvl="0" indent="0" algn="l" rtl="0">
               <a:spcBef>
                 <a:spcPts val="0"/>
               </a:spcBef>
@@ -1840,20 +1825,12 @@
             </a:pPr>
             <a:r>
               <a:rPr lang="en"/>
-              <a:t>DAX is a very explicit language and does not </a:t>
-            </a:r>
-            <a:r>
-              <a:rPr lang="en"/>
-              <a:t>benefit</a:t>
-            </a:r>
-            <a:r>
-              <a:rPr lang="en"/>
-              <a:t> from the parallelism and optimization that is automatically implemented in qiskit and IBM-Q. In order to provide this optimization and functionality we created a scheduler for qiskit circruits to be explicitly implemented in DAX. This is done by both managing the resources that a particular gate operation consumes and also by managing the dependency and order of operations on qubits to ensure the same qubit isn’t operated on at the same time or out of order. </a:t>
+              <a:t>DAX is a very explicit language and does not benefit from the parallelism and optimization that is automatically implemented in qiskit and IBM-Q. In order to provide this optimization and functionality we created a scheduler for qiskit circruits to be explicitly implemented in DAX. This is done by both managing the resources that a particular gate operation consumes and also by managing the dependency and order of operations on qubits to ensure the same qubit isn’t operated on at the same time or out of order. </a:t>
             </a:r>
             <a:endParaRPr/>
           </a:p>
           <a:p>
-            <a:pPr indent="0" lvl="0" marL="0" rtl="0" algn="l">
+            <a:pPr marL="0" lvl="0" indent="0" algn="l" rtl="0">
               <a:spcBef>
                 <a:spcPts val="0"/>
               </a:spcBef>
@@ -1862,13 +1839,10 @@
               </a:spcAft>
               <a:buNone/>
             </a:pPr>
-            <a:r>
-              <a:t/>
-            </a:r>
             <a:endParaRPr/>
           </a:p>
           <a:p>
-            <a:pPr indent="0" lvl="0" marL="0" rtl="0" algn="l">
+            <a:pPr marL="0" lvl="0" indent="0" algn="l" rtl="0">
               <a:spcBef>
                 <a:spcPts val="0"/>
               </a:spcBef>
@@ -1884,7 +1858,7 @@
             <a:endParaRPr/>
           </a:p>
           <a:p>
-            <a:pPr indent="0" lvl="0" marL="0" rtl="0" algn="l">
+            <a:pPr marL="0" lvl="0" indent="0" algn="l" rtl="0">
               <a:spcBef>
                 <a:spcPts val="0"/>
               </a:spcBef>
@@ -1893,13 +1867,10 @@
               </a:spcAft>
               <a:buNone/>
             </a:pPr>
-            <a:r>
-              <a:t/>
-            </a:r>
             <a:endParaRPr/>
           </a:p>
           <a:p>
-            <a:pPr indent="0" lvl="0" marL="0" rtl="0" algn="l">
+            <a:pPr marL="0" lvl="0" indent="0" algn="l" rtl="0">
               <a:spcBef>
                 <a:spcPts val="0"/>
               </a:spcBef>
@@ -1925,11 +1896,11 @@
 </file>
 
 <file path=ppt/notesSlides/notesSlide7.xml><?xml version="1.0" encoding="utf-8"?>
-<p:notes xmlns:a="http://schemas.openxmlformats.org/drawingml/2006/main" xmlns:r="http://schemas.openxmlformats.org/officeDocument/2006/relationships" xmlns:mc="http://schemas.openxmlformats.org/markup-compatibility/2006" xmlns:mv="urn:schemas-microsoft-com:mac:vml" xmlns:p="http://schemas.openxmlformats.org/presentationml/2006/main" xmlns:c="http://schemas.openxmlformats.org/drawingml/2006/chart" xmlns:dgm="http://schemas.openxmlformats.org/drawingml/2006/diagram" xmlns:o="urn:schemas-microsoft-com:office:office" xmlns:v="urn:schemas-microsoft-com:vml" xmlns:pvml="urn:schemas-microsoft-com:office:powerpoint" xmlns:com="http://schemas.openxmlformats.org/drawingml/2006/compatibility" xmlns:p14="http://schemas.microsoft.com/office/powerpoint/2010/main" xmlns:p15="http://schemas.microsoft.com/office/powerpoint/2012/main" xmlns:ahyp="http://schemas.microsoft.com/office/drawing/2018/hyperlinkcolor" showMasterPhAnim="0" showMasterSp="0">
+<p:notes xmlns:a="http://schemas.openxmlformats.org/drawingml/2006/main" xmlns:r="http://schemas.openxmlformats.org/officeDocument/2006/relationships" xmlns:p="http://schemas.openxmlformats.org/presentationml/2006/main" showMasterSp="0" showMasterPhAnim="0">
   <p:cSld>
     <p:spTree>
       <p:nvGrpSpPr>
-        <p:cNvPr id="98" name="Shape 98"/>
+        <p:cNvPr id="1" name="Shape 98"/>
         <p:cNvGrpSpPr/>
         <p:nvPr/>
       </p:nvGrpSpPr>
@@ -1944,9 +1915,11 @@
       <p:sp>
         <p:nvSpPr>
           <p:cNvPr id="99" name="Google Shape;99;ga2af597718_1_10:notes"/>
-          <p:cNvSpPr/>
+          <p:cNvSpPr>
+            <a:spLocks noGrp="1" noRot="1" noChangeAspect="1"/>
+          </p:cNvSpPr>
           <p:nvPr>
-            <p:ph idx="2" type="sldImg"/>
+            <p:ph type="sldImg" idx="2"/>
           </p:nvPr>
         </p:nvSpPr>
         <p:spPr>
@@ -1955,9 +1928,13 @@
             <a:ext cx="6096000" cy="3429000"/>
           </a:xfrm>
           <a:custGeom>
-            <a:rect b="b" l="l" r="r" t="t"/>
+            <a:avLst/>
+            <a:gdLst/>
+            <a:ahLst/>
+            <a:cxnLst/>
+            <a:rect l="l" t="t" r="r" b="b"/>
             <a:pathLst>
-              <a:path extrusionOk="0" h="120000" w="120000">
+              <a:path w="120000" h="120000" extrusionOk="0">
                 <a:moveTo>
                   <a:pt x="0" y="0"/>
                 </a:moveTo>
@@ -1979,9 +1956,11 @@
       <p:sp>
         <p:nvSpPr>
           <p:cNvPr id="100" name="Google Shape;100;ga2af597718_1_10:notes"/>
-          <p:cNvSpPr txBox="1"/>
+          <p:cNvSpPr txBox="1">
+            <a:spLocks noGrp="1"/>
+          </p:cNvSpPr>
           <p:nvPr>
-            <p:ph idx="1" type="body"/>
+            <p:ph type="body" idx="1"/>
           </p:nvPr>
         </p:nvSpPr>
         <p:spPr>
@@ -1994,12 +1973,12 @@
           </a:prstGeom>
         </p:spPr>
         <p:txBody>
-          <a:bodyPr anchorCtr="0" anchor="t" bIns="91425" lIns="91425" spcFirstLastPara="1" rIns="91425" wrap="square" tIns="91425">
+          <a:bodyPr spcFirstLastPara="1" wrap="square" lIns="91425" tIns="91425" rIns="91425" bIns="91425" anchor="t" anchorCtr="0">
             <a:noAutofit/>
           </a:bodyPr>
           <a:lstStyle/>
           <a:p>
-            <a:pPr indent="0" lvl="0" marL="0" rtl="0" algn="l">
+            <a:pPr marL="0" lvl="0" indent="0" algn="l" rtl="0">
               <a:spcBef>
                 <a:spcPts val="0"/>
               </a:spcBef>
@@ -2010,28 +1989,12 @@
             </a:pPr>
             <a:r>
               <a:rPr lang="en"/>
-              <a:t>One weakness in qiskit is its poor support for classical constructs. This is </a:t>
-            </a:r>
-            <a:r>
-              <a:rPr lang="en"/>
-              <a:t>especially</a:t>
-            </a:r>
-            <a:r>
-              <a:rPr lang="en"/>
-              <a:t> impactful in our use case as it is much more efficient for the FPGA to execute any </a:t>
-            </a:r>
-            <a:r>
-              <a:rPr lang="en"/>
-              <a:t>necessary</a:t>
-            </a:r>
-            <a:r>
-              <a:rPr lang="en"/>
-              <a:t> classical operations rather than calling back to the host computer. This means that classical constructs should be embedded in the DAX code that we emit. </a:t>
+              <a:t>One weakness in qiskit is its poor support for classical constructs. This is especially impactful in our use case as it is much more efficient for the FPGA to execute any necessary classical operations rather than calling back to the host computer. This means that classical constructs should be embedded in the DAX code that we emit. </a:t>
             </a:r>
             <a:endParaRPr/>
           </a:p>
           <a:p>
-            <a:pPr indent="0" lvl="0" marL="0" rtl="0" algn="l">
+            <a:pPr marL="0" lvl="0" indent="0" algn="l" rtl="0">
               <a:spcBef>
                 <a:spcPts val="0"/>
               </a:spcBef>
@@ -2040,13 +2003,10 @@
               </a:spcAft>
               <a:buNone/>
             </a:pPr>
-            <a:r>
-              <a:t/>
-            </a:r>
             <a:endParaRPr/>
           </a:p>
           <a:p>
-            <a:pPr indent="0" lvl="0" marL="0" rtl="0" algn="l">
+            <a:pPr marL="0" lvl="0" indent="0" algn="l" rtl="0">
               <a:spcBef>
                 <a:spcPts val="0"/>
               </a:spcBef>
@@ -2062,7 +2022,7 @@
             <a:endParaRPr/>
           </a:p>
           <a:p>
-            <a:pPr indent="0" lvl="0" marL="0" rtl="0" algn="l">
+            <a:pPr marL="0" lvl="0" indent="0" algn="l" rtl="0">
               <a:spcBef>
                 <a:spcPts val="0"/>
               </a:spcBef>
@@ -2071,13 +2031,10 @@
               </a:spcAft>
               <a:buNone/>
             </a:pPr>
-            <a:r>
-              <a:t/>
-            </a:r>
             <a:endParaRPr/>
           </a:p>
           <a:p>
-            <a:pPr indent="0" lvl="0" marL="0" rtl="0" algn="l">
+            <a:pPr marL="0" lvl="0" indent="0" algn="l" rtl="0">
               <a:spcBef>
                 <a:spcPts val="0"/>
               </a:spcBef>
@@ -2088,15 +2045,7 @@
             </a:pPr>
             <a:r>
               <a:rPr lang="en"/>
-              <a:t>We could then construct a small quantum circuit, such as the diffuser in grovers algorithm, and tell qiskit to compile it like earlier. However, we can take that compiled kernel and then embed it in a custom classical function with the dax decorator in order to integrate the classical operations (in this case repeating it n time as in grovers). Then we can simply apply this classical function to a quantum circuit just like a gate and re-execute the circuit to get a final, </a:t>
-            </a:r>
-            <a:r>
-              <a:rPr lang="en"/>
-              <a:t>optimized</a:t>
-            </a:r>
-            <a:r>
-              <a:rPr lang="en"/>
-              <a:t> and integrated DAX kernel. This allows the developer to use native python constructs to develop their classical kernel operations just as in DAX. </a:t>
+              <a:t>We could then construct a small quantum circuit, such as the diffuser in grovers algorithm, and tell qiskit to compile it like earlier. However, we can take that compiled kernel and then embed it in a custom classical function with the dax decorator in order to integrate the classical operations (in this case repeating it n time as in grovers). Then we can simply apply this classical function to a quantum circuit just like a gate and re-execute the circuit to get a final, optimized and integrated DAX kernel. This allows the developer to use native python constructs to develop their classical kernel operations just as in DAX. </a:t>
             </a:r>
             <a:endParaRPr/>
           </a:p>
@@ -2111,11 +2060,11 @@
 </file>
 
 <file path=ppt/notesSlides/notesSlide8.xml><?xml version="1.0" encoding="utf-8"?>
-<p:notes xmlns:a="http://schemas.openxmlformats.org/drawingml/2006/main" xmlns:r="http://schemas.openxmlformats.org/officeDocument/2006/relationships" xmlns:mc="http://schemas.openxmlformats.org/markup-compatibility/2006" xmlns:mv="urn:schemas-microsoft-com:mac:vml" xmlns:p="http://schemas.openxmlformats.org/presentationml/2006/main" xmlns:c="http://schemas.openxmlformats.org/drawingml/2006/chart" xmlns:dgm="http://schemas.openxmlformats.org/drawingml/2006/diagram" xmlns:o="urn:schemas-microsoft-com:office:office" xmlns:v="urn:schemas-microsoft-com:vml" xmlns:pvml="urn:schemas-microsoft-com:office:powerpoint" xmlns:com="http://schemas.openxmlformats.org/drawingml/2006/compatibility" xmlns:p14="http://schemas.microsoft.com/office/powerpoint/2010/main" xmlns:p15="http://schemas.microsoft.com/office/powerpoint/2012/main" xmlns:ahyp="http://schemas.microsoft.com/office/drawing/2018/hyperlinkcolor" showMasterPhAnim="0" showMasterSp="0">
+<p:notes xmlns:a="http://schemas.openxmlformats.org/drawingml/2006/main" xmlns:r="http://schemas.openxmlformats.org/officeDocument/2006/relationships" xmlns:p="http://schemas.openxmlformats.org/presentationml/2006/main" showMasterSp="0" showMasterPhAnim="0">
   <p:cSld>
     <p:spTree>
       <p:nvGrpSpPr>
-        <p:cNvPr id="105" name="Shape 105"/>
+        <p:cNvPr id="1" name="Shape 105"/>
         <p:cNvGrpSpPr/>
         <p:nvPr/>
       </p:nvGrpSpPr>
@@ -2130,9 +2079,11 @@
       <p:sp>
         <p:nvSpPr>
           <p:cNvPr id="106" name="Google Shape;106;gac0bbc3771_0_5:notes"/>
-          <p:cNvSpPr/>
+          <p:cNvSpPr>
+            <a:spLocks noGrp="1" noRot="1" noChangeAspect="1"/>
+          </p:cNvSpPr>
           <p:nvPr>
-            <p:ph idx="2" type="sldImg"/>
+            <p:ph type="sldImg" idx="2"/>
           </p:nvPr>
         </p:nvSpPr>
         <p:spPr>
@@ -2141,9 +2092,13 @@
             <a:ext cx="6096000" cy="3429000"/>
           </a:xfrm>
           <a:custGeom>
-            <a:rect b="b" l="l" r="r" t="t"/>
+            <a:avLst/>
+            <a:gdLst/>
+            <a:ahLst/>
+            <a:cxnLst/>
+            <a:rect l="l" t="t" r="r" b="b"/>
             <a:pathLst>
-              <a:path extrusionOk="0" h="120000" w="120000">
+              <a:path w="120000" h="120000" extrusionOk="0">
                 <a:moveTo>
                   <a:pt x="0" y="0"/>
                 </a:moveTo>
@@ -2165,9 +2120,11 @@
       <p:sp>
         <p:nvSpPr>
           <p:cNvPr id="107" name="Google Shape;107;gac0bbc3771_0_5:notes"/>
-          <p:cNvSpPr txBox="1"/>
+          <p:cNvSpPr txBox="1">
+            <a:spLocks noGrp="1"/>
+          </p:cNvSpPr>
           <p:nvPr>
-            <p:ph idx="1" type="body"/>
+            <p:ph type="body" idx="1"/>
           </p:nvPr>
         </p:nvSpPr>
         <p:spPr>
@@ -2180,12 +2137,12 @@
           </a:prstGeom>
         </p:spPr>
         <p:txBody>
-          <a:bodyPr anchorCtr="0" anchor="t" bIns="91425" lIns="91425" spcFirstLastPara="1" rIns="91425" wrap="square" tIns="91425">
+          <a:bodyPr spcFirstLastPara="1" wrap="square" lIns="91425" tIns="91425" rIns="91425" bIns="91425" anchor="t" anchorCtr="0">
             <a:noAutofit/>
           </a:bodyPr>
           <a:lstStyle/>
           <a:p>
-            <a:pPr indent="0" lvl="0" marL="0" rtl="0" algn="l">
+            <a:pPr marL="0" lvl="0" indent="0" algn="l" rtl="0">
               <a:spcBef>
                 <a:spcPts val="0"/>
               </a:spcBef>
@@ -2194,9 +2151,6 @@
               </a:spcAft>
               <a:buNone/>
             </a:pPr>
-            <a:r>
-              <a:t/>
-            </a:r>
             <a:endParaRPr/>
           </a:p>
         </p:txBody>
@@ -2210,11 +2164,11 @@
 </file>
 
 <file path=ppt/notesSlides/notesSlide9.xml><?xml version="1.0" encoding="utf-8"?>
-<p:notes xmlns:a="http://schemas.openxmlformats.org/drawingml/2006/main" xmlns:r="http://schemas.openxmlformats.org/officeDocument/2006/relationships" xmlns:mc="http://schemas.openxmlformats.org/markup-compatibility/2006" xmlns:mv="urn:schemas-microsoft-com:mac:vml" xmlns:p="http://schemas.openxmlformats.org/presentationml/2006/main" xmlns:c="http://schemas.openxmlformats.org/drawingml/2006/chart" xmlns:dgm="http://schemas.openxmlformats.org/drawingml/2006/diagram" xmlns:o="urn:schemas-microsoft-com:office:office" xmlns:v="urn:schemas-microsoft-com:vml" xmlns:pvml="urn:schemas-microsoft-com:office:powerpoint" xmlns:com="http://schemas.openxmlformats.org/drawingml/2006/compatibility" xmlns:p14="http://schemas.microsoft.com/office/powerpoint/2010/main" xmlns:p15="http://schemas.microsoft.com/office/powerpoint/2012/main" xmlns:ahyp="http://schemas.microsoft.com/office/drawing/2018/hyperlinkcolor" showMasterPhAnim="0" showMasterSp="0">
+<p:notes xmlns:a="http://schemas.openxmlformats.org/drawingml/2006/main" xmlns:r="http://schemas.openxmlformats.org/officeDocument/2006/relationships" xmlns:p="http://schemas.openxmlformats.org/presentationml/2006/main" showMasterSp="0" showMasterPhAnim="0">
   <p:cSld>
     <p:spTree>
       <p:nvGrpSpPr>
-        <p:cNvPr id="110" name="Shape 110"/>
+        <p:cNvPr id="1" name="Shape 110"/>
         <p:cNvGrpSpPr/>
         <p:nvPr/>
       </p:nvGrpSpPr>
@@ -2229,9 +2183,11 @@
       <p:sp>
         <p:nvSpPr>
           <p:cNvPr id="111" name="Google Shape;111;gac0bbc3771_0_0:notes"/>
-          <p:cNvSpPr/>
+          <p:cNvSpPr>
+            <a:spLocks noGrp="1" noRot="1" noChangeAspect="1"/>
+          </p:cNvSpPr>
           <p:nvPr>
-            <p:ph idx="2" type="sldImg"/>
+            <p:ph type="sldImg" idx="2"/>
           </p:nvPr>
         </p:nvSpPr>
         <p:spPr>
@@ -2240,9 +2196,13 @@
             <a:ext cx="6096000" cy="3429000"/>
           </a:xfrm>
           <a:custGeom>
-            <a:rect b="b" l="l" r="r" t="t"/>
+            <a:avLst/>
+            <a:gdLst/>
+            <a:ahLst/>
+            <a:cxnLst/>
+            <a:rect l="l" t="t" r="r" b="b"/>
             <a:pathLst>
-              <a:path extrusionOk="0" h="120000" w="120000">
+              <a:path w="120000" h="120000" extrusionOk="0">
                 <a:moveTo>
                   <a:pt x="0" y="0"/>
                 </a:moveTo>
@@ -2264,9 +2224,11 @@
       <p:sp>
         <p:nvSpPr>
           <p:cNvPr id="112" name="Google Shape;112;gac0bbc3771_0_0:notes"/>
-          <p:cNvSpPr txBox="1"/>
+          <p:cNvSpPr txBox="1">
+            <a:spLocks noGrp="1"/>
+          </p:cNvSpPr>
           <p:nvPr>
-            <p:ph idx="1" type="body"/>
+            <p:ph type="body" idx="1"/>
           </p:nvPr>
         </p:nvSpPr>
         <p:spPr>
@@ -2279,12 +2241,12 @@
           </a:prstGeom>
         </p:spPr>
         <p:txBody>
-          <a:bodyPr anchorCtr="0" anchor="t" bIns="91425" lIns="91425" spcFirstLastPara="1" rIns="91425" wrap="square" tIns="91425">
+          <a:bodyPr spcFirstLastPara="1" wrap="square" lIns="91425" tIns="91425" rIns="91425" bIns="91425" anchor="t" anchorCtr="0">
             <a:noAutofit/>
           </a:bodyPr>
           <a:lstStyle/>
           <a:p>
-            <a:pPr indent="0" lvl="0" marL="0" rtl="0" algn="l">
+            <a:pPr marL="0" lvl="0" indent="0" algn="l" rtl="0">
               <a:spcBef>
                 <a:spcPts val="0"/>
               </a:spcBef>
@@ -2293,9 +2255,6 @@
               </a:spcAft>
               <a:buNone/>
             </a:pPr>
-            <a:r>
-              <a:t/>
-            </a:r>
             <a:endParaRPr/>
           </a:p>
         </p:txBody>
@@ -2309,11 +2268,11 @@
 </file>
 
 <file path=ppt/slideLayouts/slideLayout1.xml><?xml version="1.0" encoding="utf-8"?>
-<p:sldLayout xmlns:a="http://schemas.openxmlformats.org/drawingml/2006/main" xmlns:r="http://schemas.openxmlformats.org/officeDocument/2006/relationships" xmlns:mc="http://schemas.openxmlformats.org/markup-compatibility/2006" xmlns:mv="urn:schemas-microsoft-com:mac:vml" xmlns:p="http://schemas.openxmlformats.org/presentationml/2006/main" xmlns:c="http://schemas.openxmlformats.org/drawingml/2006/chart" xmlns:dgm="http://schemas.openxmlformats.org/drawingml/2006/diagram" xmlns:o="urn:schemas-microsoft-com:office:office" xmlns:v="urn:schemas-microsoft-com:vml" xmlns:pvml="urn:schemas-microsoft-com:office:powerpoint" xmlns:com="http://schemas.openxmlformats.org/drawingml/2006/compatibility" xmlns:p14="http://schemas.microsoft.com/office/powerpoint/2010/main" xmlns:p15="http://schemas.microsoft.com/office/powerpoint/2012/main" xmlns:ahyp="http://schemas.microsoft.com/office/drawing/2018/hyperlinkcolor" matchingName="Title slide" type="title">
+<p:sldLayout xmlns:a="http://schemas.openxmlformats.org/drawingml/2006/main" xmlns:r="http://schemas.openxmlformats.org/officeDocument/2006/relationships" xmlns:p="http://schemas.openxmlformats.org/presentationml/2006/main" matchingName="Title slide" type="title">
   <p:cSld name="TITLE">
     <p:spTree>
       <p:nvGrpSpPr>
-        <p:cNvPr id="9" name="Shape 9"/>
+        <p:cNvPr id="1" name="Shape 9"/>
         <p:cNvGrpSpPr/>
         <p:nvPr/>
       </p:nvGrpSpPr>
@@ -2328,7 +2287,9 @@
       <p:sp>
         <p:nvSpPr>
           <p:cNvPr id="10" name="Google Shape;10;p2"/>
-          <p:cNvSpPr txBox="1"/>
+          <p:cNvSpPr txBox="1">
+            <a:spLocks noGrp="1"/>
+          </p:cNvSpPr>
           <p:nvPr>
             <p:ph type="ctrTitle"/>
           </p:nvPr>
@@ -2343,7 +2304,7 @@
           </a:prstGeom>
         </p:spPr>
         <p:txBody>
-          <a:bodyPr anchorCtr="0" anchor="b" bIns="91425" lIns="91425" spcFirstLastPara="1" rIns="91425" wrap="square" tIns="91425">
+          <a:bodyPr spcFirstLastPara="1" wrap="square" lIns="91425" tIns="91425" rIns="91425" bIns="91425" anchor="b" anchorCtr="0">
             <a:noAutofit/>
           </a:bodyPr>
           <a:lstStyle>
@@ -2447,15 +2408,19 @@
               <a:defRPr sz="5200"/>
             </a:lvl9pPr>
           </a:lstStyle>
-          <a:p/>
+          <a:p>
+            <a:endParaRPr/>
+          </a:p>
         </p:txBody>
       </p:sp>
       <p:sp>
         <p:nvSpPr>
           <p:cNvPr id="11" name="Google Shape;11;p2"/>
-          <p:cNvSpPr txBox="1"/>
+          <p:cNvSpPr txBox="1">
+            <a:spLocks noGrp="1"/>
+          </p:cNvSpPr>
           <p:nvPr>
-            <p:ph idx="1" type="subTitle"/>
+            <p:ph type="subTitle" idx="1"/>
           </p:nvPr>
         </p:nvSpPr>
         <p:spPr>
@@ -2468,7 +2433,7 @@
           </a:prstGeom>
         </p:spPr>
         <p:txBody>
-          <a:bodyPr anchorCtr="0" anchor="t" bIns="91425" lIns="91425" spcFirstLastPara="1" rIns="91425" wrap="square" tIns="91425">
+          <a:bodyPr spcFirstLastPara="1" wrap="square" lIns="91425" tIns="91425" rIns="91425" bIns="91425" anchor="t" anchorCtr="0">
             <a:noAutofit/>
           </a:bodyPr>
           <a:lstStyle>
@@ -2599,15 +2564,19 @@
               <a:defRPr sz="2800"/>
             </a:lvl9pPr>
           </a:lstStyle>
-          <a:p/>
+          <a:p>
+            <a:endParaRPr/>
+          </a:p>
         </p:txBody>
       </p:sp>
       <p:sp>
         <p:nvSpPr>
           <p:cNvPr id="12" name="Google Shape;12;p2"/>
-          <p:cNvSpPr txBox="1"/>
+          <p:cNvSpPr txBox="1">
+            <a:spLocks noGrp="1"/>
+          </p:cNvSpPr>
           <p:nvPr>
-            <p:ph idx="12" type="sldNum"/>
+            <p:ph type="sldNum" idx="12"/>
           </p:nvPr>
         </p:nvSpPr>
         <p:spPr>
@@ -2620,7 +2589,7 @@
           </a:prstGeom>
         </p:spPr>
         <p:txBody>
-          <a:bodyPr anchorCtr="0" anchor="ctr" bIns="91425" lIns="91425" spcFirstLastPara="1" rIns="91425" wrap="square" tIns="91425">
+          <a:bodyPr spcFirstLastPara="1" wrap="square" lIns="91425" tIns="91425" rIns="91425" bIns="91425" anchor="ctr" anchorCtr="0">
             <a:noAutofit/>
           </a:bodyPr>
           <a:lstStyle>
@@ -2662,7 +2631,7 @@
             </a:lvl9pPr>
           </a:lstStyle>
           <a:p>
-            <a:pPr indent="0" lvl="0" marL="0" rtl="0" algn="r">
+            <a:pPr marL="0" lvl="0" indent="0" algn="r" rtl="0">
               <a:spcBef>
                 <a:spcPts val="0"/>
               </a:spcBef>
@@ -2673,6 +2642,15 @@
             </a:pPr>
             <a:fld id="{00000000-1234-1234-1234-123412341234}" type="slidenum">
               <a:rPr lang="en"/>
+              <a:pPr marL="0" lvl="0" indent="0" algn="r" rtl="0">
+                <a:spcBef>
+                  <a:spcPts val="0"/>
+                </a:spcBef>
+                <a:spcAft>
+                  <a:spcPts val="0"/>
+                </a:spcAft>
+                <a:buNone/>
+              </a:pPr>
               <a:t>‹#›</a:t>
             </a:fld>
             <a:endParaRPr/>
@@ -2688,11 +2666,11 @@
 </file>
 
 <file path=ppt/slideLayouts/slideLayout10.xml><?xml version="1.0" encoding="utf-8"?>
-<p:sldLayout xmlns:a="http://schemas.openxmlformats.org/drawingml/2006/main" xmlns:r="http://schemas.openxmlformats.org/officeDocument/2006/relationships" xmlns:mc="http://schemas.openxmlformats.org/markup-compatibility/2006" xmlns:mv="urn:schemas-microsoft-com:mac:vml" xmlns:p="http://schemas.openxmlformats.org/presentationml/2006/main" xmlns:c="http://schemas.openxmlformats.org/drawingml/2006/chart" xmlns:dgm="http://schemas.openxmlformats.org/drawingml/2006/diagram" xmlns:o="urn:schemas-microsoft-com:office:office" xmlns:v="urn:schemas-microsoft-com:vml" xmlns:pvml="urn:schemas-microsoft-com:office:powerpoint" xmlns:com="http://schemas.openxmlformats.org/drawingml/2006/compatibility" xmlns:p14="http://schemas.microsoft.com/office/powerpoint/2010/main" xmlns:p15="http://schemas.microsoft.com/office/powerpoint/2012/main" xmlns:ahyp="http://schemas.microsoft.com/office/drawing/2018/hyperlinkcolor" matchingName="Big number">
+<p:sldLayout xmlns:a="http://schemas.openxmlformats.org/drawingml/2006/main" xmlns:r="http://schemas.openxmlformats.org/officeDocument/2006/relationships" xmlns:p="http://schemas.openxmlformats.org/presentationml/2006/main" matchingName="Big number">
   <p:cSld name="BIG_NUMBER">
     <p:spTree>
       <p:nvGrpSpPr>
-        <p:cNvPr id="44" name="Shape 44"/>
+        <p:cNvPr id="1" name="Shape 44"/>
         <p:cNvGrpSpPr/>
         <p:nvPr/>
       </p:nvGrpSpPr>
@@ -2707,9 +2685,11 @@
       <p:sp>
         <p:nvSpPr>
           <p:cNvPr id="45" name="Google Shape;45;p11"/>
-          <p:cNvSpPr txBox="1"/>
+          <p:cNvSpPr txBox="1">
+            <a:spLocks noGrp="1"/>
+          </p:cNvSpPr>
           <p:nvPr>
-            <p:ph hasCustomPrompt="1" type="title"/>
+            <p:ph type="title" hasCustomPrompt="1"/>
           </p:nvPr>
         </p:nvSpPr>
         <p:spPr>
@@ -2722,7 +2702,7 @@
           </a:prstGeom>
         </p:spPr>
         <p:txBody>
-          <a:bodyPr anchorCtr="0" anchor="b" bIns="91425" lIns="91425" spcFirstLastPara="1" rIns="91425" wrap="square" tIns="91425">
+          <a:bodyPr spcFirstLastPara="1" wrap="square" lIns="91425" tIns="91425" rIns="91425" bIns="91425" anchor="b" anchorCtr="0">
             <a:noAutofit/>
           </a:bodyPr>
           <a:lstStyle>
@@ -2836,9 +2816,11 @@
       <p:sp>
         <p:nvSpPr>
           <p:cNvPr id="46" name="Google Shape;46;p11"/>
-          <p:cNvSpPr txBox="1"/>
+          <p:cNvSpPr txBox="1">
+            <a:spLocks noGrp="1"/>
+          </p:cNvSpPr>
           <p:nvPr>
-            <p:ph idx="1" type="body"/>
+            <p:ph type="body" idx="1"/>
           </p:nvPr>
         </p:nvSpPr>
         <p:spPr>
@@ -2851,11 +2833,11 @@
           </a:prstGeom>
         </p:spPr>
         <p:txBody>
-          <a:bodyPr anchorCtr="0" anchor="t" bIns="91425" lIns="91425" spcFirstLastPara="1" rIns="91425" wrap="square" tIns="91425">
+          <a:bodyPr spcFirstLastPara="1" wrap="square" lIns="91425" tIns="91425" rIns="91425" bIns="91425" anchor="t" anchorCtr="0">
             <a:noAutofit/>
           </a:bodyPr>
           <a:lstStyle>
-            <a:lvl1pPr indent="-342900" lvl="0" marL="457200" algn="ctr">
+            <a:lvl1pPr marL="457200" lvl="0" indent="-342900" algn="ctr">
               <a:spcBef>
                 <a:spcPts val="0"/>
               </a:spcBef>
@@ -2866,7 +2848,7 @@
               <a:buChar char="●"/>
               <a:defRPr/>
             </a:lvl1pPr>
-            <a:lvl2pPr indent="-317500" lvl="1" marL="914400" algn="ctr">
+            <a:lvl2pPr marL="914400" lvl="1" indent="-317500" algn="ctr">
               <a:spcBef>
                 <a:spcPts val="1600"/>
               </a:spcBef>
@@ -2877,7 +2859,7 @@
               <a:buChar char="○"/>
               <a:defRPr/>
             </a:lvl2pPr>
-            <a:lvl3pPr indent="-317500" lvl="2" marL="1371600" algn="ctr">
+            <a:lvl3pPr marL="1371600" lvl="2" indent="-317500" algn="ctr">
               <a:spcBef>
                 <a:spcPts val="1600"/>
               </a:spcBef>
@@ -2888,7 +2870,7 @@
               <a:buChar char="■"/>
               <a:defRPr/>
             </a:lvl3pPr>
-            <a:lvl4pPr indent="-317500" lvl="3" marL="1828800" algn="ctr">
+            <a:lvl4pPr marL="1828800" lvl="3" indent="-317500" algn="ctr">
               <a:spcBef>
                 <a:spcPts val="1600"/>
               </a:spcBef>
@@ -2899,7 +2881,7 @@
               <a:buChar char="●"/>
               <a:defRPr/>
             </a:lvl4pPr>
-            <a:lvl5pPr indent="-317500" lvl="4" marL="2286000" algn="ctr">
+            <a:lvl5pPr marL="2286000" lvl="4" indent="-317500" algn="ctr">
               <a:spcBef>
                 <a:spcPts val="1600"/>
               </a:spcBef>
@@ -2910,7 +2892,7 @@
               <a:buChar char="○"/>
               <a:defRPr/>
             </a:lvl5pPr>
-            <a:lvl6pPr indent="-317500" lvl="5" marL="2743200" algn="ctr">
+            <a:lvl6pPr marL="2743200" lvl="5" indent="-317500" algn="ctr">
               <a:spcBef>
                 <a:spcPts val="1600"/>
               </a:spcBef>
@@ -2921,7 +2903,7 @@
               <a:buChar char="■"/>
               <a:defRPr/>
             </a:lvl6pPr>
-            <a:lvl7pPr indent="-317500" lvl="6" marL="3200400" algn="ctr">
+            <a:lvl7pPr marL="3200400" lvl="6" indent="-317500" algn="ctr">
               <a:spcBef>
                 <a:spcPts val="1600"/>
               </a:spcBef>
@@ -2932,7 +2914,7 @@
               <a:buChar char="●"/>
               <a:defRPr/>
             </a:lvl7pPr>
-            <a:lvl8pPr indent="-317500" lvl="7" marL="3657600" algn="ctr">
+            <a:lvl8pPr marL="3657600" lvl="7" indent="-317500" algn="ctr">
               <a:spcBef>
                 <a:spcPts val="1600"/>
               </a:spcBef>
@@ -2943,7 +2925,7 @@
               <a:buChar char="○"/>
               <a:defRPr/>
             </a:lvl8pPr>
-            <a:lvl9pPr indent="-317500" lvl="8" marL="4114800" algn="ctr">
+            <a:lvl9pPr marL="4114800" lvl="8" indent="-317500" algn="ctr">
               <a:spcBef>
                 <a:spcPts val="1600"/>
               </a:spcBef>
@@ -2955,15 +2937,19 @@
               <a:defRPr/>
             </a:lvl9pPr>
           </a:lstStyle>
-          <a:p/>
+          <a:p>
+            <a:endParaRPr/>
+          </a:p>
         </p:txBody>
       </p:sp>
       <p:sp>
         <p:nvSpPr>
           <p:cNvPr id="47" name="Google Shape;47;p11"/>
-          <p:cNvSpPr txBox="1"/>
+          <p:cNvSpPr txBox="1">
+            <a:spLocks noGrp="1"/>
+          </p:cNvSpPr>
           <p:nvPr>
-            <p:ph idx="12" type="sldNum"/>
+            <p:ph type="sldNum" idx="12"/>
           </p:nvPr>
         </p:nvSpPr>
         <p:spPr>
@@ -2976,7 +2962,7 @@
           </a:prstGeom>
         </p:spPr>
         <p:txBody>
-          <a:bodyPr anchorCtr="0" anchor="ctr" bIns="91425" lIns="91425" spcFirstLastPara="1" rIns="91425" wrap="square" tIns="91425">
+          <a:bodyPr spcFirstLastPara="1" wrap="square" lIns="91425" tIns="91425" rIns="91425" bIns="91425" anchor="ctr" anchorCtr="0">
             <a:noAutofit/>
           </a:bodyPr>
           <a:lstStyle>
@@ -3018,7 +3004,7 @@
             </a:lvl9pPr>
           </a:lstStyle>
           <a:p>
-            <a:pPr indent="0" lvl="0" marL="0" rtl="0" algn="r">
+            <a:pPr marL="0" lvl="0" indent="0" algn="r" rtl="0">
               <a:spcBef>
                 <a:spcPts val="0"/>
               </a:spcBef>
@@ -3029,6 +3015,15 @@
             </a:pPr>
             <a:fld id="{00000000-1234-1234-1234-123412341234}" type="slidenum">
               <a:rPr lang="en"/>
+              <a:pPr marL="0" lvl="0" indent="0" algn="r" rtl="0">
+                <a:spcBef>
+                  <a:spcPts val="0"/>
+                </a:spcBef>
+                <a:spcAft>
+                  <a:spcPts val="0"/>
+                </a:spcAft>
+                <a:buNone/>
+              </a:pPr>
               <a:t>‹#›</a:t>
             </a:fld>
             <a:endParaRPr/>
@@ -3044,11 +3039,11 @@
 </file>
 
 <file path=ppt/slideLayouts/slideLayout11.xml><?xml version="1.0" encoding="utf-8"?>
-<p:sldLayout xmlns:a="http://schemas.openxmlformats.org/drawingml/2006/main" xmlns:r="http://schemas.openxmlformats.org/officeDocument/2006/relationships" xmlns:mc="http://schemas.openxmlformats.org/markup-compatibility/2006" xmlns:mv="urn:schemas-microsoft-com:mac:vml" xmlns:p="http://schemas.openxmlformats.org/presentationml/2006/main" xmlns:c="http://schemas.openxmlformats.org/drawingml/2006/chart" xmlns:dgm="http://schemas.openxmlformats.org/drawingml/2006/diagram" xmlns:o="urn:schemas-microsoft-com:office:office" xmlns:v="urn:schemas-microsoft-com:vml" xmlns:pvml="urn:schemas-microsoft-com:office:powerpoint" xmlns:com="http://schemas.openxmlformats.org/drawingml/2006/compatibility" xmlns:p14="http://schemas.microsoft.com/office/powerpoint/2010/main" xmlns:p15="http://schemas.microsoft.com/office/powerpoint/2012/main" xmlns:ahyp="http://schemas.microsoft.com/office/drawing/2018/hyperlinkcolor" matchingName="Blank" type="blank">
+<p:sldLayout xmlns:a="http://schemas.openxmlformats.org/drawingml/2006/main" xmlns:r="http://schemas.openxmlformats.org/officeDocument/2006/relationships" xmlns:p="http://schemas.openxmlformats.org/presentationml/2006/main" matchingName="Blank" type="blank">
   <p:cSld name="BLANK">
     <p:spTree>
       <p:nvGrpSpPr>
-        <p:cNvPr id="48" name="Shape 48"/>
+        <p:cNvPr id="1" name="Shape 48"/>
         <p:cNvGrpSpPr/>
         <p:nvPr/>
       </p:nvGrpSpPr>
@@ -3063,9 +3058,11 @@
       <p:sp>
         <p:nvSpPr>
           <p:cNvPr id="49" name="Google Shape;49;p12"/>
-          <p:cNvSpPr txBox="1"/>
+          <p:cNvSpPr txBox="1">
+            <a:spLocks noGrp="1"/>
+          </p:cNvSpPr>
           <p:nvPr>
-            <p:ph idx="12" type="sldNum"/>
+            <p:ph type="sldNum" idx="12"/>
           </p:nvPr>
         </p:nvSpPr>
         <p:spPr>
@@ -3078,7 +3075,7 @@
           </a:prstGeom>
         </p:spPr>
         <p:txBody>
-          <a:bodyPr anchorCtr="0" anchor="ctr" bIns="91425" lIns="91425" spcFirstLastPara="1" rIns="91425" wrap="square" tIns="91425">
+          <a:bodyPr spcFirstLastPara="1" wrap="square" lIns="91425" tIns="91425" rIns="91425" bIns="91425" anchor="ctr" anchorCtr="0">
             <a:noAutofit/>
           </a:bodyPr>
           <a:lstStyle>
@@ -3120,7 +3117,7 @@
             </a:lvl9pPr>
           </a:lstStyle>
           <a:p>
-            <a:pPr indent="0" lvl="0" marL="0" rtl="0" algn="r">
+            <a:pPr marL="0" lvl="0" indent="0" algn="r" rtl="0">
               <a:spcBef>
                 <a:spcPts val="0"/>
               </a:spcBef>
@@ -3131,6 +3128,15 @@
             </a:pPr>
             <a:fld id="{00000000-1234-1234-1234-123412341234}" type="slidenum">
               <a:rPr lang="en"/>
+              <a:pPr marL="0" lvl="0" indent="0" algn="r" rtl="0">
+                <a:spcBef>
+                  <a:spcPts val="0"/>
+                </a:spcBef>
+                <a:spcAft>
+                  <a:spcPts val="0"/>
+                </a:spcAft>
+                <a:buNone/>
+              </a:pPr>
               <a:t>‹#›</a:t>
             </a:fld>
             <a:endParaRPr/>
@@ -3146,11 +3152,11 @@
 </file>
 
 <file path=ppt/slideLayouts/slideLayout2.xml><?xml version="1.0" encoding="utf-8"?>
-<p:sldLayout xmlns:a="http://schemas.openxmlformats.org/drawingml/2006/main" xmlns:r="http://schemas.openxmlformats.org/officeDocument/2006/relationships" xmlns:mc="http://schemas.openxmlformats.org/markup-compatibility/2006" xmlns:mv="urn:schemas-microsoft-com:mac:vml" xmlns:p="http://schemas.openxmlformats.org/presentationml/2006/main" xmlns:c="http://schemas.openxmlformats.org/drawingml/2006/chart" xmlns:dgm="http://schemas.openxmlformats.org/drawingml/2006/diagram" xmlns:o="urn:schemas-microsoft-com:office:office" xmlns:v="urn:schemas-microsoft-com:vml" xmlns:pvml="urn:schemas-microsoft-com:office:powerpoint" xmlns:com="http://schemas.openxmlformats.org/drawingml/2006/compatibility" xmlns:p14="http://schemas.microsoft.com/office/powerpoint/2010/main" xmlns:p15="http://schemas.microsoft.com/office/powerpoint/2012/main" xmlns:ahyp="http://schemas.microsoft.com/office/drawing/2018/hyperlinkcolor" matchingName="Section header" type="secHead">
+<p:sldLayout xmlns:a="http://schemas.openxmlformats.org/drawingml/2006/main" xmlns:r="http://schemas.openxmlformats.org/officeDocument/2006/relationships" xmlns:p="http://schemas.openxmlformats.org/presentationml/2006/main" matchingName="Section header" type="secHead">
   <p:cSld name="SECTION_HEADER">
     <p:spTree>
       <p:nvGrpSpPr>
-        <p:cNvPr id="13" name="Shape 13"/>
+        <p:cNvPr id="1" name="Shape 13"/>
         <p:cNvGrpSpPr/>
         <p:nvPr/>
       </p:nvGrpSpPr>
@@ -3165,7 +3171,9 @@
       <p:sp>
         <p:nvSpPr>
           <p:cNvPr id="14" name="Google Shape;14;p3"/>
-          <p:cNvSpPr txBox="1"/>
+          <p:cNvSpPr txBox="1">
+            <a:spLocks noGrp="1"/>
+          </p:cNvSpPr>
           <p:nvPr>
             <p:ph type="title"/>
           </p:nvPr>
@@ -3180,7 +3188,7 @@
           </a:prstGeom>
         </p:spPr>
         <p:txBody>
-          <a:bodyPr anchorCtr="0" anchor="ctr" bIns="91425" lIns="91425" spcFirstLastPara="1" rIns="91425" wrap="square" tIns="91425">
+          <a:bodyPr spcFirstLastPara="1" wrap="square" lIns="91425" tIns="91425" rIns="91425" bIns="91425" anchor="ctr" anchorCtr="0">
             <a:noAutofit/>
           </a:bodyPr>
           <a:lstStyle>
@@ -3284,15 +3292,19 @@
               <a:defRPr sz="3600"/>
             </a:lvl9pPr>
           </a:lstStyle>
-          <a:p/>
+          <a:p>
+            <a:endParaRPr/>
+          </a:p>
         </p:txBody>
       </p:sp>
       <p:sp>
         <p:nvSpPr>
           <p:cNvPr id="15" name="Google Shape;15;p3"/>
-          <p:cNvSpPr txBox="1"/>
+          <p:cNvSpPr txBox="1">
+            <a:spLocks noGrp="1"/>
+          </p:cNvSpPr>
           <p:nvPr>
-            <p:ph idx="12" type="sldNum"/>
+            <p:ph type="sldNum" idx="12"/>
           </p:nvPr>
         </p:nvSpPr>
         <p:spPr>
@@ -3305,7 +3317,7 @@
           </a:prstGeom>
         </p:spPr>
         <p:txBody>
-          <a:bodyPr anchorCtr="0" anchor="ctr" bIns="91425" lIns="91425" spcFirstLastPara="1" rIns="91425" wrap="square" tIns="91425">
+          <a:bodyPr spcFirstLastPara="1" wrap="square" lIns="91425" tIns="91425" rIns="91425" bIns="91425" anchor="ctr" anchorCtr="0">
             <a:noAutofit/>
           </a:bodyPr>
           <a:lstStyle>
@@ -3347,7 +3359,7 @@
             </a:lvl9pPr>
           </a:lstStyle>
           <a:p>
-            <a:pPr indent="0" lvl="0" marL="0" rtl="0" algn="r">
+            <a:pPr marL="0" lvl="0" indent="0" algn="r" rtl="0">
               <a:spcBef>
                 <a:spcPts val="0"/>
               </a:spcBef>
@@ -3358,6 +3370,15 @@
             </a:pPr>
             <a:fld id="{00000000-1234-1234-1234-123412341234}" type="slidenum">
               <a:rPr lang="en"/>
+              <a:pPr marL="0" lvl="0" indent="0" algn="r" rtl="0">
+                <a:spcBef>
+                  <a:spcPts val="0"/>
+                </a:spcBef>
+                <a:spcAft>
+                  <a:spcPts val="0"/>
+                </a:spcAft>
+                <a:buNone/>
+              </a:pPr>
               <a:t>‹#›</a:t>
             </a:fld>
             <a:endParaRPr/>
@@ -3373,11 +3394,11 @@
 </file>
 
 <file path=ppt/slideLayouts/slideLayout3.xml><?xml version="1.0" encoding="utf-8"?>
-<p:sldLayout xmlns:a="http://schemas.openxmlformats.org/drawingml/2006/main" xmlns:r="http://schemas.openxmlformats.org/officeDocument/2006/relationships" xmlns:mc="http://schemas.openxmlformats.org/markup-compatibility/2006" xmlns:mv="urn:schemas-microsoft-com:mac:vml" xmlns:p="http://schemas.openxmlformats.org/presentationml/2006/main" xmlns:c="http://schemas.openxmlformats.org/drawingml/2006/chart" xmlns:dgm="http://schemas.openxmlformats.org/drawingml/2006/diagram" xmlns:o="urn:schemas-microsoft-com:office:office" xmlns:v="urn:schemas-microsoft-com:vml" xmlns:pvml="urn:schemas-microsoft-com:office:powerpoint" xmlns:com="http://schemas.openxmlformats.org/drawingml/2006/compatibility" xmlns:p14="http://schemas.microsoft.com/office/powerpoint/2010/main" xmlns:p15="http://schemas.microsoft.com/office/powerpoint/2012/main" xmlns:ahyp="http://schemas.microsoft.com/office/drawing/2018/hyperlinkcolor" matchingName="Title and body" type="tx">
+<p:sldLayout xmlns:a="http://schemas.openxmlformats.org/drawingml/2006/main" xmlns:r="http://schemas.openxmlformats.org/officeDocument/2006/relationships" xmlns:p="http://schemas.openxmlformats.org/presentationml/2006/main" matchingName="Title and body" type="tx">
   <p:cSld name="TITLE_AND_BODY">
     <p:spTree>
       <p:nvGrpSpPr>
-        <p:cNvPr id="16" name="Shape 16"/>
+        <p:cNvPr id="1" name="Shape 16"/>
         <p:cNvGrpSpPr/>
         <p:nvPr/>
       </p:nvGrpSpPr>
@@ -3392,7 +3413,9 @@
       <p:sp>
         <p:nvSpPr>
           <p:cNvPr id="17" name="Google Shape;17;p4"/>
-          <p:cNvSpPr txBox="1"/>
+          <p:cNvSpPr txBox="1">
+            <a:spLocks noGrp="1"/>
+          </p:cNvSpPr>
           <p:nvPr>
             <p:ph type="title"/>
           </p:nvPr>
@@ -3407,7 +3430,7 @@
           </a:prstGeom>
         </p:spPr>
         <p:txBody>
-          <a:bodyPr anchorCtr="0" anchor="t" bIns="91425" lIns="91425" spcFirstLastPara="1" rIns="91425" wrap="square" tIns="91425">
+          <a:bodyPr spcFirstLastPara="1" wrap="square" lIns="91425" tIns="91425" rIns="91425" bIns="91425" anchor="t" anchorCtr="0">
             <a:noAutofit/>
           </a:bodyPr>
           <a:lstStyle>
@@ -3511,15 +3534,19 @@
               <a:defRPr/>
             </a:lvl9pPr>
           </a:lstStyle>
-          <a:p/>
+          <a:p>
+            <a:endParaRPr/>
+          </a:p>
         </p:txBody>
       </p:sp>
       <p:sp>
         <p:nvSpPr>
           <p:cNvPr id="18" name="Google Shape;18;p4"/>
-          <p:cNvSpPr txBox="1"/>
+          <p:cNvSpPr txBox="1">
+            <a:spLocks noGrp="1"/>
+          </p:cNvSpPr>
           <p:nvPr>
-            <p:ph idx="1" type="body"/>
+            <p:ph type="body" idx="1"/>
           </p:nvPr>
         </p:nvSpPr>
         <p:spPr>
@@ -3532,11 +3559,11 @@
           </a:prstGeom>
         </p:spPr>
         <p:txBody>
-          <a:bodyPr anchorCtr="0" anchor="t" bIns="91425" lIns="91425" spcFirstLastPara="1" rIns="91425" wrap="square" tIns="91425">
+          <a:bodyPr spcFirstLastPara="1" wrap="square" lIns="91425" tIns="91425" rIns="91425" bIns="91425" anchor="t" anchorCtr="0">
             <a:noAutofit/>
           </a:bodyPr>
           <a:lstStyle>
-            <a:lvl1pPr indent="-342900" lvl="0" marL="457200">
+            <a:lvl1pPr marL="457200" lvl="0" indent="-342900">
               <a:spcBef>
                 <a:spcPts val="0"/>
               </a:spcBef>
@@ -3547,7 +3574,7 @@
               <a:buChar char="●"/>
               <a:defRPr/>
             </a:lvl1pPr>
-            <a:lvl2pPr indent="-317500" lvl="1" marL="914400">
+            <a:lvl2pPr marL="914400" lvl="1" indent="-317500">
               <a:spcBef>
                 <a:spcPts val="1600"/>
               </a:spcBef>
@@ -3558,7 +3585,7 @@
               <a:buChar char="○"/>
               <a:defRPr/>
             </a:lvl2pPr>
-            <a:lvl3pPr indent="-317500" lvl="2" marL="1371600">
+            <a:lvl3pPr marL="1371600" lvl="2" indent="-317500">
               <a:spcBef>
                 <a:spcPts val="1600"/>
               </a:spcBef>
@@ -3569,7 +3596,7 @@
               <a:buChar char="■"/>
               <a:defRPr/>
             </a:lvl3pPr>
-            <a:lvl4pPr indent="-317500" lvl="3" marL="1828800">
+            <a:lvl4pPr marL="1828800" lvl="3" indent="-317500">
               <a:spcBef>
                 <a:spcPts val="1600"/>
               </a:spcBef>
@@ -3580,7 +3607,7 @@
               <a:buChar char="●"/>
               <a:defRPr/>
             </a:lvl4pPr>
-            <a:lvl5pPr indent="-317500" lvl="4" marL="2286000">
+            <a:lvl5pPr marL="2286000" lvl="4" indent="-317500">
               <a:spcBef>
                 <a:spcPts val="1600"/>
               </a:spcBef>
@@ -3591,7 +3618,7 @@
               <a:buChar char="○"/>
               <a:defRPr/>
             </a:lvl5pPr>
-            <a:lvl6pPr indent="-317500" lvl="5" marL="2743200">
+            <a:lvl6pPr marL="2743200" lvl="5" indent="-317500">
               <a:spcBef>
                 <a:spcPts val="1600"/>
               </a:spcBef>
@@ -3602,7 +3629,7 @@
               <a:buChar char="■"/>
               <a:defRPr/>
             </a:lvl6pPr>
-            <a:lvl7pPr indent="-317500" lvl="6" marL="3200400">
+            <a:lvl7pPr marL="3200400" lvl="6" indent="-317500">
               <a:spcBef>
                 <a:spcPts val="1600"/>
               </a:spcBef>
@@ -3613,7 +3640,7 @@
               <a:buChar char="●"/>
               <a:defRPr/>
             </a:lvl7pPr>
-            <a:lvl8pPr indent="-317500" lvl="7" marL="3657600">
+            <a:lvl8pPr marL="3657600" lvl="7" indent="-317500">
               <a:spcBef>
                 <a:spcPts val="1600"/>
               </a:spcBef>
@@ -3624,7 +3651,7 @@
               <a:buChar char="○"/>
               <a:defRPr/>
             </a:lvl8pPr>
-            <a:lvl9pPr indent="-317500" lvl="8" marL="4114800">
+            <a:lvl9pPr marL="4114800" lvl="8" indent="-317500">
               <a:spcBef>
                 <a:spcPts val="1600"/>
               </a:spcBef>
@@ -3636,15 +3663,19 @@
               <a:defRPr/>
             </a:lvl9pPr>
           </a:lstStyle>
-          <a:p/>
+          <a:p>
+            <a:endParaRPr/>
+          </a:p>
         </p:txBody>
       </p:sp>
       <p:sp>
         <p:nvSpPr>
           <p:cNvPr id="19" name="Google Shape;19;p4"/>
-          <p:cNvSpPr txBox="1"/>
+          <p:cNvSpPr txBox="1">
+            <a:spLocks noGrp="1"/>
+          </p:cNvSpPr>
           <p:nvPr>
-            <p:ph idx="12" type="sldNum"/>
+            <p:ph type="sldNum" idx="12"/>
           </p:nvPr>
         </p:nvSpPr>
         <p:spPr>
@@ -3657,7 +3688,7 @@
           </a:prstGeom>
         </p:spPr>
         <p:txBody>
-          <a:bodyPr anchorCtr="0" anchor="ctr" bIns="91425" lIns="91425" spcFirstLastPara="1" rIns="91425" wrap="square" tIns="91425">
+          <a:bodyPr spcFirstLastPara="1" wrap="square" lIns="91425" tIns="91425" rIns="91425" bIns="91425" anchor="ctr" anchorCtr="0">
             <a:noAutofit/>
           </a:bodyPr>
           <a:lstStyle>
@@ -3699,7 +3730,7 @@
             </a:lvl9pPr>
           </a:lstStyle>
           <a:p>
-            <a:pPr indent="0" lvl="0" marL="0" rtl="0" algn="r">
+            <a:pPr marL="0" lvl="0" indent="0" algn="r" rtl="0">
               <a:spcBef>
                 <a:spcPts val="0"/>
               </a:spcBef>
@@ -3710,6 +3741,15 @@
             </a:pPr>
             <a:fld id="{00000000-1234-1234-1234-123412341234}" type="slidenum">
               <a:rPr lang="en"/>
+              <a:pPr marL="0" lvl="0" indent="0" algn="r" rtl="0">
+                <a:spcBef>
+                  <a:spcPts val="0"/>
+                </a:spcBef>
+                <a:spcAft>
+                  <a:spcPts val="0"/>
+                </a:spcAft>
+                <a:buNone/>
+              </a:pPr>
               <a:t>‹#›</a:t>
             </a:fld>
             <a:endParaRPr/>
@@ -3725,11 +3765,11 @@
 </file>
 
 <file path=ppt/slideLayouts/slideLayout4.xml><?xml version="1.0" encoding="utf-8"?>
-<p:sldLayout xmlns:a="http://schemas.openxmlformats.org/drawingml/2006/main" xmlns:r="http://schemas.openxmlformats.org/officeDocument/2006/relationships" xmlns:mc="http://schemas.openxmlformats.org/markup-compatibility/2006" xmlns:mv="urn:schemas-microsoft-com:mac:vml" xmlns:p="http://schemas.openxmlformats.org/presentationml/2006/main" xmlns:c="http://schemas.openxmlformats.org/drawingml/2006/chart" xmlns:dgm="http://schemas.openxmlformats.org/drawingml/2006/diagram" xmlns:o="urn:schemas-microsoft-com:office:office" xmlns:v="urn:schemas-microsoft-com:vml" xmlns:pvml="urn:schemas-microsoft-com:office:powerpoint" xmlns:com="http://schemas.openxmlformats.org/drawingml/2006/compatibility" xmlns:p14="http://schemas.microsoft.com/office/powerpoint/2010/main" xmlns:p15="http://schemas.microsoft.com/office/powerpoint/2012/main" xmlns:ahyp="http://schemas.microsoft.com/office/drawing/2018/hyperlinkcolor" matchingName="Title and two columns" type="twoColTx">
+<p:sldLayout xmlns:a="http://schemas.openxmlformats.org/drawingml/2006/main" xmlns:r="http://schemas.openxmlformats.org/officeDocument/2006/relationships" xmlns:p="http://schemas.openxmlformats.org/presentationml/2006/main" matchingName="Title and two columns" type="twoColTx">
   <p:cSld name="TITLE_AND_TWO_COLUMNS">
     <p:spTree>
       <p:nvGrpSpPr>
-        <p:cNvPr id="20" name="Shape 20"/>
+        <p:cNvPr id="1" name="Shape 20"/>
         <p:cNvGrpSpPr/>
         <p:nvPr/>
       </p:nvGrpSpPr>
@@ -3744,7 +3784,9 @@
       <p:sp>
         <p:nvSpPr>
           <p:cNvPr id="21" name="Google Shape;21;p5"/>
-          <p:cNvSpPr txBox="1"/>
+          <p:cNvSpPr txBox="1">
+            <a:spLocks noGrp="1"/>
+          </p:cNvSpPr>
           <p:nvPr>
             <p:ph type="title"/>
           </p:nvPr>
@@ -3759,7 +3801,7 @@
           </a:prstGeom>
         </p:spPr>
         <p:txBody>
-          <a:bodyPr anchorCtr="0" anchor="t" bIns="91425" lIns="91425" spcFirstLastPara="1" rIns="91425" wrap="square" tIns="91425">
+          <a:bodyPr spcFirstLastPara="1" wrap="square" lIns="91425" tIns="91425" rIns="91425" bIns="91425" anchor="t" anchorCtr="0">
             <a:noAutofit/>
           </a:bodyPr>
           <a:lstStyle>
@@ -3863,15 +3905,19 @@
               <a:defRPr/>
             </a:lvl9pPr>
           </a:lstStyle>
-          <a:p/>
+          <a:p>
+            <a:endParaRPr/>
+          </a:p>
         </p:txBody>
       </p:sp>
       <p:sp>
         <p:nvSpPr>
           <p:cNvPr id="22" name="Google Shape;22;p5"/>
-          <p:cNvSpPr txBox="1"/>
+          <p:cNvSpPr txBox="1">
+            <a:spLocks noGrp="1"/>
+          </p:cNvSpPr>
           <p:nvPr>
-            <p:ph idx="1" type="body"/>
+            <p:ph type="body" idx="1"/>
           </p:nvPr>
         </p:nvSpPr>
         <p:spPr>
@@ -3884,11 +3930,11 @@
           </a:prstGeom>
         </p:spPr>
         <p:txBody>
-          <a:bodyPr anchorCtr="0" anchor="t" bIns="91425" lIns="91425" spcFirstLastPara="1" rIns="91425" wrap="square" tIns="91425">
+          <a:bodyPr spcFirstLastPara="1" wrap="square" lIns="91425" tIns="91425" rIns="91425" bIns="91425" anchor="t" anchorCtr="0">
             <a:noAutofit/>
           </a:bodyPr>
           <a:lstStyle>
-            <a:lvl1pPr indent="-317500" lvl="0" marL="457200">
+            <a:lvl1pPr marL="457200" lvl="0" indent="-317500">
               <a:spcBef>
                 <a:spcPts val="0"/>
               </a:spcBef>
@@ -3899,7 +3945,7 @@
               <a:buChar char="●"/>
               <a:defRPr sz="1400"/>
             </a:lvl1pPr>
-            <a:lvl2pPr indent="-304800" lvl="1" marL="914400">
+            <a:lvl2pPr marL="914400" lvl="1" indent="-304800">
               <a:spcBef>
                 <a:spcPts val="1600"/>
               </a:spcBef>
@@ -3910,7 +3956,7 @@
               <a:buChar char="○"/>
               <a:defRPr sz="1200"/>
             </a:lvl2pPr>
-            <a:lvl3pPr indent="-304800" lvl="2" marL="1371600">
+            <a:lvl3pPr marL="1371600" lvl="2" indent="-304800">
               <a:spcBef>
                 <a:spcPts val="1600"/>
               </a:spcBef>
@@ -3921,7 +3967,7 @@
               <a:buChar char="■"/>
               <a:defRPr sz="1200"/>
             </a:lvl3pPr>
-            <a:lvl4pPr indent="-304800" lvl="3" marL="1828800">
+            <a:lvl4pPr marL="1828800" lvl="3" indent="-304800">
               <a:spcBef>
                 <a:spcPts val="1600"/>
               </a:spcBef>
@@ -3932,7 +3978,7 @@
               <a:buChar char="●"/>
               <a:defRPr sz="1200"/>
             </a:lvl4pPr>
-            <a:lvl5pPr indent="-304800" lvl="4" marL="2286000">
+            <a:lvl5pPr marL="2286000" lvl="4" indent="-304800">
               <a:spcBef>
                 <a:spcPts val="1600"/>
               </a:spcBef>
@@ -3943,7 +3989,7 @@
               <a:buChar char="○"/>
               <a:defRPr sz="1200"/>
             </a:lvl5pPr>
-            <a:lvl6pPr indent="-304800" lvl="5" marL="2743200">
+            <a:lvl6pPr marL="2743200" lvl="5" indent="-304800">
               <a:spcBef>
                 <a:spcPts val="1600"/>
               </a:spcBef>
@@ -3954,7 +4000,7 @@
               <a:buChar char="■"/>
               <a:defRPr sz="1200"/>
             </a:lvl6pPr>
-            <a:lvl7pPr indent="-304800" lvl="6" marL="3200400">
+            <a:lvl7pPr marL="3200400" lvl="6" indent="-304800">
               <a:spcBef>
                 <a:spcPts val="1600"/>
               </a:spcBef>
@@ -3965,7 +4011,7 @@
               <a:buChar char="●"/>
               <a:defRPr sz="1200"/>
             </a:lvl7pPr>
-            <a:lvl8pPr indent="-304800" lvl="7" marL="3657600">
+            <a:lvl8pPr marL="3657600" lvl="7" indent="-304800">
               <a:spcBef>
                 <a:spcPts val="1600"/>
               </a:spcBef>
@@ -3976,7 +4022,7 @@
               <a:buChar char="○"/>
               <a:defRPr sz="1200"/>
             </a:lvl8pPr>
-            <a:lvl9pPr indent="-304800" lvl="8" marL="4114800">
+            <a:lvl9pPr marL="4114800" lvl="8" indent="-304800">
               <a:spcBef>
                 <a:spcPts val="1600"/>
               </a:spcBef>
@@ -3988,15 +4034,19 @@
               <a:defRPr sz="1200"/>
             </a:lvl9pPr>
           </a:lstStyle>
-          <a:p/>
+          <a:p>
+            <a:endParaRPr/>
+          </a:p>
         </p:txBody>
       </p:sp>
       <p:sp>
         <p:nvSpPr>
           <p:cNvPr id="23" name="Google Shape;23;p5"/>
-          <p:cNvSpPr txBox="1"/>
+          <p:cNvSpPr txBox="1">
+            <a:spLocks noGrp="1"/>
+          </p:cNvSpPr>
           <p:nvPr>
-            <p:ph idx="2" type="body"/>
+            <p:ph type="body" idx="2"/>
           </p:nvPr>
         </p:nvSpPr>
         <p:spPr>
@@ -4009,11 +4059,11 @@
           </a:prstGeom>
         </p:spPr>
         <p:txBody>
-          <a:bodyPr anchorCtr="0" anchor="t" bIns="91425" lIns="91425" spcFirstLastPara="1" rIns="91425" wrap="square" tIns="91425">
+          <a:bodyPr spcFirstLastPara="1" wrap="square" lIns="91425" tIns="91425" rIns="91425" bIns="91425" anchor="t" anchorCtr="0">
             <a:noAutofit/>
           </a:bodyPr>
           <a:lstStyle>
-            <a:lvl1pPr indent="-317500" lvl="0" marL="457200">
+            <a:lvl1pPr marL="457200" lvl="0" indent="-317500">
               <a:spcBef>
                 <a:spcPts val="0"/>
               </a:spcBef>
@@ -4024,7 +4074,7 @@
               <a:buChar char="●"/>
               <a:defRPr sz="1400"/>
             </a:lvl1pPr>
-            <a:lvl2pPr indent="-304800" lvl="1" marL="914400">
+            <a:lvl2pPr marL="914400" lvl="1" indent="-304800">
               <a:spcBef>
                 <a:spcPts val="1600"/>
               </a:spcBef>
@@ -4035,7 +4085,7 @@
               <a:buChar char="○"/>
               <a:defRPr sz="1200"/>
             </a:lvl2pPr>
-            <a:lvl3pPr indent="-304800" lvl="2" marL="1371600">
+            <a:lvl3pPr marL="1371600" lvl="2" indent="-304800">
               <a:spcBef>
                 <a:spcPts val="1600"/>
               </a:spcBef>
@@ -4046,7 +4096,7 @@
               <a:buChar char="■"/>
               <a:defRPr sz="1200"/>
             </a:lvl3pPr>
-            <a:lvl4pPr indent="-304800" lvl="3" marL="1828800">
+            <a:lvl4pPr marL="1828800" lvl="3" indent="-304800">
               <a:spcBef>
                 <a:spcPts val="1600"/>
               </a:spcBef>
@@ -4057,7 +4107,7 @@
               <a:buChar char="●"/>
               <a:defRPr sz="1200"/>
             </a:lvl4pPr>
-            <a:lvl5pPr indent="-304800" lvl="4" marL="2286000">
+            <a:lvl5pPr marL="2286000" lvl="4" indent="-304800">
               <a:spcBef>
                 <a:spcPts val="1600"/>
               </a:spcBef>
@@ -4068,7 +4118,7 @@
               <a:buChar char="○"/>
               <a:defRPr sz="1200"/>
             </a:lvl5pPr>
-            <a:lvl6pPr indent="-304800" lvl="5" marL="2743200">
+            <a:lvl6pPr marL="2743200" lvl="5" indent="-304800">
               <a:spcBef>
                 <a:spcPts val="1600"/>
               </a:spcBef>
@@ -4079,7 +4129,7 @@
               <a:buChar char="■"/>
               <a:defRPr sz="1200"/>
             </a:lvl6pPr>
-            <a:lvl7pPr indent="-304800" lvl="6" marL="3200400">
+            <a:lvl7pPr marL="3200400" lvl="6" indent="-304800">
               <a:spcBef>
                 <a:spcPts val="1600"/>
               </a:spcBef>
@@ -4090,7 +4140,7 @@
               <a:buChar char="●"/>
               <a:defRPr sz="1200"/>
             </a:lvl7pPr>
-            <a:lvl8pPr indent="-304800" lvl="7" marL="3657600">
+            <a:lvl8pPr marL="3657600" lvl="7" indent="-304800">
               <a:spcBef>
                 <a:spcPts val="1600"/>
               </a:spcBef>
@@ -4101,7 +4151,7 @@
               <a:buChar char="○"/>
               <a:defRPr sz="1200"/>
             </a:lvl8pPr>
-            <a:lvl9pPr indent="-304800" lvl="8" marL="4114800">
+            <a:lvl9pPr marL="4114800" lvl="8" indent="-304800">
               <a:spcBef>
                 <a:spcPts val="1600"/>
               </a:spcBef>
@@ -4113,15 +4163,19 @@
               <a:defRPr sz="1200"/>
             </a:lvl9pPr>
           </a:lstStyle>
-          <a:p/>
+          <a:p>
+            <a:endParaRPr/>
+          </a:p>
         </p:txBody>
       </p:sp>
       <p:sp>
         <p:nvSpPr>
           <p:cNvPr id="24" name="Google Shape;24;p5"/>
-          <p:cNvSpPr txBox="1"/>
+          <p:cNvSpPr txBox="1">
+            <a:spLocks noGrp="1"/>
+          </p:cNvSpPr>
           <p:nvPr>
-            <p:ph idx="12" type="sldNum"/>
+            <p:ph type="sldNum" idx="12"/>
           </p:nvPr>
         </p:nvSpPr>
         <p:spPr>
@@ -4134,7 +4188,7 @@
           </a:prstGeom>
         </p:spPr>
         <p:txBody>
-          <a:bodyPr anchorCtr="0" anchor="ctr" bIns="91425" lIns="91425" spcFirstLastPara="1" rIns="91425" wrap="square" tIns="91425">
+          <a:bodyPr spcFirstLastPara="1" wrap="square" lIns="91425" tIns="91425" rIns="91425" bIns="91425" anchor="ctr" anchorCtr="0">
             <a:noAutofit/>
           </a:bodyPr>
           <a:lstStyle>
@@ -4176,7 +4230,7 @@
             </a:lvl9pPr>
           </a:lstStyle>
           <a:p>
-            <a:pPr indent="0" lvl="0" marL="0" rtl="0" algn="r">
+            <a:pPr marL="0" lvl="0" indent="0" algn="r" rtl="0">
               <a:spcBef>
                 <a:spcPts val="0"/>
               </a:spcBef>
@@ -4187,6 +4241,15 @@
             </a:pPr>
             <a:fld id="{00000000-1234-1234-1234-123412341234}" type="slidenum">
               <a:rPr lang="en"/>
+              <a:pPr marL="0" lvl="0" indent="0" algn="r" rtl="0">
+                <a:spcBef>
+                  <a:spcPts val="0"/>
+                </a:spcBef>
+                <a:spcAft>
+                  <a:spcPts val="0"/>
+                </a:spcAft>
+                <a:buNone/>
+              </a:pPr>
               <a:t>‹#›</a:t>
             </a:fld>
             <a:endParaRPr/>
@@ -4202,11 +4265,11 @@
 </file>
 
 <file path=ppt/slideLayouts/slideLayout5.xml><?xml version="1.0" encoding="utf-8"?>
-<p:sldLayout xmlns:a="http://schemas.openxmlformats.org/drawingml/2006/main" xmlns:r="http://schemas.openxmlformats.org/officeDocument/2006/relationships" xmlns:mc="http://schemas.openxmlformats.org/markup-compatibility/2006" xmlns:mv="urn:schemas-microsoft-com:mac:vml" xmlns:p="http://schemas.openxmlformats.org/presentationml/2006/main" xmlns:c="http://schemas.openxmlformats.org/drawingml/2006/chart" xmlns:dgm="http://schemas.openxmlformats.org/drawingml/2006/diagram" xmlns:o="urn:schemas-microsoft-com:office:office" xmlns:v="urn:schemas-microsoft-com:vml" xmlns:pvml="urn:schemas-microsoft-com:office:powerpoint" xmlns:com="http://schemas.openxmlformats.org/drawingml/2006/compatibility" xmlns:p14="http://schemas.microsoft.com/office/powerpoint/2010/main" xmlns:p15="http://schemas.microsoft.com/office/powerpoint/2012/main" xmlns:ahyp="http://schemas.microsoft.com/office/drawing/2018/hyperlinkcolor" matchingName="Title only" type="titleOnly">
+<p:sldLayout xmlns:a="http://schemas.openxmlformats.org/drawingml/2006/main" xmlns:r="http://schemas.openxmlformats.org/officeDocument/2006/relationships" xmlns:p="http://schemas.openxmlformats.org/presentationml/2006/main" matchingName="Title only" type="titleOnly">
   <p:cSld name="TITLE_ONLY">
     <p:spTree>
       <p:nvGrpSpPr>
-        <p:cNvPr id="25" name="Shape 25"/>
+        <p:cNvPr id="1" name="Shape 25"/>
         <p:cNvGrpSpPr/>
         <p:nvPr/>
       </p:nvGrpSpPr>
@@ -4221,7 +4284,9 @@
       <p:sp>
         <p:nvSpPr>
           <p:cNvPr id="26" name="Google Shape;26;p6"/>
-          <p:cNvSpPr txBox="1"/>
+          <p:cNvSpPr txBox="1">
+            <a:spLocks noGrp="1"/>
+          </p:cNvSpPr>
           <p:nvPr>
             <p:ph type="title"/>
           </p:nvPr>
@@ -4236,7 +4301,7 @@
           </a:prstGeom>
         </p:spPr>
         <p:txBody>
-          <a:bodyPr anchorCtr="0" anchor="t" bIns="91425" lIns="91425" spcFirstLastPara="1" rIns="91425" wrap="square" tIns="91425">
+          <a:bodyPr spcFirstLastPara="1" wrap="square" lIns="91425" tIns="91425" rIns="91425" bIns="91425" anchor="t" anchorCtr="0">
             <a:noAutofit/>
           </a:bodyPr>
           <a:lstStyle>
@@ -4340,15 +4405,19 @@
               <a:defRPr/>
             </a:lvl9pPr>
           </a:lstStyle>
-          <a:p/>
+          <a:p>
+            <a:endParaRPr/>
+          </a:p>
         </p:txBody>
       </p:sp>
       <p:sp>
         <p:nvSpPr>
           <p:cNvPr id="27" name="Google Shape;27;p6"/>
-          <p:cNvSpPr txBox="1"/>
+          <p:cNvSpPr txBox="1">
+            <a:spLocks noGrp="1"/>
+          </p:cNvSpPr>
           <p:nvPr>
-            <p:ph idx="12" type="sldNum"/>
+            <p:ph type="sldNum" idx="12"/>
           </p:nvPr>
         </p:nvSpPr>
         <p:spPr>
@@ -4361,7 +4430,7 @@
           </a:prstGeom>
         </p:spPr>
         <p:txBody>
-          <a:bodyPr anchorCtr="0" anchor="ctr" bIns="91425" lIns="91425" spcFirstLastPara="1" rIns="91425" wrap="square" tIns="91425">
+          <a:bodyPr spcFirstLastPara="1" wrap="square" lIns="91425" tIns="91425" rIns="91425" bIns="91425" anchor="ctr" anchorCtr="0">
             <a:noAutofit/>
           </a:bodyPr>
           <a:lstStyle>
@@ -4403,7 +4472,7 @@
             </a:lvl9pPr>
           </a:lstStyle>
           <a:p>
-            <a:pPr indent="0" lvl="0" marL="0" rtl="0" algn="r">
+            <a:pPr marL="0" lvl="0" indent="0" algn="r" rtl="0">
               <a:spcBef>
                 <a:spcPts val="0"/>
               </a:spcBef>
@@ -4414,6 +4483,15 @@
             </a:pPr>
             <a:fld id="{00000000-1234-1234-1234-123412341234}" type="slidenum">
               <a:rPr lang="en"/>
+              <a:pPr marL="0" lvl="0" indent="0" algn="r" rtl="0">
+                <a:spcBef>
+                  <a:spcPts val="0"/>
+                </a:spcBef>
+                <a:spcAft>
+                  <a:spcPts val="0"/>
+                </a:spcAft>
+                <a:buNone/>
+              </a:pPr>
               <a:t>‹#›</a:t>
             </a:fld>
             <a:endParaRPr/>
@@ -4429,11 +4507,11 @@
 </file>
 
 <file path=ppt/slideLayouts/slideLayout6.xml><?xml version="1.0" encoding="utf-8"?>
-<p:sldLayout xmlns:a="http://schemas.openxmlformats.org/drawingml/2006/main" xmlns:r="http://schemas.openxmlformats.org/officeDocument/2006/relationships" xmlns:mc="http://schemas.openxmlformats.org/markup-compatibility/2006" xmlns:mv="urn:schemas-microsoft-com:mac:vml" xmlns:p="http://schemas.openxmlformats.org/presentationml/2006/main" xmlns:c="http://schemas.openxmlformats.org/drawingml/2006/chart" xmlns:dgm="http://schemas.openxmlformats.org/drawingml/2006/diagram" xmlns:o="urn:schemas-microsoft-com:office:office" xmlns:v="urn:schemas-microsoft-com:vml" xmlns:pvml="urn:schemas-microsoft-com:office:powerpoint" xmlns:com="http://schemas.openxmlformats.org/drawingml/2006/compatibility" xmlns:p14="http://schemas.microsoft.com/office/powerpoint/2010/main" xmlns:p15="http://schemas.microsoft.com/office/powerpoint/2012/main" xmlns:ahyp="http://schemas.microsoft.com/office/drawing/2018/hyperlinkcolor" matchingName="One column text">
+<p:sldLayout xmlns:a="http://schemas.openxmlformats.org/drawingml/2006/main" xmlns:r="http://schemas.openxmlformats.org/officeDocument/2006/relationships" xmlns:p="http://schemas.openxmlformats.org/presentationml/2006/main" matchingName="One column text">
   <p:cSld name="ONE_COLUMN_TEXT">
     <p:spTree>
       <p:nvGrpSpPr>
-        <p:cNvPr id="28" name="Shape 28"/>
+        <p:cNvPr id="1" name="Shape 28"/>
         <p:cNvGrpSpPr/>
         <p:nvPr/>
       </p:nvGrpSpPr>
@@ -4448,7 +4526,9 @@
       <p:sp>
         <p:nvSpPr>
           <p:cNvPr id="29" name="Google Shape;29;p7"/>
-          <p:cNvSpPr txBox="1"/>
+          <p:cNvSpPr txBox="1">
+            <a:spLocks noGrp="1"/>
+          </p:cNvSpPr>
           <p:nvPr>
             <p:ph type="title"/>
           </p:nvPr>
@@ -4463,7 +4543,7 @@
           </a:prstGeom>
         </p:spPr>
         <p:txBody>
-          <a:bodyPr anchorCtr="0" anchor="b" bIns="91425" lIns="91425" spcFirstLastPara="1" rIns="91425" wrap="square" tIns="91425">
+          <a:bodyPr spcFirstLastPara="1" wrap="square" lIns="91425" tIns="91425" rIns="91425" bIns="91425" anchor="b" anchorCtr="0">
             <a:noAutofit/>
           </a:bodyPr>
           <a:lstStyle>
@@ -4567,15 +4647,19 @@
               <a:defRPr sz="2400"/>
             </a:lvl9pPr>
           </a:lstStyle>
-          <a:p/>
+          <a:p>
+            <a:endParaRPr/>
+          </a:p>
         </p:txBody>
       </p:sp>
       <p:sp>
         <p:nvSpPr>
           <p:cNvPr id="30" name="Google Shape;30;p7"/>
-          <p:cNvSpPr txBox="1"/>
+          <p:cNvSpPr txBox="1">
+            <a:spLocks noGrp="1"/>
+          </p:cNvSpPr>
           <p:nvPr>
-            <p:ph idx="1" type="body"/>
+            <p:ph type="body" idx="1"/>
           </p:nvPr>
         </p:nvSpPr>
         <p:spPr>
@@ -4588,11 +4672,11 @@
           </a:prstGeom>
         </p:spPr>
         <p:txBody>
-          <a:bodyPr anchorCtr="0" anchor="t" bIns="91425" lIns="91425" spcFirstLastPara="1" rIns="91425" wrap="square" tIns="91425">
+          <a:bodyPr spcFirstLastPara="1" wrap="square" lIns="91425" tIns="91425" rIns="91425" bIns="91425" anchor="t" anchorCtr="0">
             <a:noAutofit/>
           </a:bodyPr>
           <a:lstStyle>
-            <a:lvl1pPr indent="-304800" lvl="0" marL="457200">
+            <a:lvl1pPr marL="457200" lvl="0" indent="-304800">
               <a:spcBef>
                 <a:spcPts val="0"/>
               </a:spcBef>
@@ -4603,7 +4687,7 @@
               <a:buChar char="●"/>
               <a:defRPr sz="1200"/>
             </a:lvl1pPr>
-            <a:lvl2pPr indent="-304800" lvl="1" marL="914400">
+            <a:lvl2pPr marL="914400" lvl="1" indent="-304800">
               <a:spcBef>
                 <a:spcPts val="1600"/>
               </a:spcBef>
@@ -4614,7 +4698,7 @@
               <a:buChar char="○"/>
               <a:defRPr sz="1200"/>
             </a:lvl2pPr>
-            <a:lvl3pPr indent="-304800" lvl="2" marL="1371600">
+            <a:lvl3pPr marL="1371600" lvl="2" indent="-304800">
               <a:spcBef>
                 <a:spcPts val="1600"/>
               </a:spcBef>
@@ -4625,7 +4709,7 @@
               <a:buChar char="■"/>
               <a:defRPr sz="1200"/>
             </a:lvl3pPr>
-            <a:lvl4pPr indent="-304800" lvl="3" marL="1828800">
+            <a:lvl4pPr marL="1828800" lvl="3" indent="-304800">
               <a:spcBef>
                 <a:spcPts val="1600"/>
               </a:spcBef>
@@ -4636,7 +4720,7 @@
               <a:buChar char="●"/>
               <a:defRPr sz="1200"/>
             </a:lvl4pPr>
-            <a:lvl5pPr indent="-304800" lvl="4" marL="2286000">
+            <a:lvl5pPr marL="2286000" lvl="4" indent="-304800">
               <a:spcBef>
                 <a:spcPts val="1600"/>
               </a:spcBef>
@@ -4647,7 +4731,7 @@
               <a:buChar char="○"/>
               <a:defRPr sz="1200"/>
             </a:lvl5pPr>
-            <a:lvl6pPr indent="-304800" lvl="5" marL="2743200">
+            <a:lvl6pPr marL="2743200" lvl="5" indent="-304800">
               <a:spcBef>
                 <a:spcPts val="1600"/>
               </a:spcBef>
@@ -4658,7 +4742,7 @@
               <a:buChar char="■"/>
               <a:defRPr sz="1200"/>
             </a:lvl6pPr>
-            <a:lvl7pPr indent="-304800" lvl="6" marL="3200400">
+            <a:lvl7pPr marL="3200400" lvl="6" indent="-304800">
               <a:spcBef>
                 <a:spcPts val="1600"/>
               </a:spcBef>
@@ -4669,7 +4753,7 @@
               <a:buChar char="●"/>
               <a:defRPr sz="1200"/>
             </a:lvl7pPr>
-            <a:lvl8pPr indent="-304800" lvl="7" marL="3657600">
+            <a:lvl8pPr marL="3657600" lvl="7" indent="-304800">
               <a:spcBef>
                 <a:spcPts val="1600"/>
               </a:spcBef>
@@ -4680,7 +4764,7 @@
               <a:buChar char="○"/>
               <a:defRPr sz="1200"/>
             </a:lvl8pPr>
-            <a:lvl9pPr indent="-304800" lvl="8" marL="4114800">
+            <a:lvl9pPr marL="4114800" lvl="8" indent="-304800">
               <a:spcBef>
                 <a:spcPts val="1600"/>
               </a:spcBef>
@@ -4692,15 +4776,19 @@
               <a:defRPr sz="1200"/>
             </a:lvl9pPr>
           </a:lstStyle>
-          <a:p/>
+          <a:p>
+            <a:endParaRPr/>
+          </a:p>
         </p:txBody>
       </p:sp>
       <p:sp>
         <p:nvSpPr>
           <p:cNvPr id="31" name="Google Shape;31;p7"/>
-          <p:cNvSpPr txBox="1"/>
+          <p:cNvSpPr txBox="1">
+            <a:spLocks noGrp="1"/>
+          </p:cNvSpPr>
           <p:nvPr>
-            <p:ph idx="12" type="sldNum"/>
+            <p:ph type="sldNum" idx="12"/>
           </p:nvPr>
         </p:nvSpPr>
         <p:spPr>
@@ -4713,7 +4801,7 @@
           </a:prstGeom>
         </p:spPr>
         <p:txBody>
-          <a:bodyPr anchorCtr="0" anchor="ctr" bIns="91425" lIns="91425" spcFirstLastPara="1" rIns="91425" wrap="square" tIns="91425">
+          <a:bodyPr spcFirstLastPara="1" wrap="square" lIns="91425" tIns="91425" rIns="91425" bIns="91425" anchor="ctr" anchorCtr="0">
             <a:noAutofit/>
           </a:bodyPr>
           <a:lstStyle>
@@ -4755,7 +4843,7 @@
             </a:lvl9pPr>
           </a:lstStyle>
           <a:p>
-            <a:pPr indent="0" lvl="0" marL="0" rtl="0" algn="r">
+            <a:pPr marL="0" lvl="0" indent="0" algn="r" rtl="0">
               <a:spcBef>
                 <a:spcPts val="0"/>
               </a:spcBef>
@@ -4766,6 +4854,15 @@
             </a:pPr>
             <a:fld id="{00000000-1234-1234-1234-123412341234}" type="slidenum">
               <a:rPr lang="en"/>
+              <a:pPr marL="0" lvl="0" indent="0" algn="r" rtl="0">
+                <a:spcBef>
+                  <a:spcPts val="0"/>
+                </a:spcBef>
+                <a:spcAft>
+                  <a:spcPts val="0"/>
+                </a:spcAft>
+                <a:buNone/>
+              </a:pPr>
               <a:t>‹#›</a:t>
             </a:fld>
             <a:endParaRPr/>
@@ -4781,11 +4878,11 @@
 </file>
 
 <file path=ppt/slideLayouts/slideLayout7.xml><?xml version="1.0" encoding="utf-8"?>
-<p:sldLayout xmlns:a="http://schemas.openxmlformats.org/drawingml/2006/main" xmlns:r="http://schemas.openxmlformats.org/officeDocument/2006/relationships" xmlns:mc="http://schemas.openxmlformats.org/markup-compatibility/2006" xmlns:mv="urn:schemas-microsoft-com:mac:vml" xmlns:p="http://schemas.openxmlformats.org/presentationml/2006/main" xmlns:c="http://schemas.openxmlformats.org/drawingml/2006/chart" xmlns:dgm="http://schemas.openxmlformats.org/drawingml/2006/diagram" xmlns:o="urn:schemas-microsoft-com:office:office" xmlns:v="urn:schemas-microsoft-com:vml" xmlns:pvml="urn:schemas-microsoft-com:office:powerpoint" xmlns:com="http://schemas.openxmlformats.org/drawingml/2006/compatibility" xmlns:p14="http://schemas.microsoft.com/office/powerpoint/2010/main" xmlns:p15="http://schemas.microsoft.com/office/powerpoint/2012/main" xmlns:ahyp="http://schemas.microsoft.com/office/drawing/2018/hyperlinkcolor" matchingName="Main point">
+<p:sldLayout xmlns:a="http://schemas.openxmlformats.org/drawingml/2006/main" xmlns:r="http://schemas.openxmlformats.org/officeDocument/2006/relationships" xmlns:p="http://schemas.openxmlformats.org/presentationml/2006/main" matchingName="Main point">
   <p:cSld name="MAIN_POINT">
     <p:spTree>
       <p:nvGrpSpPr>
-        <p:cNvPr id="32" name="Shape 32"/>
+        <p:cNvPr id="1" name="Shape 32"/>
         <p:cNvGrpSpPr/>
         <p:nvPr/>
       </p:nvGrpSpPr>
@@ -4800,7 +4897,9 @@
       <p:sp>
         <p:nvSpPr>
           <p:cNvPr id="33" name="Google Shape;33;p8"/>
-          <p:cNvSpPr txBox="1"/>
+          <p:cNvSpPr txBox="1">
+            <a:spLocks noGrp="1"/>
+          </p:cNvSpPr>
           <p:nvPr>
             <p:ph type="title"/>
           </p:nvPr>
@@ -4815,7 +4914,7 @@
           </a:prstGeom>
         </p:spPr>
         <p:txBody>
-          <a:bodyPr anchorCtr="0" anchor="ctr" bIns="91425" lIns="91425" spcFirstLastPara="1" rIns="91425" wrap="square" tIns="91425">
+          <a:bodyPr spcFirstLastPara="1" wrap="square" lIns="91425" tIns="91425" rIns="91425" bIns="91425" anchor="ctr" anchorCtr="0">
             <a:noAutofit/>
           </a:bodyPr>
           <a:lstStyle>
@@ -4919,15 +5018,19 @@
               <a:defRPr sz="4800"/>
             </a:lvl9pPr>
           </a:lstStyle>
-          <a:p/>
+          <a:p>
+            <a:endParaRPr/>
+          </a:p>
         </p:txBody>
       </p:sp>
       <p:sp>
         <p:nvSpPr>
           <p:cNvPr id="34" name="Google Shape;34;p8"/>
-          <p:cNvSpPr txBox="1"/>
+          <p:cNvSpPr txBox="1">
+            <a:spLocks noGrp="1"/>
+          </p:cNvSpPr>
           <p:nvPr>
-            <p:ph idx="12" type="sldNum"/>
+            <p:ph type="sldNum" idx="12"/>
           </p:nvPr>
         </p:nvSpPr>
         <p:spPr>
@@ -4940,7 +5043,7 @@
           </a:prstGeom>
         </p:spPr>
         <p:txBody>
-          <a:bodyPr anchorCtr="0" anchor="ctr" bIns="91425" lIns="91425" spcFirstLastPara="1" rIns="91425" wrap="square" tIns="91425">
+          <a:bodyPr spcFirstLastPara="1" wrap="square" lIns="91425" tIns="91425" rIns="91425" bIns="91425" anchor="ctr" anchorCtr="0">
             <a:noAutofit/>
           </a:bodyPr>
           <a:lstStyle>
@@ -4982,7 +5085,7 @@
             </a:lvl9pPr>
           </a:lstStyle>
           <a:p>
-            <a:pPr indent="0" lvl="0" marL="0" rtl="0" algn="r">
+            <a:pPr marL="0" lvl="0" indent="0" algn="r" rtl="0">
               <a:spcBef>
                 <a:spcPts val="0"/>
               </a:spcBef>
@@ -4993,6 +5096,15 @@
             </a:pPr>
             <a:fld id="{00000000-1234-1234-1234-123412341234}" type="slidenum">
               <a:rPr lang="en"/>
+              <a:pPr marL="0" lvl="0" indent="0" algn="r" rtl="0">
+                <a:spcBef>
+                  <a:spcPts val="0"/>
+                </a:spcBef>
+                <a:spcAft>
+                  <a:spcPts val="0"/>
+                </a:spcAft>
+                <a:buNone/>
+              </a:pPr>
               <a:t>‹#›</a:t>
             </a:fld>
             <a:endParaRPr/>
@@ -5008,11 +5120,11 @@
 </file>
 
 <file path=ppt/slideLayouts/slideLayout8.xml><?xml version="1.0" encoding="utf-8"?>
-<p:sldLayout xmlns:a="http://schemas.openxmlformats.org/drawingml/2006/main" xmlns:r="http://schemas.openxmlformats.org/officeDocument/2006/relationships" xmlns:mc="http://schemas.openxmlformats.org/markup-compatibility/2006" xmlns:mv="urn:schemas-microsoft-com:mac:vml" xmlns:p="http://schemas.openxmlformats.org/presentationml/2006/main" xmlns:c="http://schemas.openxmlformats.org/drawingml/2006/chart" xmlns:dgm="http://schemas.openxmlformats.org/drawingml/2006/diagram" xmlns:o="urn:schemas-microsoft-com:office:office" xmlns:v="urn:schemas-microsoft-com:vml" xmlns:pvml="urn:schemas-microsoft-com:office:powerpoint" xmlns:com="http://schemas.openxmlformats.org/drawingml/2006/compatibility" xmlns:p14="http://schemas.microsoft.com/office/powerpoint/2010/main" xmlns:p15="http://schemas.microsoft.com/office/powerpoint/2012/main" xmlns:ahyp="http://schemas.microsoft.com/office/drawing/2018/hyperlinkcolor" matchingName="Section title and description">
+<p:sldLayout xmlns:a="http://schemas.openxmlformats.org/drawingml/2006/main" xmlns:r="http://schemas.openxmlformats.org/officeDocument/2006/relationships" xmlns:p="http://schemas.openxmlformats.org/presentationml/2006/main" matchingName="Section title and description">
   <p:cSld name="SECTION_TITLE_AND_DESCRIPTION">
     <p:spTree>
       <p:nvGrpSpPr>
-        <p:cNvPr id="35" name="Shape 35"/>
+        <p:cNvPr id="1" name="Shape 35"/>
         <p:cNvGrpSpPr/>
         <p:nvPr/>
       </p:nvGrpSpPr>
@@ -5046,12 +5158,12 @@
           </a:ln>
         </p:spPr>
         <p:txBody>
-          <a:bodyPr anchorCtr="0" anchor="ctr" bIns="91425" lIns="91425" spcFirstLastPara="1" rIns="91425" wrap="square" tIns="91425">
+          <a:bodyPr spcFirstLastPara="1" wrap="square" lIns="91425" tIns="91425" rIns="91425" bIns="91425" anchor="ctr" anchorCtr="0">
             <a:noAutofit/>
           </a:bodyPr>
           <a:lstStyle/>
           <a:p>
-            <a:pPr indent="0" lvl="0" marL="0" rtl="0" algn="l">
+            <a:pPr marL="0" lvl="0" indent="0" algn="l" rtl="0">
               <a:spcBef>
                 <a:spcPts val="0"/>
               </a:spcBef>
@@ -5060,9 +5172,6 @@
               </a:spcAft>
               <a:buNone/>
             </a:pPr>
-            <a:r>
-              <a:t/>
-            </a:r>
             <a:endParaRPr/>
           </a:p>
         </p:txBody>
@@ -5070,7 +5179,9 @@
       <p:sp>
         <p:nvSpPr>
           <p:cNvPr id="37" name="Google Shape;37;p9"/>
-          <p:cNvSpPr txBox="1"/>
+          <p:cNvSpPr txBox="1">
+            <a:spLocks noGrp="1"/>
+          </p:cNvSpPr>
           <p:nvPr>
             <p:ph type="title"/>
           </p:nvPr>
@@ -5085,7 +5196,7 @@
           </a:prstGeom>
         </p:spPr>
         <p:txBody>
-          <a:bodyPr anchorCtr="0" anchor="b" bIns="91425" lIns="91425" spcFirstLastPara="1" rIns="91425" wrap="square" tIns="91425">
+          <a:bodyPr spcFirstLastPara="1" wrap="square" lIns="91425" tIns="91425" rIns="91425" bIns="91425" anchor="b" anchorCtr="0">
             <a:noAutofit/>
           </a:bodyPr>
           <a:lstStyle>
@@ -5189,15 +5300,19 @@
               <a:defRPr sz="4200"/>
             </a:lvl9pPr>
           </a:lstStyle>
-          <a:p/>
+          <a:p>
+            <a:endParaRPr/>
+          </a:p>
         </p:txBody>
       </p:sp>
       <p:sp>
         <p:nvSpPr>
           <p:cNvPr id="38" name="Google Shape;38;p9"/>
-          <p:cNvSpPr txBox="1"/>
+          <p:cNvSpPr txBox="1">
+            <a:spLocks noGrp="1"/>
+          </p:cNvSpPr>
           <p:nvPr>
-            <p:ph idx="1" type="subTitle"/>
+            <p:ph type="subTitle" idx="1"/>
           </p:nvPr>
         </p:nvSpPr>
         <p:spPr>
@@ -5210,7 +5325,7 @@
           </a:prstGeom>
         </p:spPr>
         <p:txBody>
-          <a:bodyPr anchorCtr="0" anchor="t" bIns="91425" lIns="91425" spcFirstLastPara="1" rIns="91425" wrap="square" tIns="91425">
+          <a:bodyPr spcFirstLastPara="1" wrap="square" lIns="91425" tIns="91425" rIns="91425" bIns="91425" anchor="t" anchorCtr="0">
             <a:noAutofit/>
           </a:bodyPr>
           <a:lstStyle>
@@ -5341,15 +5456,19 @@
               <a:defRPr sz="2100"/>
             </a:lvl9pPr>
           </a:lstStyle>
-          <a:p/>
+          <a:p>
+            <a:endParaRPr/>
+          </a:p>
         </p:txBody>
       </p:sp>
       <p:sp>
         <p:nvSpPr>
           <p:cNvPr id="39" name="Google Shape;39;p9"/>
-          <p:cNvSpPr txBox="1"/>
+          <p:cNvSpPr txBox="1">
+            <a:spLocks noGrp="1"/>
+          </p:cNvSpPr>
           <p:nvPr>
-            <p:ph idx="2" type="body"/>
+            <p:ph type="body" idx="2"/>
           </p:nvPr>
         </p:nvSpPr>
         <p:spPr>
@@ -5362,11 +5481,11 @@
           </a:prstGeom>
         </p:spPr>
         <p:txBody>
-          <a:bodyPr anchorCtr="0" anchor="ctr" bIns="91425" lIns="91425" spcFirstLastPara="1" rIns="91425" wrap="square" tIns="91425">
+          <a:bodyPr spcFirstLastPara="1" wrap="square" lIns="91425" tIns="91425" rIns="91425" bIns="91425" anchor="ctr" anchorCtr="0">
             <a:noAutofit/>
           </a:bodyPr>
           <a:lstStyle>
-            <a:lvl1pPr indent="-342900" lvl="0" marL="457200">
+            <a:lvl1pPr marL="457200" lvl="0" indent="-342900">
               <a:spcBef>
                 <a:spcPts val="0"/>
               </a:spcBef>
@@ -5377,7 +5496,7 @@
               <a:buChar char="●"/>
               <a:defRPr/>
             </a:lvl1pPr>
-            <a:lvl2pPr indent="-317500" lvl="1" marL="914400">
+            <a:lvl2pPr marL="914400" lvl="1" indent="-317500">
               <a:spcBef>
                 <a:spcPts val="1600"/>
               </a:spcBef>
@@ -5388,7 +5507,7 @@
               <a:buChar char="○"/>
               <a:defRPr/>
             </a:lvl2pPr>
-            <a:lvl3pPr indent="-317500" lvl="2" marL="1371600">
+            <a:lvl3pPr marL="1371600" lvl="2" indent="-317500">
               <a:spcBef>
                 <a:spcPts val="1600"/>
               </a:spcBef>
@@ -5399,7 +5518,7 @@
               <a:buChar char="■"/>
               <a:defRPr/>
             </a:lvl3pPr>
-            <a:lvl4pPr indent="-317500" lvl="3" marL="1828800">
+            <a:lvl4pPr marL="1828800" lvl="3" indent="-317500">
               <a:spcBef>
                 <a:spcPts val="1600"/>
               </a:spcBef>
@@ -5410,7 +5529,7 @@
               <a:buChar char="●"/>
               <a:defRPr/>
             </a:lvl4pPr>
-            <a:lvl5pPr indent="-317500" lvl="4" marL="2286000">
+            <a:lvl5pPr marL="2286000" lvl="4" indent="-317500">
               <a:spcBef>
                 <a:spcPts val="1600"/>
               </a:spcBef>
@@ -5421,7 +5540,7 @@
               <a:buChar char="○"/>
               <a:defRPr/>
             </a:lvl5pPr>
-            <a:lvl6pPr indent="-317500" lvl="5" marL="2743200">
+            <a:lvl6pPr marL="2743200" lvl="5" indent="-317500">
               <a:spcBef>
                 <a:spcPts val="1600"/>
               </a:spcBef>
@@ -5432,7 +5551,7 @@
               <a:buChar char="■"/>
               <a:defRPr/>
             </a:lvl6pPr>
-            <a:lvl7pPr indent="-317500" lvl="6" marL="3200400">
+            <a:lvl7pPr marL="3200400" lvl="6" indent="-317500">
               <a:spcBef>
                 <a:spcPts val="1600"/>
               </a:spcBef>
@@ -5443,7 +5562,7 @@
               <a:buChar char="●"/>
               <a:defRPr/>
             </a:lvl7pPr>
-            <a:lvl8pPr indent="-317500" lvl="7" marL="3657600">
+            <a:lvl8pPr marL="3657600" lvl="7" indent="-317500">
               <a:spcBef>
                 <a:spcPts val="1600"/>
               </a:spcBef>
@@ -5454,7 +5573,7 @@
               <a:buChar char="○"/>
               <a:defRPr/>
             </a:lvl8pPr>
-            <a:lvl9pPr indent="-317500" lvl="8" marL="4114800">
+            <a:lvl9pPr marL="4114800" lvl="8" indent="-317500">
               <a:spcBef>
                 <a:spcPts val="1600"/>
               </a:spcBef>
@@ -5466,15 +5585,19 @@
               <a:defRPr/>
             </a:lvl9pPr>
           </a:lstStyle>
-          <a:p/>
+          <a:p>
+            <a:endParaRPr/>
+          </a:p>
         </p:txBody>
       </p:sp>
       <p:sp>
         <p:nvSpPr>
           <p:cNvPr id="40" name="Google Shape;40;p9"/>
-          <p:cNvSpPr txBox="1"/>
+          <p:cNvSpPr txBox="1">
+            <a:spLocks noGrp="1"/>
+          </p:cNvSpPr>
           <p:nvPr>
-            <p:ph idx="12" type="sldNum"/>
+            <p:ph type="sldNum" idx="12"/>
           </p:nvPr>
         </p:nvSpPr>
         <p:spPr>
@@ -5487,7 +5610,7 @@
           </a:prstGeom>
         </p:spPr>
         <p:txBody>
-          <a:bodyPr anchorCtr="0" anchor="ctr" bIns="91425" lIns="91425" spcFirstLastPara="1" rIns="91425" wrap="square" tIns="91425">
+          <a:bodyPr spcFirstLastPara="1" wrap="square" lIns="91425" tIns="91425" rIns="91425" bIns="91425" anchor="ctr" anchorCtr="0">
             <a:noAutofit/>
           </a:bodyPr>
           <a:lstStyle>
@@ -5529,7 +5652,7 @@
             </a:lvl9pPr>
           </a:lstStyle>
           <a:p>
-            <a:pPr indent="0" lvl="0" marL="0" rtl="0" algn="r">
+            <a:pPr marL="0" lvl="0" indent="0" algn="r" rtl="0">
               <a:spcBef>
                 <a:spcPts val="0"/>
               </a:spcBef>
@@ -5540,6 +5663,15 @@
             </a:pPr>
             <a:fld id="{00000000-1234-1234-1234-123412341234}" type="slidenum">
               <a:rPr lang="en"/>
+              <a:pPr marL="0" lvl="0" indent="0" algn="r" rtl="0">
+                <a:spcBef>
+                  <a:spcPts val="0"/>
+                </a:spcBef>
+                <a:spcAft>
+                  <a:spcPts val="0"/>
+                </a:spcAft>
+                <a:buNone/>
+              </a:pPr>
               <a:t>‹#›</a:t>
             </a:fld>
             <a:endParaRPr/>
@@ -5555,11 +5687,11 @@
 </file>
 
 <file path=ppt/slideLayouts/slideLayout9.xml><?xml version="1.0" encoding="utf-8"?>
-<p:sldLayout xmlns:a="http://schemas.openxmlformats.org/drawingml/2006/main" xmlns:r="http://schemas.openxmlformats.org/officeDocument/2006/relationships" xmlns:mc="http://schemas.openxmlformats.org/markup-compatibility/2006" xmlns:mv="urn:schemas-microsoft-com:mac:vml" xmlns:p="http://schemas.openxmlformats.org/presentationml/2006/main" xmlns:c="http://schemas.openxmlformats.org/drawingml/2006/chart" xmlns:dgm="http://schemas.openxmlformats.org/drawingml/2006/diagram" xmlns:o="urn:schemas-microsoft-com:office:office" xmlns:v="urn:schemas-microsoft-com:vml" xmlns:pvml="urn:schemas-microsoft-com:office:powerpoint" xmlns:com="http://schemas.openxmlformats.org/drawingml/2006/compatibility" xmlns:p14="http://schemas.microsoft.com/office/powerpoint/2010/main" xmlns:p15="http://schemas.microsoft.com/office/powerpoint/2012/main" xmlns:ahyp="http://schemas.microsoft.com/office/drawing/2018/hyperlinkcolor" matchingName="Caption">
+<p:sldLayout xmlns:a="http://schemas.openxmlformats.org/drawingml/2006/main" xmlns:r="http://schemas.openxmlformats.org/officeDocument/2006/relationships" xmlns:p="http://schemas.openxmlformats.org/presentationml/2006/main" matchingName="Caption">
   <p:cSld name="CAPTION_ONLY">
     <p:spTree>
       <p:nvGrpSpPr>
-        <p:cNvPr id="41" name="Shape 41"/>
+        <p:cNvPr id="1" name="Shape 41"/>
         <p:cNvGrpSpPr/>
         <p:nvPr/>
       </p:nvGrpSpPr>
@@ -5574,9 +5706,11 @@
       <p:sp>
         <p:nvSpPr>
           <p:cNvPr id="42" name="Google Shape;42;p10"/>
-          <p:cNvSpPr txBox="1"/>
+          <p:cNvSpPr txBox="1">
+            <a:spLocks noGrp="1"/>
+          </p:cNvSpPr>
           <p:nvPr>
-            <p:ph idx="1" type="body"/>
+            <p:ph type="body" idx="1"/>
           </p:nvPr>
         </p:nvSpPr>
         <p:spPr>
@@ -5589,11 +5723,11 @@
           </a:prstGeom>
         </p:spPr>
         <p:txBody>
-          <a:bodyPr anchorCtr="0" anchor="ctr" bIns="91425" lIns="91425" spcFirstLastPara="1" rIns="91425" wrap="square" tIns="91425">
+          <a:bodyPr spcFirstLastPara="1" wrap="square" lIns="91425" tIns="91425" rIns="91425" bIns="91425" anchor="ctr" anchorCtr="0">
             <a:noAutofit/>
           </a:bodyPr>
           <a:lstStyle>
-            <a:lvl1pPr indent="-228600" lvl="0" marL="457200">
+            <a:lvl1pPr marL="457200" lvl="0" indent="-228600">
               <a:lnSpc>
                 <a:spcPct val="100000"/>
               </a:lnSpc>
@@ -5608,15 +5742,19 @@
               <a:defRPr/>
             </a:lvl1pPr>
           </a:lstStyle>
-          <a:p/>
+          <a:p>
+            <a:endParaRPr/>
+          </a:p>
         </p:txBody>
       </p:sp>
       <p:sp>
         <p:nvSpPr>
           <p:cNvPr id="43" name="Google Shape;43;p10"/>
-          <p:cNvSpPr txBox="1"/>
+          <p:cNvSpPr txBox="1">
+            <a:spLocks noGrp="1"/>
+          </p:cNvSpPr>
           <p:nvPr>
-            <p:ph idx="12" type="sldNum"/>
+            <p:ph type="sldNum" idx="12"/>
           </p:nvPr>
         </p:nvSpPr>
         <p:spPr>
@@ -5629,7 +5767,7 @@
           </a:prstGeom>
         </p:spPr>
         <p:txBody>
-          <a:bodyPr anchorCtr="0" anchor="ctr" bIns="91425" lIns="91425" spcFirstLastPara="1" rIns="91425" wrap="square" tIns="91425">
+          <a:bodyPr spcFirstLastPara="1" wrap="square" lIns="91425" tIns="91425" rIns="91425" bIns="91425" anchor="ctr" anchorCtr="0">
             <a:noAutofit/>
           </a:bodyPr>
           <a:lstStyle>
@@ -5671,7 +5809,7 @@
             </a:lvl9pPr>
           </a:lstStyle>
           <a:p>
-            <a:pPr indent="0" lvl="0" marL="0" rtl="0" algn="r">
+            <a:pPr marL="0" lvl="0" indent="0" algn="r" rtl="0">
               <a:spcBef>
                 <a:spcPts val="0"/>
               </a:spcBef>
@@ -5682,6 +5820,15 @@
             </a:pPr>
             <a:fld id="{00000000-1234-1234-1234-123412341234}" type="slidenum">
               <a:rPr lang="en"/>
+              <a:pPr marL="0" lvl="0" indent="0" algn="r" rtl="0">
+                <a:spcBef>
+                  <a:spcPts val="0"/>
+                </a:spcBef>
+                <a:spcAft>
+                  <a:spcPts val="0"/>
+                </a:spcAft>
+                <a:buNone/>
+              </a:pPr>
               <a:t>‹#›</a:t>
             </a:fld>
             <a:endParaRPr/>
@@ -5697,18 +5844,19 @@
 </file>
 
 <file path=ppt/slideMasters/slideMaster1.xml><?xml version="1.0" encoding="utf-8"?>
-<p:sldMaster xmlns:a="http://schemas.openxmlformats.org/drawingml/2006/main" xmlns:r="http://schemas.openxmlformats.org/officeDocument/2006/relationships" xmlns:mc="http://schemas.openxmlformats.org/markup-compatibility/2006" xmlns:mv="urn:schemas-microsoft-com:mac:vml" xmlns:p="http://schemas.openxmlformats.org/presentationml/2006/main" xmlns:c="http://schemas.openxmlformats.org/drawingml/2006/chart" xmlns:dgm="http://schemas.openxmlformats.org/drawingml/2006/diagram" xmlns:o="urn:schemas-microsoft-com:office:office" xmlns:v="urn:schemas-microsoft-com:vml" xmlns:pvml="urn:schemas-microsoft-com:office:powerpoint" xmlns:com="http://schemas.openxmlformats.org/drawingml/2006/compatibility" xmlns:p14="http://schemas.microsoft.com/office/powerpoint/2010/main" xmlns:p15="http://schemas.microsoft.com/office/powerpoint/2012/main" xmlns:ahyp="http://schemas.microsoft.com/office/drawing/2018/hyperlinkcolor">
+<p:sldMaster xmlns:a="http://schemas.openxmlformats.org/drawingml/2006/main" xmlns:r="http://schemas.openxmlformats.org/officeDocument/2006/relationships" xmlns:p="http://schemas.openxmlformats.org/presentationml/2006/main">
   <p:cSld name="simple-light-2">
     <p:bg>
       <p:bgPr>
         <a:solidFill>
           <a:schemeClr val="lt1"/>
         </a:solidFill>
+        <a:effectLst/>
       </p:bgPr>
     </p:bg>
     <p:spTree>
       <p:nvGrpSpPr>
-        <p:cNvPr id="5" name="Shape 5"/>
+        <p:cNvPr id="1" name="Shape 5"/>
         <p:cNvGrpSpPr/>
         <p:nvPr/>
       </p:nvGrpSpPr>
@@ -5723,7 +5871,9 @@
       <p:sp>
         <p:nvSpPr>
           <p:cNvPr id="6" name="Google Shape;6;p1"/>
-          <p:cNvSpPr txBox="1"/>
+          <p:cNvSpPr txBox="1">
+            <a:spLocks noGrp="1"/>
+          </p:cNvSpPr>
           <p:nvPr>
             <p:ph type="title"/>
           </p:nvPr>
@@ -5742,7 +5892,7 @@
           </a:ln>
         </p:spPr>
         <p:txBody>
-          <a:bodyPr anchorCtr="0" anchor="t" bIns="91425" lIns="91425" spcFirstLastPara="1" rIns="91425" wrap="square" tIns="91425">
+          <a:bodyPr spcFirstLastPara="1" wrap="square" lIns="91425" tIns="91425" rIns="91425" bIns="91425" anchor="t" anchorCtr="0">
             <a:noAutofit/>
           </a:bodyPr>
           <a:lstStyle>
@@ -5909,15 +6059,19 @@
               </a:defRPr>
             </a:lvl9pPr>
           </a:lstStyle>
-          <a:p/>
+          <a:p>
+            <a:endParaRPr/>
+          </a:p>
         </p:txBody>
       </p:sp>
       <p:sp>
         <p:nvSpPr>
           <p:cNvPr id="7" name="Google Shape;7;p1"/>
-          <p:cNvSpPr txBox="1"/>
+          <p:cNvSpPr txBox="1">
+            <a:spLocks noGrp="1"/>
+          </p:cNvSpPr>
           <p:nvPr>
-            <p:ph idx="1" type="body"/>
+            <p:ph type="body" idx="1"/>
           </p:nvPr>
         </p:nvSpPr>
         <p:spPr>
@@ -5934,11 +6088,11 @@
           </a:ln>
         </p:spPr>
         <p:txBody>
-          <a:bodyPr anchorCtr="0" anchor="t" bIns="91425" lIns="91425" spcFirstLastPara="1" rIns="91425" wrap="square" tIns="91425">
+          <a:bodyPr spcFirstLastPara="1" wrap="square" lIns="91425" tIns="91425" rIns="91425" bIns="91425" anchor="t" anchorCtr="0">
             <a:noAutofit/>
           </a:bodyPr>
           <a:lstStyle>
-            <a:lvl1pPr indent="-342900" lvl="0" marL="457200">
+            <a:lvl1pPr marL="457200" lvl="0" indent="-342900">
               <a:lnSpc>
                 <a:spcPct val="115000"/>
               </a:lnSpc>
@@ -5959,7 +6113,7 @@
                 </a:solidFill>
               </a:defRPr>
             </a:lvl1pPr>
-            <a:lvl2pPr indent="-317500" lvl="1" marL="914400">
+            <a:lvl2pPr marL="914400" lvl="1" indent="-317500">
               <a:lnSpc>
                 <a:spcPct val="115000"/>
               </a:lnSpc>
@@ -5980,7 +6134,7 @@
                 </a:solidFill>
               </a:defRPr>
             </a:lvl2pPr>
-            <a:lvl3pPr indent="-317500" lvl="2" marL="1371600">
+            <a:lvl3pPr marL="1371600" lvl="2" indent="-317500">
               <a:lnSpc>
                 <a:spcPct val="115000"/>
               </a:lnSpc>
@@ -6001,7 +6155,7 @@
                 </a:solidFill>
               </a:defRPr>
             </a:lvl3pPr>
-            <a:lvl4pPr indent="-317500" lvl="3" marL="1828800">
+            <a:lvl4pPr marL="1828800" lvl="3" indent="-317500">
               <a:lnSpc>
                 <a:spcPct val="115000"/>
               </a:lnSpc>
@@ -6022,7 +6176,7 @@
                 </a:solidFill>
               </a:defRPr>
             </a:lvl4pPr>
-            <a:lvl5pPr indent="-317500" lvl="4" marL="2286000">
+            <a:lvl5pPr marL="2286000" lvl="4" indent="-317500">
               <a:lnSpc>
                 <a:spcPct val="115000"/>
               </a:lnSpc>
@@ -6043,7 +6197,7 @@
                 </a:solidFill>
               </a:defRPr>
             </a:lvl5pPr>
-            <a:lvl6pPr indent="-317500" lvl="5" marL="2743200">
+            <a:lvl6pPr marL="2743200" lvl="5" indent="-317500">
               <a:lnSpc>
                 <a:spcPct val="115000"/>
               </a:lnSpc>
@@ -6064,7 +6218,7 @@
                 </a:solidFill>
               </a:defRPr>
             </a:lvl6pPr>
-            <a:lvl7pPr indent="-317500" lvl="6" marL="3200400">
+            <a:lvl7pPr marL="3200400" lvl="6" indent="-317500">
               <a:lnSpc>
                 <a:spcPct val="115000"/>
               </a:lnSpc>
@@ -6085,7 +6239,7 @@
                 </a:solidFill>
               </a:defRPr>
             </a:lvl7pPr>
-            <a:lvl8pPr indent="-317500" lvl="7" marL="3657600">
+            <a:lvl8pPr marL="3657600" lvl="7" indent="-317500">
               <a:lnSpc>
                 <a:spcPct val="115000"/>
               </a:lnSpc>
@@ -6106,7 +6260,7 @@
                 </a:solidFill>
               </a:defRPr>
             </a:lvl8pPr>
-            <a:lvl9pPr indent="-317500" lvl="8" marL="4114800">
+            <a:lvl9pPr marL="4114800" lvl="8" indent="-317500">
               <a:lnSpc>
                 <a:spcPct val="115000"/>
               </a:lnSpc>
@@ -6128,15 +6282,19 @@
               </a:defRPr>
             </a:lvl9pPr>
           </a:lstStyle>
-          <a:p/>
+          <a:p>
+            <a:endParaRPr/>
+          </a:p>
         </p:txBody>
       </p:sp>
       <p:sp>
         <p:nvSpPr>
           <p:cNvPr id="8" name="Google Shape;8;p1"/>
-          <p:cNvSpPr txBox="1"/>
+          <p:cNvSpPr txBox="1">
+            <a:spLocks noGrp="1"/>
+          </p:cNvSpPr>
           <p:nvPr>
-            <p:ph idx="12" type="sldNum"/>
+            <p:ph type="sldNum" idx="12"/>
           </p:nvPr>
         </p:nvSpPr>
         <p:spPr>
@@ -6153,7 +6311,7 @@
           </a:ln>
         </p:spPr>
         <p:txBody>
-          <a:bodyPr anchorCtr="0" anchor="ctr" bIns="91425" lIns="91425" spcFirstLastPara="1" rIns="91425" wrap="square" tIns="91425">
+          <a:bodyPr spcFirstLastPara="1" wrap="square" lIns="91425" tIns="91425" rIns="91425" bIns="91425" anchor="ctr" anchorCtr="0">
             <a:noAutofit/>
           </a:bodyPr>
           <a:lstStyle>
@@ -6231,7 +6389,7 @@
             </a:lvl9pPr>
           </a:lstStyle>
           <a:p>
-            <a:pPr indent="0" lvl="0" marL="0" rtl="0" algn="r">
+            <a:pPr marL="0" lvl="0" indent="0" algn="r" rtl="0">
               <a:spcBef>
                 <a:spcPts val="0"/>
               </a:spcBef>
@@ -6242,6 +6400,15 @@
             </a:pPr>
             <a:fld id="{00000000-1234-1234-1234-123412341234}" type="slidenum">
               <a:rPr lang="en"/>
+              <a:pPr marL="0" lvl="0" indent="0" algn="r" rtl="0">
+                <a:spcBef>
+                  <a:spcPts val="0"/>
+                </a:spcBef>
+                <a:spcAft>
+                  <a:spcPts val="0"/>
+                </a:spcAft>
+                <a:buNone/>
+              </a:pPr>
               <a:t>‹#›</a:t>
             </a:fld>
             <a:endParaRPr/>
@@ -6250,7 +6417,7 @@
       </p:sp>
     </p:spTree>
   </p:cSld>
-  <p:clrMap accent1="accent1" accent2="accent2" accent3="accent3" accent4="accent4" accent5="accent5" accent6="accent6" bg1="lt1" bg2="dk2" tx1="dk1" tx2="lt2" folHlink="folHlink" hlink="hlink"/>
+  <p:clrMap bg1="lt1" tx1="dk1" bg2="dk2" tx2="lt2" accent1="accent1" accent2="accent2" accent3="accent3" accent4="accent4" accent5="accent5" accent6="accent6" hlink="hlink" folHlink="folHlink"/>
   <p:sldLayoutIdLst>
     <p:sldLayoutId id="2147483648" r:id="rId1"/>
     <p:sldLayoutId id="2147483649" r:id="rId2"/>
@@ -6264,10 +6431,10 @@
     <p:sldLayoutId id="2147483657" r:id="rId10"/>
     <p:sldLayoutId id="2147483658" r:id="rId11"/>
   </p:sldLayoutIdLst>
-  <p:hf dt="0" ftr="0" hdr="0" sldNum="0"/>
+  <p:hf sldNum="0" hdr="0" ftr="0" dt="0"/>
   <p:txStyles>
     <p:titleStyle>
-      <a:defPPr lvl="0" marR="0" rtl="0" algn="l">
+      <a:defPPr marR="0" lvl="0" algn="l" rtl="0">
         <a:lnSpc>
           <a:spcPct val="100000"/>
         </a:lnSpc>
@@ -6278,7 +6445,7 @@
           <a:spcPts val="0"/>
         </a:spcAft>
       </a:defPPr>
-      <a:lvl1pPr lvl="0" marR="0" rtl="0" algn="l">
+      <a:lvl1pPr marR="0" lvl="0" algn="l" rtl="0">
         <a:lnSpc>
           <a:spcPct val="100000"/>
         </a:lnSpc>
@@ -6292,7 +6459,7 @@
           <a:srgbClr val="000000"/>
         </a:buClr>
         <a:buFont typeface="Arial"/>
-        <a:defRPr b="0" i="0" sz="1400" u="none" cap="none" strike="noStrike">
+        <a:defRPr sz="1400" b="0" i="0" u="none" strike="noStrike" cap="none">
           <a:solidFill>
             <a:srgbClr val="000000"/>
           </a:solidFill>
@@ -6302,7 +6469,7 @@
           <a:sym typeface="Arial"/>
         </a:defRPr>
       </a:lvl1pPr>
-      <a:lvl2pPr lvl="1" marR="0" rtl="0" algn="l">
+      <a:lvl2pPr marR="0" lvl="1" algn="l" rtl="0">
         <a:lnSpc>
           <a:spcPct val="100000"/>
         </a:lnSpc>
@@ -6316,7 +6483,7 @@
           <a:srgbClr val="000000"/>
         </a:buClr>
         <a:buFont typeface="Arial"/>
-        <a:defRPr b="0" i="0" sz="1400" u="none" cap="none" strike="noStrike">
+        <a:defRPr sz="1400" b="0" i="0" u="none" strike="noStrike" cap="none">
           <a:solidFill>
             <a:srgbClr val="000000"/>
           </a:solidFill>
@@ -6326,7 +6493,7 @@
           <a:sym typeface="Arial"/>
         </a:defRPr>
       </a:lvl2pPr>
-      <a:lvl3pPr lvl="2" marR="0" rtl="0" algn="l">
+      <a:lvl3pPr marR="0" lvl="2" algn="l" rtl="0">
         <a:lnSpc>
           <a:spcPct val="100000"/>
         </a:lnSpc>
@@ -6340,7 +6507,7 @@
           <a:srgbClr val="000000"/>
         </a:buClr>
         <a:buFont typeface="Arial"/>
-        <a:defRPr b="0" i="0" sz="1400" u="none" cap="none" strike="noStrike">
+        <a:defRPr sz="1400" b="0" i="0" u="none" strike="noStrike" cap="none">
           <a:solidFill>
             <a:srgbClr val="000000"/>
           </a:solidFill>
@@ -6350,7 +6517,7 @@
           <a:sym typeface="Arial"/>
         </a:defRPr>
       </a:lvl3pPr>
-      <a:lvl4pPr lvl="3" marR="0" rtl="0" algn="l">
+      <a:lvl4pPr marR="0" lvl="3" algn="l" rtl="0">
         <a:lnSpc>
           <a:spcPct val="100000"/>
         </a:lnSpc>
@@ -6364,7 +6531,7 @@
           <a:srgbClr val="000000"/>
         </a:buClr>
         <a:buFont typeface="Arial"/>
-        <a:defRPr b="0" i="0" sz="1400" u="none" cap="none" strike="noStrike">
+        <a:defRPr sz="1400" b="0" i="0" u="none" strike="noStrike" cap="none">
           <a:solidFill>
             <a:srgbClr val="000000"/>
           </a:solidFill>
@@ -6374,7 +6541,7 @@
           <a:sym typeface="Arial"/>
         </a:defRPr>
       </a:lvl4pPr>
-      <a:lvl5pPr lvl="4" marR="0" rtl="0" algn="l">
+      <a:lvl5pPr marR="0" lvl="4" algn="l" rtl="0">
         <a:lnSpc>
           <a:spcPct val="100000"/>
         </a:lnSpc>
@@ -6388,7 +6555,7 @@
           <a:srgbClr val="000000"/>
         </a:buClr>
         <a:buFont typeface="Arial"/>
-        <a:defRPr b="0" i="0" sz="1400" u="none" cap="none" strike="noStrike">
+        <a:defRPr sz="1400" b="0" i="0" u="none" strike="noStrike" cap="none">
           <a:solidFill>
             <a:srgbClr val="000000"/>
           </a:solidFill>
@@ -6398,7 +6565,7 @@
           <a:sym typeface="Arial"/>
         </a:defRPr>
       </a:lvl5pPr>
-      <a:lvl6pPr lvl="5" marR="0" rtl="0" algn="l">
+      <a:lvl6pPr marR="0" lvl="5" algn="l" rtl="0">
         <a:lnSpc>
           <a:spcPct val="100000"/>
         </a:lnSpc>
@@ -6412,7 +6579,7 @@
           <a:srgbClr val="000000"/>
         </a:buClr>
         <a:buFont typeface="Arial"/>
-        <a:defRPr b="0" i="0" sz="1400" u="none" cap="none" strike="noStrike">
+        <a:defRPr sz="1400" b="0" i="0" u="none" strike="noStrike" cap="none">
           <a:solidFill>
             <a:srgbClr val="000000"/>
           </a:solidFill>
@@ -6422,7 +6589,7 @@
           <a:sym typeface="Arial"/>
         </a:defRPr>
       </a:lvl6pPr>
-      <a:lvl7pPr lvl="6" marR="0" rtl="0" algn="l">
+      <a:lvl7pPr marR="0" lvl="6" algn="l" rtl="0">
         <a:lnSpc>
           <a:spcPct val="100000"/>
         </a:lnSpc>
@@ -6436,7 +6603,7 @@
           <a:srgbClr val="000000"/>
         </a:buClr>
         <a:buFont typeface="Arial"/>
-        <a:defRPr b="0" i="0" sz="1400" u="none" cap="none" strike="noStrike">
+        <a:defRPr sz="1400" b="0" i="0" u="none" strike="noStrike" cap="none">
           <a:solidFill>
             <a:srgbClr val="000000"/>
           </a:solidFill>
@@ -6446,7 +6613,7 @@
           <a:sym typeface="Arial"/>
         </a:defRPr>
       </a:lvl7pPr>
-      <a:lvl8pPr lvl="7" marR="0" rtl="0" algn="l">
+      <a:lvl8pPr marR="0" lvl="7" algn="l" rtl="0">
         <a:lnSpc>
           <a:spcPct val="100000"/>
         </a:lnSpc>
@@ -6460,7 +6627,7 @@
           <a:srgbClr val="000000"/>
         </a:buClr>
         <a:buFont typeface="Arial"/>
-        <a:defRPr b="0" i="0" sz="1400" u="none" cap="none" strike="noStrike">
+        <a:defRPr sz="1400" b="0" i="0" u="none" strike="noStrike" cap="none">
           <a:solidFill>
             <a:srgbClr val="000000"/>
           </a:solidFill>
@@ -6470,7 +6637,7 @@
           <a:sym typeface="Arial"/>
         </a:defRPr>
       </a:lvl8pPr>
-      <a:lvl9pPr lvl="8" marR="0" rtl="0" algn="l">
+      <a:lvl9pPr marR="0" lvl="8" algn="l" rtl="0">
         <a:lnSpc>
           <a:spcPct val="100000"/>
         </a:lnSpc>
@@ -6484,7 +6651,7 @@
           <a:srgbClr val="000000"/>
         </a:buClr>
         <a:buFont typeface="Arial"/>
-        <a:defRPr b="0" i="0" sz="1400" u="none" cap="none" strike="noStrike">
+        <a:defRPr sz="1400" b="0" i="0" u="none" strike="noStrike" cap="none">
           <a:solidFill>
             <a:srgbClr val="000000"/>
           </a:solidFill>
@@ -6496,7 +6663,7 @@
       </a:lvl9pPr>
     </p:titleStyle>
     <p:bodyStyle>
-      <a:defPPr lvl="0" marR="0" rtl="0" algn="l">
+      <a:defPPr marR="0" lvl="0" algn="l" rtl="0">
         <a:lnSpc>
           <a:spcPct val="100000"/>
         </a:lnSpc>
@@ -6507,7 +6674,7 @@
           <a:spcPts val="0"/>
         </a:spcAft>
       </a:defPPr>
-      <a:lvl1pPr lvl="0" marR="0" rtl="0" algn="l">
+      <a:lvl1pPr marR="0" lvl="0" algn="l" rtl="0">
         <a:lnSpc>
           <a:spcPct val="100000"/>
         </a:lnSpc>
@@ -6521,7 +6688,7 @@
           <a:srgbClr val="000000"/>
         </a:buClr>
         <a:buFont typeface="Arial"/>
-        <a:defRPr b="0" i="0" sz="1400" u="none" cap="none" strike="noStrike">
+        <a:defRPr sz="1400" b="0" i="0" u="none" strike="noStrike" cap="none">
           <a:solidFill>
             <a:srgbClr val="000000"/>
           </a:solidFill>
@@ -6531,7 +6698,7 @@
           <a:sym typeface="Arial"/>
         </a:defRPr>
       </a:lvl1pPr>
-      <a:lvl2pPr lvl="1" marR="0" rtl="0" algn="l">
+      <a:lvl2pPr marR="0" lvl="1" algn="l" rtl="0">
         <a:lnSpc>
           <a:spcPct val="100000"/>
         </a:lnSpc>
@@ -6545,7 +6712,7 @@
           <a:srgbClr val="000000"/>
         </a:buClr>
         <a:buFont typeface="Arial"/>
-        <a:defRPr b="0" i="0" sz="1400" u="none" cap="none" strike="noStrike">
+        <a:defRPr sz="1400" b="0" i="0" u="none" strike="noStrike" cap="none">
           <a:solidFill>
             <a:srgbClr val="000000"/>
           </a:solidFill>
@@ -6555,7 +6722,7 @@
           <a:sym typeface="Arial"/>
         </a:defRPr>
       </a:lvl2pPr>
-      <a:lvl3pPr lvl="2" marR="0" rtl="0" algn="l">
+      <a:lvl3pPr marR="0" lvl="2" algn="l" rtl="0">
         <a:lnSpc>
           <a:spcPct val="100000"/>
         </a:lnSpc>
@@ -6569,7 +6736,7 @@
           <a:srgbClr val="000000"/>
         </a:buClr>
         <a:buFont typeface="Arial"/>
-        <a:defRPr b="0" i="0" sz="1400" u="none" cap="none" strike="noStrike">
+        <a:defRPr sz="1400" b="0" i="0" u="none" strike="noStrike" cap="none">
           <a:solidFill>
             <a:srgbClr val="000000"/>
           </a:solidFill>
@@ -6579,7 +6746,7 @@
           <a:sym typeface="Arial"/>
         </a:defRPr>
       </a:lvl3pPr>
-      <a:lvl4pPr lvl="3" marR="0" rtl="0" algn="l">
+      <a:lvl4pPr marR="0" lvl="3" algn="l" rtl="0">
         <a:lnSpc>
           <a:spcPct val="100000"/>
         </a:lnSpc>
@@ -6593,7 +6760,7 @@
           <a:srgbClr val="000000"/>
         </a:buClr>
         <a:buFont typeface="Arial"/>
-        <a:defRPr b="0" i="0" sz="1400" u="none" cap="none" strike="noStrike">
+        <a:defRPr sz="1400" b="0" i="0" u="none" strike="noStrike" cap="none">
           <a:solidFill>
             <a:srgbClr val="000000"/>
           </a:solidFill>
@@ -6603,7 +6770,7 @@
           <a:sym typeface="Arial"/>
         </a:defRPr>
       </a:lvl4pPr>
-      <a:lvl5pPr lvl="4" marR="0" rtl="0" algn="l">
+      <a:lvl5pPr marR="0" lvl="4" algn="l" rtl="0">
         <a:lnSpc>
           <a:spcPct val="100000"/>
         </a:lnSpc>
@@ -6617,7 +6784,7 @@
           <a:srgbClr val="000000"/>
         </a:buClr>
         <a:buFont typeface="Arial"/>
-        <a:defRPr b="0" i="0" sz="1400" u="none" cap="none" strike="noStrike">
+        <a:defRPr sz="1400" b="0" i="0" u="none" strike="noStrike" cap="none">
           <a:solidFill>
             <a:srgbClr val="000000"/>
           </a:solidFill>
@@ -6627,7 +6794,7 @@
           <a:sym typeface="Arial"/>
         </a:defRPr>
       </a:lvl5pPr>
-      <a:lvl6pPr lvl="5" marR="0" rtl="0" algn="l">
+      <a:lvl6pPr marR="0" lvl="5" algn="l" rtl="0">
         <a:lnSpc>
           <a:spcPct val="100000"/>
         </a:lnSpc>
@@ -6641,7 +6808,7 @@
           <a:srgbClr val="000000"/>
         </a:buClr>
         <a:buFont typeface="Arial"/>
-        <a:defRPr b="0" i="0" sz="1400" u="none" cap="none" strike="noStrike">
+        <a:defRPr sz="1400" b="0" i="0" u="none" strike="noStrike" cap="none">
           <a:solidFill>
             <a:srgbClr val="000000"/>
           </a:solidFill>
@@ -6651,7 +6818,7 @@
           <a:sym typeface="Arial"/>
         </a:defRPr>
       </a:lvl6pPr>
-      <a:lvl7pPr lvl="6" marR="0" rtl="0" algn="l">
+      <a:lvl7pPr marR="0" lvl="6" algn="l" rtl="0">
         <a:lnSpc>
           <a:spcPct val="100000"/>
         </a:lnSpc>
@@ -6665,7 +6832,7 @@
           <a:srgbClr val="000000"/>
         </a:buClr>
         <a:buFont typeface="Arial"/>
-        <a:defRPr b="0" i="0" sz="1400" u="none" cap="none" strike="noStrike">
+        <a:defRPr sz="1400" b="0" i="0" u="none" strike="noStrike" cap="none">
           <a:solidFill>
             <a:srgbClr val="000000"/>
           </a:solidFill>
@@ -6675,7 +6842,7 @@
           <a:sym typeface="Arial"/>
         </a:defRPr>
       </a:lvl7pPr>
-      <a:lvl8pPr lvl="7" marR="0" rtl="0" algn="l">
+      <a:lvl8pPr marR="0" lvl="7" algn="l" rtl="0">
         <a:lnSpc>
           <a:spcPct val="100000"/>
         </a:lnSpc>
@@ -6689,7 +6856,7 @@
           <a:srgbClr val="000000"/>
         </a:buClr>
         <a:buFont typeface="Arial"/>
-        <a:defRPr b="0" i="0" sz="1400" u="none" cap="none" strike="noStrike">
+        <a:defRPr sz="1400" b="0" i="0" u="none" strike="noStrike" cap="none">
           <a:solidFill>
             <a:srgbClr val="000000"/>
           </a:solidFill>
@@ -6699,7 +6866,7 @@
           <a:sym typeface="Arial"/>
         </a:defRPr>
       </a:lvl8pPr>
-      <a:lvl9pPr lvl="8" marR="0" rtl="0" algn="l">
+      <a:lvl9pPr marR="0" lvl="8" algn="l" rtl="0">
         <a:lnSpc>
           <a:spcPct val="100000"/>
         </a:lnSpc>
@@ -6713,7 +6880,7 @@
           <a:srgbClr val="000000"/>
         </a:buClr>
         <a:buFont typeface="Arial"/>
-        <a:defRPr b="0" i="0" sz="1400" u="none" cap="none" strike="noStrike">
+        <a:defRPr sz="1400" b="0" i="0" u="none" strike="noStrike" cap="none">
           <a:solidFill>
             <a:srgbClr val="000000"/>
           </a:solidFill>
@@ -6725,7 +6892,7 @@
       </a:lvl9pPr>
     </p:bodyStyle>
     <p:otherStyle>
-      <a:defPPr lvl="0" marR="0" rtl="0" algn="l">
+      <a:defPPr marR="0" lvl="0" algn="l" rtl="0">
         <a:lnSpc>
           <a:spcPct val="100000"/>
         </a:lnSpc>
@@ -6736,7 +6903,7 @@
           <a:spcPts val="0"/>
         </a:spcAft>
       </a:defPPr>
-      <a:lvl1pPr lvl="0" marR="0" rtl="0" algn="l">
+      <a:lvl1pPr marR="0" lvl="0" algn="l" rtl="0">
         <a:lnSpc>
           <a:spcPct val="100000"/>
         </a:lnSpc>
@@ -6750,7 +6917,7 @@
           <a:srgbClr val="000000"/>
         </a:buClr>
         <a:buFont typeface="Arial"/>
-        <a:defRPr b="0" i="0" sz="1400" u="none" cap="none" strike="noStrike">
+        <a:defRPr sz="1400" b="0" i="0" u="none" strike="noStrike" cap="none">
           <a:solidFill>
             <a:srgbClr val="000000"/>
           </a:solidFill>
@@ -6760,7 +6927,7 @@
           <a:sym typeface="Arial"/>
         </a:defRPr>
       </a:lvl1pPr>
-      <a:lvl2pPr lvl="1" marR="0" rtl="0" algn="l">
+      <a:lvl2pPr marR="0" lvl="1" algn="l" rtl="0">
         <a:lnSpc>
           <a:spcPct val="100000"/>
         </a:lnSpc>
@@ -6774,7 +6941,7 @@
           <a:srgbClr val="000000"/>
         </a:buClr>
         <a:buFont typeface="Arial"/>
-        <a:defRPr b="0" i="0" sz="1400" u="none" cap="none" strike="noStrike">
+        <a:defRPr sz="1400" b="0" i="0" u="none" strike="noStrike" cap="none">
           <a:solidFill>
             <a:srgbClr val="000000"/>
           </a:solidFill>
@@ -6784,7 +6951,7 @@
           <a:sym typeface="Arial"/>
         </a:defRPr>
       </a:lvl2pPr>
-      <a:lvl3pPr lvl="2" marR="0" rtl="0" algn="l">
+      <a:lvl3pPr marR="0" lvl="2" algn="l" rtl="0">
         <a:lnSpc>
           <a:spcPct val="100000"/>
         </a:lnSpc>
@@ -6798,7 +6965,7 @@
           <a:srgbClr val="000000"/>
         </a:buClr>
         <a:buFont typeface="Arial"/>
-        <a:defRPr b="0" i="0" sz="1400" u="none" cap="none" strike="noStrike">
+        <a:defRPr sz="1400" b="0" i="0" u="none" strike="noStrike" cap="none">
           <a:solidFill>
             <a:srgbClr val="000000"/>
           </a:solidFill>
@@ -6808,7 +6975,7 @@
           <a:sym typeface="Arial"/>
         </a:defRPr>
       </a:lvl3pPr>
-      <a:lvl4pPr lvl="3" marR="0" rtl="0" algn="l">
+      <a:lvl4pPr marR="0" lvl="3" algn="l" rtl="0">
         <a:lnSpc>
           <a:spcPct val="100000"/>
         </a:lnSpc>
@@ -6822,7 +6989,7 @@
           <a:srgbClr val="000000"/>
         </a:buClr>
         <a:buFont typeface="Arial"/>
-        <a:defRPr b="0" i="0" sz="1400" u="none" cap="none" strike="noStrike">
+        <a:defRPr sz="1400" b="0" i="0" u="none" strike="noStrike" cap="none">
           <a:solidFill>
             <a:srgbClr val="000000"/>
           </a:solidFill>
@@ -6832,7 +6999,7 @@
           <a:sym typeface="Arial"/>
         </a:defRPr>
       </a:lvl4pPr>
-      <a:lvl5pPr lvl="4" marR="0" rtl="0" algn="l">
+      <a:lvl5pPr marR="0" lvl="4" algn="l" rtl="0">
         <a:lnSpc>
           <a:spcPct val="100000"/>
         </a:lnSpc>
@@ -6846,7 +7013,7 @@
           <a:srgbClr val="000000"/>
         </a:buClr>
         <a:buFont typeface="Arial"/>
-        <a:defRPr b="0" i="0" sz="1400" u="none" cap="none" strike="noStrike">
+        <a:defRPr sz="1400" b="0" i="0" u="none" strike="noStrike" cap="none">
           <a:solidFill>
             <a:srgbClr val="000000"/>
           </a:solidFill>
@@ -6856,7 +7023,7 @@
           <a:sym typeface="Arial"/>
         </a:defRPr>
       </a:lvl5pPr>
-      <a:lvl6pPr lvl="5" marR="0" rtl="0" algn="l">
+      <a:lvl6pPr marR="0" lvl="5" algn="l" rtl="0">
         <a:lnSpc>
           <a:spcPct val="100000"/>
         </a:lnSpc>
@@ -6870,7 +7037,7 @@
           <a:srgbClr val="000000"/>
         </a:buClr>
         <a:buFont typeface="Arial"/>
-        <a:defRPr b="0" i="0" sz="1400" u="none" cap="none" strike="noStrike">
+        <a:defRPr sz="1400" b="0" i="0" u="none" strike="noStrike" cap="none">
           <a:solidFill>
             <a:srgbClr val="000000"/>
           </a:solidFill>
@@ -6880,7 +7047,7 @@
           <a:sym typeface="Arial"/>
         </a:defRPr>
       </a:lvl6pPr>
-      <a:lvl7pPr lvl="6" marR="0" rtl="0" algn="l">
+      <a:lvl7pPr marR="0" lvl="6" algn="l" rtl="0">
         <a:lnSpc>
           <a:spcPct val="100000"/>
         </a:lnSpc>
@@ -6894,7 +7061,7 @@
           <a:srgbClr val="000000"/>
         </a:buClr>
         <a:buFont typeface="Arial"/>
-        <a:defRPr b="0" i="0" sz="1400" u="none" cap="none" strike="noStrike">
+        <a:defRPr sz="1400" b="0" i="0" u="none" strike="noStrike" cap="none">
           <a:solidFill>
             <a:srgbClr val="000000"/>
           </a:solidFill>
@@ -6904,7 +7071,7 @@
           <a:sym typeface="Arial"/>
         </a:defRPr>
       </a:lvl7pPr>
-      <a:lvl8pPr lvl="7" marR="0" rtl="0" algn="l">
+      <a:lvl8pPr marR="0" lvl="7" algn="l" rtl="0">
         <a:lnSpc>
           <a:spcPct val="100000"/>
         </a:lnSpc>
@@ -6918,7 +7085,7 @@
           <a:srgbClr val="000000"/>
         </a:buClr>
         <a:buFont typeface="Arial"/>
-        <a:defRPr b="0" i="0" sz="1400" u="none" cap="none" strike="noStrike">
+        <a:defRPr sz="1400" b="0" i="0" u="none" strike="noStrike" cap="none">
           <a:solidFill>
             <a:srgbClr val="000000"/>
           </a:solidFill>
@@ -6928,7 +7095,7 @@
           <a:sym typeface="Arial"/>
         </a:defRPr>
       </a:lvl8pPr>
-      <a:lvl9pPr lvl="8" marR="0" rtl="0" algn="l">
+      <a:lvl9pPr marR="0" lvl="8" algn="l" rtl="0">
         <a:lnSpc>
           <a:spcPct val="100000"/>
         </a:lnSpc>
@@ -6942,7 +7109,7 @@
           <a:srgbClr val="000000"/>
         </a:buClr>
         <a:buFont typeface="Arial"/>
-        <a:defRPr b="0" i="0" sz="1400" u="none" cap="none" strike="noStrike">
+        <a:defRPr sz="1400" b="0" i="0" u="none" strike="noStrike" cap="none">
           <a:solidFill>
             <a:srgbClr val="000000"/>
           </a:solidFill>
@@ -6958,11 +7125,11 @@
 </file>
 
 <file path=ppt/slides/slide1.xml><?xml version="1.0" encoding="utf-8"?>
-<p:sld xmlns:a="http://schemas.openxmlformats.org/drawingml/2006/main" xmlns:r="http://schemas.openxmlformats.org/officeDocument/2006/relationships" xmlns:mc="http://schemas.openxmlformats.org/markup-compatibility/2006" xmlns:mv="urn:schemas-microsoft-com:mac:vml" xmlns:p="http://schemas.openxmlformats.org/presentationml/2006/main" xmlns:c="http://schemas.openxmlformats.org/drawingml/2006/chart" xmlns:dgm="http://schemas.openxmlformats.org/drawingml/2006/diagram" xmlns:o="urn:schemas-microsoft-com:office:office" xmlns:v="urn:schemas-microsoft-com:vml" xmlns:pvml="urn:schemas-microsoft-com:office:powerpoint" xmlns:com="http://schemas.openxmlformats.org/drawingml/2006/compatibility" xmlns:p14="http://schemas.microsoft.com/office/powerpoint/2010/main" xmlns:p15="http://schemas.microsoft.com/office/powerpoint/2012/main" xmlns:ahyp="http://schemas.microsoft.com/office/drawing/2018/hyperlinkcolor">
+<p:sld xmlns:a="http://schemas.openxmlformats.org/drawingml/2006/main" xmlns:r="http://schemas.openxmlformats.org/officeDocument/2006/relationships" xmlns:p="http://schemas.openxmlformats.org/presentationml/2006/main">
   <p:cSld>
     <p:spTree>
       <p:nvGrpSpPr>
-        <p:cNvPr id="53" name="Shape 53"/>
+        <p:cNvPr id="1" name="Shape 53"/>
         <p:cNvGrpSpPr/>
         <p:nvPr/>
       </p:nvGrpSpPr>
@@ -6977,7 +7144,9 @@
       <p:sp>
         <p:nvSpPr>
           <p:cNvPr id="54" name="Google Shape;54;p13"/>
-          <p:cNvSpPr txBox="1"/>
+          <p:cNvSpPr txBox="1">
+            <a:spLocks noGrp="1"/>
+          </p:cNvSpPr>
           <p:nvPr>
             <p:ph type="ctrTitle"/>
           </p:nvPr>
@@ -6992,12 +7161,12 @@
           </a:prstGeom>
         </p:spPr>
         <p:txBody>
-          <a:bodyPr anchorCtr="0" anchor="b" bIns="91425" lIns="91425" spcFirstLastPara="1" rIns="91425" wrap="square" tIns="91425">
+          <a:bodyPr spcFirstLastPara="1" wrap="square" lIns="91425" tIns="91425" rIns="91425" bIns="91425" anchor="b" anchorCtr="0">
             <a:noAutofit/>
           </a:bodyPr>
           <a:lstStyle/>
           <a:p>
-            <a:pPr indent="0" lvl="0" marL="0" rtl="0" algn="ctr">
+            <a:pPr marL="0" lvl="0" indent="0" algn="ctr" rtl="0">
               <a:spcBef>
                 <a:spcPts val="0"/>
               </a:spcBef>
@@ -7017,9 +7186,11 @@
       <p:sp>
         <p:nvSpPr>
           <p:cNvPr id="55" name="Google Shape;55;p13"/>
-          <p:cNvSpPr txBox="1"/>
+          <p:cNvSpPr txBox="1">
+            <a:spLocks noGrp="1"/>
+          </p:cNvSpPr>
           <p:nvPr>
-            <p:ph idx="1" type="subTitle"/>
+            <p:ph type="subTitle" idx="1"/>
           </p:nvPr>
         </p:nvSpPr>
         <p:spPr>
@@ -7032,12 +7203,12 @@
           </a:prstGeom>
         </p:spPr>
         <p:txBody>
-          <a:bodyPr anchorCtr="0" anchor="t" bIns="91425" lIns="91425" spcFirstLastPara="1" rIns="91425" wrap="square" tIns="91425">
+          <a:bodyPr spcFirstLastPara="1" wrap="square" lIns="91425" tIns="91425" rIns="91425" bIns="91425" anchor="t" anchorCtr="0">
             <a:noAutofit/>
           </a:bodyPr>
           <a:lstStyle/>
           <a:p>
-            <a:pPr indent="0" lvl="0" marL="0" rtl="0" algn="ctr">
+            <a:pPr marL="0" lvl="0" indent="0" algn="ctr" rtl="0">
               <a:spcBef>
                 <a:spcPts val="0"/>
               </a:spcBef>
@@ -7048,16 +7219,12 @@
             </a:pPr>
             <a:r>
               <a:rPr lang="en"/>
-              <a:t>Alexander</a:t>
-            </a:r>
-            <a:r>
-              <a:rPr lang="en"/>
-              <a:t> Allen</a:t>
+              <a:t>Alexander Allen</a:t>
             </a:r>
             <a:endParaRPr/>
           </a:p>
           <a:p>
-            <a:pPr indent="0" lvl="0" marL="0" rtl="0" algn="ctr">
+            <a:pPr marL="0" lvl="0" indent="0" algn="ctr" rtl="0">
               <a:spcBef>
                 <a:spcPts val="0"/>
               </a:spcBef>
@@ -7088,11 +7255,11 @@
 </file>
 
 <file path=ppt/slides/slide10.xml><?xml version="1.0" encoding="utf-8"?>
-<p:sld xmlns:a="http://schemas.openxmlformats.org/drawingml/2006/main" xmlns:r="http://schemas.openxmlformats.org/officeDocument/2006/relationships" xmlns:mc="http://schemas.openxmlformats.org/markup-compatibility/2006" xmlns:mv="urn:schemas-microsoft-com:mac:vml" xmlns:p="http://schemas.openxmlformats.org/presentationml/2006/main" xmlns:c="http://schemas.openxmlformats.org/drawingml/2006/chart" xmlns:dgm="http://schemas.openxmlformats.org/drawingml/2006/diagram" xmlns:o="urn:schemas-microsoft-com:office:office" xmlns:v="urn:schemas-microsoft-com:vml" xmlns:pvml="urn:schemas-microsoft-com:office:powerpoint" xmlns:com="http://schemas.openxmlformats.org/drawingml/2006/compatibility" xmlns:p14="http://schemas.microsoft.com/office/powerpoint/2010/main" xmlns:p15="http://schemas.microsoft.com/office/powerpoint/2012/main" xmlns:ahyp="http://schemas.microsoft.com/office/drawing/2018/hyperlinkcolor">
+<p:sld xmlns:a="http://schemas.openxmlformats.org/drawingml/2006/main" xmlns:r="http://schemas.openxmlformats.org/officeDocument/2006/relationships" xmlns:p="http://schemas.openxmlformats.org/presentationml/2006/main">
   <p:cSld>
     <p:spTree>
       <p:nvGrpSpPr>
-        <p:cNvPr id="120" name="Shape 120"/>
+        <p:cNvPr id="1" name="Shape 120"/>
         <p:cNvGrpSpPr/>
         <p:nvPr/>
       </p:nvGrpSpPr>
@@ -7107,7 +7274,9 @@
       <p:sp>
         <p:nvSpPr>
           <p:cNvPr id="121" name="Google Shape;121;p22"/>
-          <p:cNvSpPr txBox="1"/>
+          <p:cNvSpPr txBox="1">
+            <a:spLocks noGrp="1"/>
+          </p:cNvSpPr>
           <p:nvPr>
             <p:ph type="title"/>
           </p:nvPr>
@@ -7122,12 +7291,12 @@
           </a:prstGeom>
         </p:spPr>
         <p:txBody>
-          <a:bodyPr anchorCtr="0" anchor="b" bIns="91425" lIns="91425" spcFirstLastPara="1" rIns="91425" wrap="square" tIns="91425">
+          <a:bodyPr spcFirstLastPara="1" wrap="square" lIns="91425" tIns="91425" rIns="91425" bIns="91425" anchor="b" anchorCtr="0">
             <a:noAutofit/>
           </a:bodyPr>
           <a:lstStyle/>
           <a:p>
-            <a:pPr indent="0" lvl="0" marL="0" rtl="0" algn="ctr">
+            <a:pPr marL="0" lvl="0" indent="0" algn="ctr" rtl="0">
               <a:spcBef>
                 <a:spcPts val="0"/>
               </a:spcBef>
@@ -7147,9 +7316,11 @@
       <p:sp>
         <p:nvSpPr>
           <p:cNvPr id="122" name="Google Shape;122;p22"/>
-          <p:cNvSpPr txBox="1"/>
+          <p:cNvSpPr txBox="1">
+            <a:spLocks noGrp="1"/>
+          </p:cNvSpPr>
           <p:nvPr>
-            <p:ph idx="1" type="subTitle"/>
+            <p:ph type="subTitle" idx="1"/>
           </p:nvPr>
         </p:nvSpPr>
         <p:spPr>
@@ -7162,12 +7333,12 @@
           </a:prstGeom>
         </p:spPr>
         <p:txBody>
-          <a:bodyPr anchorCtr="0" anchor="t" bIns="91425" lIns="91425" spcFirstLastPara="1" rIns="91425" wrap="square" tIns="91425">
+          <a:bodyPr spcFirstLastPara="1" wrap="square" lIns="91425" tIns="91425" rIns="91425" bIns="91425" anchor="t" anchorCtr="0">
             <a:noAutofit/>
           </a:bodyPr>
           <a:lstStyle/>
           <a:p>
-            <a:pPr indent="0" lvl="0" marL="0" rtl="0" algn="ctr">
+            <a:pPr marL="0" lvl="0" indent="0" algn="ctr" rtl="0">
               <a:spcBef>
                 <a:spcPts val="0"/>
               </a:spcBef>
@@ -7221,11 +7392,11 @@
 </file>
 
 <file path=ppt/slides/slide2.xml><?xml version="1.0" encoding="utf-8"?>
-<p:sld xmlns:a="http://schemas.openxmlformats.org/drawingml/2006/main" xmlns:r="http://schemas.openxmlformats.org/officeDocument/2006/relationships" xmlns:mc="http://schemas.openxmlformats.org/markup-compatibility/2006" xmlns:mv="urn:schemas-microsoft-com:mac:vml" xmlns:p="http://schemas.openxmlformats.org/presentationml/2006/main" xmlns:c="http://schemas.openxmlformats.org/drawingml/2006/chart" xmlns:dgm="http://schemas.openxmlformats.org/drawingml/2006/diagram" xmlns:o="urn:schemas-microsoft-com:office:office" xmlns:v="urn:schemas-microsoft-com:vml" xmlns:pvml="urn:schemas-microsoft-com:office:powerpoint" xmlns:com="http://schemas.openxmlformats.org/drawingml/2006/compatibility" xmlns:p14="http://schemas.microsoft.com/office/powerpoint/2010/main" xmlns:p15="http://schemas.microsoft.com/office/powerpoint/2012/main" xmlns:ahyp="http://schemas.microsoft.com/office/drawing/2018/hyperlinkcolor">
+<p:sld xmlns:a="http://schemas.openxmlformats.org/drawingml/2006/main" xmlns:r="http://schemas.openxmlformats.org/officeDocument/2006/relationships" xmlns:p="http://schemas.openxmlformats.org/presentationml/2006/main">
   <p:cSld>
     <p:spTree>
       <p:nvGrpSpPr>
-        <p:cNvPr id="59" name="Shape 59"/>
+        <p:cNvPr id="1" name="Shape 59"/>
         <p:cNvGrpSpPr/>
         <p:nvPr/>
       </p:nvGrpSpPr>
@@ -7252,14 +7423,14 @@
             <a:avLst/>
           </a:prstGeom>
           <a:noFill/>
-          <a:ln cap="flat" cmpd="sng" w="28575">
+          <a:ln w="28575" cap="flat" cmpd="sng">
             <a:solidFill>
               <a:srgbClr val="CC4125"/>
             </a:solidFill>
             <a:prstDash val="solid"/>
             <a:round/>
-            <a:headEnd len="med" w="med" type="none"/>
-            <a:tailEnd len="med" w="med" type="triangle"/>
+            <a:headEnd type="none" w="med" len="med"/>
+            <a:tailEnd type="triangle" w="med" len="med"/>
           </a:ln>
         </p:spPr>
       </p:cxnSp>
@@ -7281,21 +7452,23 @@
             <a:avLst/>
           </a:prstGeom>
           <a:noFill/>
-          <a:ln cap="flat" cmpd="sng" w="28575">
+          <a:ln w="28575" cap="flat" cmpd="sng">
             <a:solidFill>
               <a:srgbClr val="CC4125"/>
             </a:solidFill>
             <a:prstDash val="solid"/>
             <a:round/>
-            <a:headEnd len="med" w="med" type="none"/>
-            <a:tailEnd len="med" w="med" type="triangle"/>
+            <a:headEnd type="none" w="med" len="med"/>
+            <a:tailEnd type="triangle" w="med" len="med"/>
           </a:ln>
         </p:spPr>
       </p:cxnSp>
       <p:sp>
         <p:nvSpPr>
           <p:cNvPr id="64" name="Google Shape;64;p14"/>
-          <p:cNvSpPr txBox="1"/>
+          <p:cNvSpPr txBox="1">
+            <a:spLocks noGrp="1"/>
+          </p:cNvSpPr>
           <p:nvPr>
             <p:ph type="title"/>
           </p:nvPr>
@@ -7310,12 +7483,12 @@
           </a:prstGeom>
         </p:spPr>
         <p:txBody>
-          <a:bodyPr anchorCtr="0" anchor="t" bIns="91425" lIns="91425" spcFirstLastPara="1" rIns="91425" wrap="square" tIns="91425">
+          <a:bodyPr spcFirstLastPara="1" wrap="square" lIns="91425" tIns="91425" rIns="91425" bIns="91425" anchor="t" anchorCtr="0">
             <a:noAutofit/>
           </a:bodyPr>
           <a:lstStyle/>
           <a:p>
-            <a:pPr indent="0" lvl="0" marL="0" rtl="0" algn="l">
+            <a:pPr marL="0" lvl="0" indent="0" algn="l" rtl="0">
               <a:spcBef>
                 <a:spcPts val="0"/>
               </a:spcBef>
@@ -7335,9 +7508,11 @@
       <p:sp>
         <p:nvSpPr>
           <p:cNvPr id="65" name="Google Shape;65;p14"/>
-          <p:cNvSpPr txBox="1"/>
+          <p:cNvSpPr txBox="1">
+            <a:spLocks noGrp="1"/>
+          </p:cNvSpPr>
           <p:nvPr>
-            <p:ph idx="1" type="body"/>
+            <p:ph type="body" idx="1"/>
           </p:nvPr>
         </p:nvSpPr>
         <p:spPr>
@@ -7350,12 +7525,12 @@
           </a:prstGeom>
         </p:spPr>
         <p:txBody>
-          <a:bodyPr anchorCtr="0" anchor="t" bIns="91425" lIns="91425" spcFirstLastPara="1" rIns="91425" wrap="square" tIns="91425">
+          <a:bodyPr spcFirstLastPara="1" wrap="square" lIns="91425" tIns="91425" rIns="91425" bIns="91425" anchor="t" anchorCtr="0">
             <a:noAutofit/>
           </a:bodyPr>
           <a:lstStyle/>
           <a:p>
-            <a:pPr indent="0" lvl="0" marL="0" rtl="0" algn="l">
+            <a:pPr marL="0" lvl="0" indent="0" algn="l" rtl="0">
               <a:spcBef>
                 <a:spcPts val="0"/>
               </a:spcBef>
@@ -7365,13 +7540,13 @@
               <a:buNone/>
             </a:pPr>
             <a:r>
-              <a:rPr b="1" lang="en"/>
+              <a:rPr lang="en" b="1"/>
               <a:t>Our goal was to interface a high-level quantum computing language (Qiskit / Q# / etc.) with Duke University’s ion-trap quantum system “ARTIQ” </a:t>
             </a:r>
             <a:endParaRPr b="1"/>
           </a:p>
           <a:p>
-            <a:pPr indent="0" lvl="0" marL="0" rtl="0" algn="l">
+            <a:pPr marL="0" lvl="0" indent="0" algn="l" rtl="0">
               <a:lnSpc>
                 <a:spcPct val="100000"/>
               </a:lnSpc>
@@ -7383,13 +7558,10 @@
               </a:spcAft>
               <a:buNone/>
             </a:pPr>
-            <a:r>
-              <a:t/>
-            </a:r>
             <a:endParaRPr b="1"/>
           </a:p>
           <a:p>
-            <a:pPr indent="0" lvl="0" marL="0" rtl="0" algn="l">
+            <a:pPr marL="0" lvl="0" indent="0" algn="l" rtl="0">
               <a:spcBef>
                 <a:spcPts val="1600"/>
               </a:spcBef>
@@ -7399,13 +7571,13 @@
               <a:buNone/>
             </a:pPr>
             <a:r>
-              <a:rPr b="1" lang="en"/>
+              <a:rPr lang="en" b="1"/>
               <a:t>We decided to build a Qiskit provider to compile Qiskit quantum circuits to DAX code which Duke can compile onto their ARTIQ device. </a:t>
             </a:r>
             <a:endParaRPr b="1"/>
           </a:p>
           <a:p>
-            <a:pPr indent="0" lvl="0" marL="0" rtl="0" algn="l">
+            <a:pPr marL="0" lvl="0" indent="0" algn="l" rtl="0">
               <a:spcBef>
                 <a:spcPts val="1600"/>
               </a:spcBef>
@@ -7414,9 +7586,6 @@
               </a:spcAft>
               <a:buNone/>
             </a:pPr>
-            <a:r>
-              <a:t/>
-            </a:r>
             <a:endParaRPr/>
           </a:p>
         </p:txBody>
@@ -7434,7 +7603,7 @@
           </a:xfrm>
           <a:prstGeom prst="roundRect">
             <a:avLst>
-              <a:gd fmla="val 50000" name="adj"/>
+              <a:gd name="adj" fmla="val 50000"/>
             </a:avLst>
           </a:prstGeom>
           <a:solidFill>
@@ -7445,12 +7614,12 @@
           </a:ln>
         </p:spPr>
         <p:txBody>
-          <a:bodyPr anchorCtr="0" anchor="ctr" bIns="91425" lIns="91425" spcFirstLastPara="1" rIns="91425" wrap="square" tIns="91425">
+          <a:bodyPr spcFirstLastPara="1" wrap="square" lIns="91425" tIns="91425" rIns="91425" bIns="91425" anchor="ctr" anchorCtr="0">
             <a:noAutofit/>
           </a:bodyPr>
           <a:lstStyle/>
           <a:p>
-            <a:pPr indent="0" lvl="0" marL="0" rtl="0" algn="ctr">
+            <a:pPr marL="0" lvl="0" indent="0" algn="ctr" rtl="0">
               <a:spcBef>
                 <a:spcPts val="0"/>
               </a:spcBef>
@@ -7492,7 +7661,7 @@
           </a:xfrm>
           <a:prstGeom prst="roundRect">
             <a:avLst>
-              <a:gd fmla="val 50000" name="adj"/>
+              <a:gd name="adj" fmla="val 50000"/>
             </a:avLst>
           </a:prstGeom>
           <a:solidFill>
@@ -7503,12 +7672,12 @@
           </a:ln>
         </p:spPr>
         <p:txBody>
-          <a:bodyPr anchorCtr="0" anchor="ctr" bIns="91425" lIns="91425" spcFirstLastPara="1" rIns="91425" wrap="square" tIns="91425">
+          <a:bodyPr spcFirstLastPara="1" wrap="square" lIns="91425" tIns="91425" rIns="91425" bIns="91425" anchor="ctr" anchorCtr="0">
             <a:noAutofit/>
           </a:bodyPr>
           <a:lstStyle/>
           <a:p>
-            <a:pPr indent="0" lvl="0" marL="0" rtl="0" algn="ctr">
+            <a:pPr marL="0" lvl="0" indent="0" algn="ctr" rtl="0">
               <a:spcBef>
                 <a:spcPts val="0"/>
               </a:spcBef>
@@ -7550,7 +7719,7 @@
           </a:xfrm>
           <a:prstGeom prst="roundRect">
             <a:avLst>
-              <a:gd fmla="val 50000" name="adj"/>
+              <a:gd name="adj" fmla="val 50000"/>
             </a:avLst>
           </a:prstGeom>
           <a:solidFill>
@@ -7561,12 +7730,12 @@
           </a:ln>
         </p:spPr>
         <p:txBody>
-          <a:bodyPr anchorCtr="0" anchor="ctr" bIns="91425" lIns="91425" spcFirstLastPara="1" rIns="91425" wrap="square" tIns="91425">
+          <a:bodyPr spcFirstLastPara="1" wrap="square" lIns="91425" tIns="91425" rIns="91425" bIns="91425" anchor="ctr" anchorCtr="0">
             <a:noAutofit/>
           </a:bodyPr>
           <a:lstStyle/>
           <a:p>
-            <a:pPr indent="0" lvl="0" marL="0" rtl="0" algn="ctr">
+            <a:pPr marL="0" lvl="0" indent="0" algn="ctr" rtl="0">
               <a:spcBef>
                 <a:spcPts val="0"/>
               </a:spcBef>
@@ -7608,7 +7777,7 @@
           </a:xfrm>
           <a:prstGeom prst="roundRect">
             <a:avLst>
-              <a:gd fmla="val 16667" name="adj"/>
+              <a:gd name="adj" fmla="val 16667"/>
             </a:avLst>
           </a:prstGeom>
           <a:solidFill>
@@ -7619,12 +7788,12 @@
           </a:ln>
         </p:spPr>
         <p:txBody>
-          <a:bodyPr anchorCtr="0" anchor="ctr" bIns="91425" lIns="91425" spcFirstLastPara="1" rIns="91425" wrap="square" tIns="91425">
+          <a:bodyPr spcFirstLastPara="1" wrap="square" lIns="91425" tIns="91425" rIns="91425" bIns="91425" anchor="ctr" anchorCtr="0">
             <a:noAutofit/>
           </a:bodyPr>
           <a:lstStyle/>
           <a:p>
-            <a:pPr indent="0" lvl="0" marL="0" rtl="0" algn="ctr">
+            <a:pPr marL="0" lvl="0" indent="0" algn="ctr" rtl="0">
               <a:spcBef>
                 <a:spcPts val="0"/>
               </a:spcBef>
@@ -7662,29 +7831,29 @@
           </a:xfrm>
           <a:prstGeom prst="roundRect">
             <a:avLst>
-              <a:gd fmla="val 16667" name="adj"/>
+              <a:gd name="adj" fmla="val 16667"/>
             </a:avLst>
           </a:prstGeom>
           <a:solidFill>
             <a:srgbClr val="CC4125"/>
           </a:solidFill>
-          <a:ln cap="flat" cmpd="sng" w="38100">
+          <a:ln w="38100" cap="flat" cmpd="sng">
             <a:solidFill>
               <a:srgbClr val="00FFFF"/>
             </a:solidFill>
             <a:prstDash val="solid"/>
             <a:round/>
-            <a:headEnd len="sm" w="sm" type="none"/>
-            <a:tailEnd len="sm" w="sm" type="none"/>
+            <a:headEnd type="none" w="sm" len="sm"/>
+            <a:tailEnd type="none" w="sm" len="sm"/>
           </a:ln>
         </p:spPr>
         <p:txBody>
-          <a:bodyPr anchorCtr="0" anchor="ctr" bIns="91425" lIns="91425" spcFirstLastPara="1" rIns="91425" wrap="square" tIns="91425">
+          <a:bodyPr spcFirstLastPara="1" wrap="square" lIns="91425" tIns="91425" rIns="91425" bIns="91425" anchor="ctr" anchorCtr="0">
             <a:noAutofit/>
           </a:bodyPr>
           <a:lstStyle/>
           <a:p>
-            <a:pPr indent="0" lvl="0" marL="0" rtl="0" algn="ctr">
+            <a:pPr marL="0" lvl="0" indent="0" algn="ctr" rtl="0">
               <a:spcBef>
                 <a:spcPts val="0"/>
               </a:spcBef>
@@ -7718,11 +7887,11 @@
 </file>
 
 <file path=ppt/slides/slide3.xml><?xml version="1.0" encoding="utf-8"?>
-<p:sld xmlns:a="http://schemas.openxmlformats.org/drawingml/2006/main" xmlns:r="http://schemas.openxmlformats.org/officeDocument/2006/relationships" xmlns:mc="http://schemas.openxmlformats.org/markup-compatibility/2006" xmlns:mv="urn:schemas-microsoft-com:mac:vml" xmlns:p="http://schemas.openxmlformats.org/presentationml/2006/main" xmlns:c="http://schemas.openxmlformats.org/drawingml/2006/chart" xmlns:dgm="http://schemas.openxmlformats.org/drawingml/2006/diagram" xmlns:o="urn:schemas-microsoft-com:office:office" xmlns:v="urn:schemas-microsoft-com:vml" xmlns:pvml="urn:schemas-microsoft-com:office:powerpoint" xmlns:com="http://schemas.openxmlformats.org/drawingml/2006/compatibility" xmlns:p14="http://schemas.microsoft.com/office/powerpoint/2010/main" xmlns:p15="http://schemas.microsoft.com/office/powerpoint/2012/main" xmlns:ahyp="http://schemas.microsoft.com/office/drawing/2018/hyperlinkcolor">
+<p:sld xmlns:a="http://schemas.openxmlformats.org/drawingml/2006/main" xmlns:r="http://schemas.openxmlformats.org/officeDocument/2006/relationships" xmlns:p="http://schemas.openxmlformats.org/presentationml/2006/main">
   <p:cSld>
     <p:spTree>
       <p:nvGrpSpPr>
-        <p:cNvPr id="72" name="Shape 72"/>
+        <p:cNvPr id="1" name="Shape 72"/>
         <p:cNvGrpSpPr/>
         <p:nvPr/>
       </p:nvGrpSpPr>
@@ -7737,7 +7906,9 @@
       <p:sp>
         <p:nvSpPr>
           <p:cNvPr id="73" name="Google Shape;73;p15"/>
-          <p:cNvSpPr txBox="1"/>
+          <p:cNvSpPr txBox="1">
+            <a:spLocks noGrp="1"/>
+          </p:cNvSpPr>
           <p:nvPr>
             <p:ph type="title"/>
           </p:nvPr>
@@ -7752,12 +7923,12 @@
           </a:prstGeom>
         </p:spPr>
         <p:txBody>
-          <a:bodyPr anchorCtr="0" anchor="t" bIns="91425" lIns="91425" spcFirstLastPara="1" rIns="91425" wrap="square" tIns="91425">
+          <a:bodyPr spcFirstLastPara="1" wrap="square" lIns="91425" tIns="91425" rIns="91425" bIns="91425" anchor="t" anchorCtr="0">
             <a:noAutofit/>
           </a:bodyPr>
           <a:lstStyle/>
           <a:p>
-            <a:pPr indent="0" lvl="0" marL="0" rtl="0" algn="l">
+            <a:pPr marL="0" lvl="0" indent="0" algn="l" rtl="0">
               <a:spcBef>
                 <a:spcPts val="0"/>
               </a:spcBef>
@@ -7812,7 +7983,7 @@
           <a:blip r:embed="rId4">
             <a:alphaModFix/>
           </a:blip>
-          <a:srcRect b="23430" l="6625" r="16243" t="8988"/>
+          <a:srcRect l="6625" t="8988" r="16243" b="23430"/>
           <a:stretch/>
         </p:blipFill>
         <p:spPr>
@@ -7838,11 +8009,11 @@
 </file>
 
 <file path=ppt/slides/slide4.xml><?xml version="1.0" encoding="utf-8"?>
-<p:sld xmlns:a="http://schemas.openxmlformats.org/drawingml/2006/main" xmlns:r="http://schemas.openxmlformats.org/officeDocument/2006/relationships" xmlns:mc="http://schemas.openxmlformats.org/markup-compatibility/2006" xmlns:mv="urn:schemas-microsoft-com:mac:vml" xmlns:p="http://schemas.openxmlformats.org/presentationml/2006/main" xmlns:c="http://schemas.openxmlformats.org/drawingml/2006/chart" xmlns:dgm="http://schemas.openxmlformats.org/drawingml/2006/diagram" xmlns:o="urn:schemas-microsoft-com:office:office" xmlns:v="urn:schemas-microsoft-com:vml" xmlns:pvml="urn:schemas-microsoft-com:office:powerpoint" xmlns:com="http://schemas.openxmlformats.org/drawingml/2006/compatibility" xmlns:p14="http://schemas.microsoft.com/office/powerpoint/2010/main" xmlns:p15="http://schemas.microsoft.com/office/powerpoint/2012/main" xmlns:ahyp="http://schemas.microsoft.com/office/drawing/2018/hyperlinkcolor">
+<p:sld xmlns:a="http://schemas.openxmlformats.org/drawingml/2006/main" xmlns:r="http://schemas.openxmlformats.org/officeDocument/2006/relationships" xmlns:p="http://schemas.openxmlformats.org/presentationml/2006/main">
   <p:cSld>
     <p:spTree>
       <p:nvGrpSpPr>
-        <p:cNvPr id="79" name="Shape 79"/>
+        <p:cNvPr id="1" name="Shape 79"/>
         <p:cNvGrpSpPr/>
         <p:nvPr/>
       </p:nvGrpSpPr>
@@ -7857,7 +8028,9 @@
       <p:sp>
         <p:nvSpPr>
           <p:cNvPr id="80" name="Google Shape;80;p16"/>
-          <p:cNvSpPr txBox="1"/>
+          <p:cNvSpPr txBox="1">
+            <a:spLocks noGrp="1"/>
+          </p:cNvSpPr>
           <p:nvPr>
             <p:ph type="title"/>
           </p:nvPr>
@@ -7872,12 +8045,12 @@
           </a:prstGeom>
         </p:spPr>
         <p:txBody>
-          <a:bodyPr anchorCtr="0" anchor="t" bIns="91425" lIns="91425" spcFirstLastPara="1" rIns="91425" wrap="square" tIns="91425">
+          <a:bodyPr spcFirstLastPara="1" wrap="square" lIns="91425" tIns="91425" rIns="91425" bIns="91425" anchor="t" anchorCtr="0">
             <a:noAutofit/>
           </a:bodyPr>
           <a:lstStyle/>
           <a:p>
-            <a:pPr indent="0" lvl="0" marL="0" rtl="0" algn="l">
+            <a:pPr marL="0" lvl="0" indent="0" algn="l" rtl="0">
               <a:spcBef>
                 <a:spcPts val="0"/>
               </a:spcBef>
@@ -7931,11 +8104,11 @@
 </file>
 
 <file path=ppt/slides/slide5.xml><?xml version="1.0" encoding="utf-8"?>
-<p:sld xmlns:a="http://schemas.openxmlformats.org/drawingml/2006/main" xmlns:r="http://schemas.openxmlformats.org/officeDocument/2006/relationships" xmlns:mc="http://schemas.openxmlformats.org/markup-compatibility/2006" xmlns:mv="urn:schemas-microsoft-com:mac:vml" xmlns:p="http://schemas.openxmlformats.org/presentationml/2006/main" xmlns:c="http://schemas.openxmlformats.org/drawingml/2006/chart" xmlns:dgm="http://schemas.openxmlformats.org/drawingml/2006/diagram" xmlns:o="urn:schemas-microsoft-com:office:office" xmlns:v="urn:schemas-microsoft-com:vml" xmlns:pvml="urn:schemas-microsoft-com:office:powerpoint" xmlns:com="http://schemas.openxmlformats.org/drawingml/2006/compatibility" xmlns:p14="http://schemas.microsoft.com/office/powerpoint/2010/main" xmlns:p15="http://schemas.microsoft.com/office/powerpoint/2012/main" xmlns:ahyp="http://schemas.microsoft.com/office/drawing/2018/hyperlinkcolor">
+<p:sld xmlns:a="http://schemas.openxmlformats.org/drawingml/2006/main" xmlns:r="http://schemas.openxmlformats.org/officeDocument/2006/relationships" xmlns:p="http://schemas.openxmlformats.org/presentationml/2006/main">
   <p:cSld>
     <p:spTree>
       <p:nvGrpSpPr>
-        <p:cNvPr id="85" name="Shape 85"/>
+        <p:cNvPr id="1" name="Shape 85"/>
         <p:cNvGrpSpPr/>
         <p:nvPr/>
       </p:nvGrpSpPr>
@@ -7950,27 +8123,25 @@
       <p:sp>
         <p:nvSpPr>
           <p:cNvPr id="86" name="Google Shape;86;p17"/>
-          <p:cNvSpPr txBox="1"/>
+          <p:cNvSpPr txBox="1">
+            <a:spLocks noGrp="1"/>
+          </p:cNvSpPr>
           <p:nvPr>
             <p:ph type="title"/>
           </p:nvPr>
         </p:nvSpPr>
         <p:spPr>
-          <a:xfrm>
-            <a:off x="311700" y="445025"/>
-            <a:ext cx="8520600" cy="572700"/>
-          </a:xfrm>
           <a:prstGeom prst="rect">
             <a:avLst/>
           </a:prstGeom>
         </p:spPr>
         <p:txBody>
-          <a:bodyPr anchorCtr="0" anchor="t" bIns="91425" lIns="91425" spcFirstLastPara="1" rIns="91425" wrap="square" tIns="91425">
+          <a:bodyPr spcFirstLastPara="1" wrap="square" lIns="91425" tIns="91425" rIns="91425" bIns="91425" anchor="t" anchorCtr="0">
             <a:noAutofit/>
           </a:bodyPr>
           <a:lstStyle/>
           <a:p>
-            <a:pPr indent="0" lvl="0" marL="0" rtl="0" algn="l">
+            <a:pPr marL="0" lvl="0" indent="0" algn="l" rtl="0">
               <a:spcBef>
                 <a:spcPts val="0"/>
               </a:spcBef>
@@ -7984,6 +8155,44 @@
               <a:t>Translation Example</a:t>
             </a:r>
             <a:endParaRPr/>
+          </a:p>
+        </p:txBody>
+      </p:sp>
+      <p:sp>
+        <p:nvSpPr>
+          <p:cNvPr id="5" name="Text Placeholder 4"/>
+          <p:cNvSpPr>
+            <a:spLocks noGrp="1"/>
+          </p:cNvSpPr>
+          <p:nvPr>
+            <p:ph type="body" idx="1"/>
+          </p:nvPr>
+        </p:nvSpPr>
+        <p:spPr/>
+        <p:txBody>
+          <a:bodyPr/>
+          <a:lstStyle/>
+          <a:p>
+            <a:endParaRPr lang="en-US"/>
+          </a:p>
+        </p:txBody>
+      </p:sp>
+      <p:sp>
+        <p:nvSpPr>
+          <p:cNvPr id="6" name="Text Placeholder 5"/>
+          <p:cNvSpPr>
+            <a:spLocks noGrp="1"/>
+          </p:cNvSpPr>
+          <p:nvPr>
+            <p:ph type="body" idx="2"/>
+          </p:nvPr>
+        </p:nvSpPr>
+        <p:spPr/>
+        <p:txBody>
+          <a:bodyPr/>
+          <a:lstStyle/>
+          <a:p>
+            <a:endParaRPr lang="en-US"/>
           </a:p>
         </p:txBody>
       </p:sp>
@@ -8052,11 +8261,11 @@
 </file>
 
 <file path=ppt/slides/slide6.xml><?xml version="1.0" encoding="utf-8"?>
-<p:sld xmlns:a="http://schemas.openxmlformats.org/drawingml/2006/main" xmlns:r="http://schemas.openxmlformats.org/officeDocument/2006/relationships" xmlns:mc="http://schemas.openxmlformats.org/markup-compatibility/2006" xmlns:mv="urn:schemas-microsoft-com:mac:vml" xmlns:p="http://schemas.openxmlformats.org/presentationml/2006/main" xmlns:c="http://schemas.openxmlformats.org/drawingml/2006/chart" xmlns:dgm="http://schemas.openxmlformats.org/drawingml/2006/diagram" xmlns:o="urn:schemas-microsoft-com:office:office" xmlns:v="urn:schemas-microsoft-com:vml" xmlns:pvml="urn:schemas-microsoft-com:office:powerpoint" xmlns:com="http://schemas.openxmlformats.org/drawingml/2006/compatibility" xmlns:p14="http://schemas.microsoft.com/office/powerpoint/2010/main" xmlns:p15="http://schemas.microsoft.com/office/powerpoint/2012/main" xmlns:ahyp="http://schemas.microsoft.com/office/drawing/2018/hyperlinkcolor">
+<p:sld xmlns:a="http://schemas.openxmlformats.org/drawingml/2006/main" xmlns:r="http://schemas.openxmlformats.org/officeDocument/2006/relationships" xmlns:p="http://schemas.openxmlformats.org/presentationml/2006/main">
   <p:cSld>
     <p:spTree>
       <p:nvGrpSpPr>
-        <p:cNvPr id="92" name="Shape 92"/>
+        <p:cNvPr id="1" name="Shape 92"/>
         <p:cNvGrpSpPr/>
         <p:nvPr/>
       </p:nvGrpSpPr>
@@ -8071,7 +8280,9 @@
       <p:sp>
         <p:nvSpPr>
           <p:cNvPr id="93" name="Google Shape;93;p18"/>
-          <p:cNvSpPr txBox="1"/>
+          <p:cNvSpPr txBox="1">
+            <a:spLocks noGrp="1"/>
+          </p:cNvSpPr>
           <p:nvPr>
             <p:ph type="title"/>
           </p:nvPr>
@@ -8086,12 +8297,12 @@
           </a:prstGeom>
         </p:spPr>
         <p:txBody>
-          <a:bodyPr anchorCtr="0" anchor="t" bIns="91425" lIns="91425" spcFirstLastPara="1" rIns="91425" wrap="square" tIns="91425">
+          <a:bodyPr spcFirstLastPara="1" wrap="square" lIns="91425" tIns="91425" rIns="91425" bIns="91425" anchor="t" anchorCtr="0">
             <a:noAutofit/>
           </a:bodyPr>
           <a:lstStyle/>
           <a:p>
-            <a:pPr indent="0" lvl="0" marL="0" rtl="0" algn="l">
+            <a:pPr marL="0" lvl="0" indent="0" algn="l" rtl="0">
               <a:spcBef>
                 <a:spcPts val="0"/>
               </a:spcBef>
@@ -8111,9 +8322,11 @@
       <p:sp>
         <p:nvSpPr>
           <p:cNvPr id="94" name="Google Shape;94;p18"/>
-          <p:cNvSpPr txBox="1"/>
+          <p:cNvSpPr txBox="1">
+            <a:spLocks noGrp="1"/>
+          </p:cNvSpPr>
           <p:nvPr>
-            <p:ph idx="1" type="body"/>
+            <p:ph type="body" idx="1"/>
           </p:nvPr>
         </p:nvSpPr>
         <p:spPr>
@@ -8126,12 +8339,12 @@
           </a:prstGeom>
         </p:spPr>
         <p:txBody>
-          <a:bodyPr anchorCtr="0" anchor="t" bIns="91425" lIns="91425" spcFirstLastPara="1" rIns="91425" wrap="square" tIns="91425">
+          <a:bodyPr spcFirstLastPara="1" wrap="square" lIns="91425" tIns="91425" rIns="91425" bIns="91425" anchor="t" anchorCtr="0">
             <a:noAutofit/>
           </a:bodyPr>
           <a:lstStyle/>
           <a:p>
-            <a:pPr indent="0" lvl="0" marL="0" rtl="0" algn="l">
+            <a:pPr marL="0" lvl="0" indent="0" algn="l" rtl="0">
               <a:spcBef>
                 <a:spcPts val="0"/>
               </a:spcBef>
@@ -8145,7 +8358,7 @@
               <a:t>ARTIQ requires </a:t>
             </a:r>
             <a:r>
-              <a:rPr b="1" lang="en"/>
+              <a:rPr lang="en" b="1"/>
               <a:t>explicit scheduling</a:t>
             </a:r>
             <a:r>
@@ -8155,7 +8368,7 @@
             <a:endParaRPr/>
           </a:p>
           <a:p>
-            <a:pPr indent="0" lvl="0" marL="0" rtl="0" algn="l">
+            <a:pPr marL="0" lvl="0" indent="0" algn="l" rtl="0">
               <a:spcBef>
                 <a:spcPts val="1600"/>
               </a:spcBef>
@@ -8171,7 +8384,7 @@
             <a:endParaRPr/>
           </a:p>
           <a:p>
-            <a:pPr indent="0" lvl="0" marL="0" rtl="0" algn="l">
+            <a:pPr marL="0" lvl="0" indent="0" algn="l" rtl="0">
               <a:spcBef>
                 <a:spcPts val="1600"/>
               </a:spcBef>
@@ -8203,7 +8416,7 @@
             </a:endParaRPr>
           </a:p>
           <a:p>
-            <a:pPr indent="0" lvl="0" marL="0" rtl="0" algn="l">
+            <a:pPr marL="0" lvl="0" indent="0" algn="l" rtl="0">
               <a:spcBef>
                 <a:spcPts val="1600"/>
               </a:spcBef>
@@ -8235,7 +8448,7 @@
             </a:endParaRPr>
           </a:p>
           <a:p>
-            <a:pPr indent="0" lvl="0" marL="0" rtl="0" algn="l">
+            <a:pPr marL="0" lvl="0" indent="0" algn="l" rtl="0">
               <a:spcBef>
                 <a:spcPts val="1600"/>
               </a:spcBef>
@@ -8246,15 +8459,7 @@
             </a:pPr>
             <a:r>
               <a:rPr lang="en"/>
-              <a:t>We built a configurable scheduler that considers the resource consumption of a given operation in Qiskit and explicitly schedules as </a:t>
-            </a:r>
-            <a:r>
-              <a:rPr lang="en"/>
-              <a:t>necessary</a:t>
-            </a:r>
-            <a:r>
-              <a:rPr lang="en"/>
-              <a:t>. </a:t>
+              <a:t>We built a configurable scheduler that considers the resource consumption of a given operation in Qiskit and explicitly schedules as necessary. </a:t>
             </a:r>
             <a:endParaRPr/>
           </a:p>
@@ -8273,29 +8478,29 @@
           </a:xfrm>
           <a:prstGeom prst="roundRect">
             <a:avLst>
-              <a:gd fmla="val 16667" name="adj"/>
+              <a:gd name="adj" fmla="val 16667"/>
             </a:avLst>
           </a:prstGeom>
           <a:solidFill>
             <a:schemeClr val="lt2"/>
           </a:solidFill>
-          <a:ln cap="flat" cmpd="sng" w="9525">
+          <a:ln w="9525" cap="flat" cmpd="sng">
             <a:solidFill>
               <a:schemeClr val="dk2"/>
             </a:solidFill>
             <a:prstDash val="solid"/>
             <a:round/>
-            <a:headEnd len="sm" w="sm" type="none"/>
-            <a:tailEnd len="sm" w="sm" type="none"/>
+            <a:headEnd type="none" w="sm" len="sm"/>
+            <a:tailEnd type="none" w="sm" len="sm"/>
           </a:ln>
         </p:spPr>
         <p:txBody>
-          <a:bodyPr anchorCtr="0" anchor="ctr" bIns="91425" lIns="91425" spcFirstLastPara="1" rIns="91425" wrap="square" tIns="91425">
+          <a:bodyPr spcFirstLastPara="1" wrap="square" lIns="91425" tIns="91425" rIns="91425" bIns="91425" anchor="ctr" anchorCtr="0">
             <a:noAutofit/>
           </a:bodyPr>
           <a:lstStyle/>
           <a:p>
-            <a:pPr indent="0" lvl="0" marL="0" rtl="0" algn="l">
+            <a:pPr marL="0" lvl="0" indent="0" algn="l" rtl="0">
               <a:spcBef>
                 <a:spcPts val="0"/>
               </a:spcBef>
@@ -8321,7 +8526,7 @@
             </a:endParaRPr>
           </a:p>
           <a:p>
-            <a:pPr indent="0" lvl="0" marL="0" rtl="0" algn="l">
+            <a:pPr marL="0" lvl="0" indent="0" algn="l" rtl="0">
               <a:spcBef>
                 <a:spcPts val="0"/>
               </a:spcBef>
@@ -8352,7 +8557,7 @@
             </a:endParaRPr>
           </a:p>
           <a:p>
-            <a:pPr indent="0" lvl="0" marL="0" rtl="0" algn="l">
+            <a:pPr marL="0" lvl="0" indent="0" algn="l" rtl="0">
               <a:spcBef>
                 <a:spcPts val="0"/>
               </a:spcBef>
@@ -8378,7 +8583,7 @@
             </a:endParaRPr>
           </a:p>
           <a:p>
-            <a:pPr indent="0" lvl="0" marL="0" rtl="0" algn="l">
+            <a:pPr marL="0" lvl="0" indent="0" algn="l" rtl="0">
               <a:spcBef>
                 <a:spcPts val="0"/>
               </a:spcBef>
@@ -8409,7 +8614,7 @@
             </a:endParaRPr>
           </a:p>
           <a:p>
-            <a:pPr indent="0" lvl="0" marL="0" rtl="0" algn="l">
+            <a:pPr marL="0" lvl="0" indent="0" algn="l" rtl="0">
               <a:spcBef>
                 <a:spcPts val="0"/>
               </a:spcBef>
@@ -8444,29 +8649,29 @@
           </a:xfrm>
           <a:prstGeom prst="roundRect">
             <a:avLst>
-              <a:gd fmla="val 16667" name="adj"/>
+              <a:gd name="adj" fmla="val 16667"/>
             </a:avLst>
           </a:prstGeom>
           <a:solidFill>
             <a:schemeClr val="lt2"/>
           </a:solidFill>
-          <a:ln cap="flat" cmpd="sng" w="9525">
+          <a:ln w="9525" cap="flat" cmpd="sng">
             <a:solidFill>
               <a:schemeClr val="dk2"/>
             </a:solidFill>
             <a:prstDash val="solid"/>
             <a:round/>
-            <a:headEnd len="sm" w="sm" type="none"/>
-            <a:tailEnd len="sm" w="sm" type="none"/>
+            <a:headEnd type="none" w="sm" len="sm"/>
+            <a:tailEnd type="none" w="sm" len="sm"/>
           </a:ln>
         </p:spPr>
         <p:txBody>
-          <a:bodyPr anchorCtr="0" anchor="ctr" bIns="91425" lIns="91425" spcFirstLastPara="1" rIns="91425" wrap="square" tIns="91425">
+          <a:bodyPr spcFirstLastPara="1" wrap="square" lIns="91425" tIns="91425" rIns="91425" bIns="91425" anchor="ctr" anchorCtr="0">
             <a:noAutofit/>
           </a:bodyPr>
           <a:lstStyle/>
           <a:p>
-            <a:pPr indent="0" lvl="0" marL="0" rtl="0" algn="l">
+            <a:pPr marL="0" lvl="0" indent="0" algn="l" rtl="0">
               <a:spcBef>
                 <a:spcPts val="0"/>
               </a:spcBef>
@@ -8482,7 +8687,7 @@
             <a:endParaRPr/>
           </a:p>
           <a:p>
-            <a:pPr indent="0" lvl="0" marL="0" rtl="0" algn="l">
+            <a:pPr marL="0" lvl="0" indent="0" algn="l" rtl="0">
               <a:spcBef>
                 <a:spcPts val="0"/>
               </a:spcBef>
@@ -8498,7 +8703,7 @@
             <a:endParaRPr/>
           </a:p>
           <a:p>
-            <a:pPr indent="0" lvl="0" marL="0" rtl="0" algn="l">
+            <a:pPr marL="0" lvl="0" indent="0" algn="l" rtl="0">
               <a:spcBef>
                 <a:spcPts val="0"/>
               </a:spcBef>
@@ -8514,7 +8719,7 @@
             <a:endParaRPr/>
           </a:p>
           <a:p>
-            <a:pPr indent="0" lvl="0" marL="0" rtl="0" algn="l">
+            <a:pPr marL="0" lvl="0" indent="0" algn="l" rtl="0">
               <a:spcBef>
                 <a:spcPts val="0"/>
               </a:spcBef>
@@ -8549,14 +8754,14 @@
             <a:avLst/>
           </a:prstGeom>
           <a:noFill/>
-          <a:ln cap="flat" cmpd="sng" w="28575">
+          <a:ln w="28575" cap="flat" cmpd="sng">
             <a:solidFill>
               <a:srgbClr val="CC4125"/>
             </a:solidFill>
             <a:prstDash val="solid"/>
             <a:round/>
-            <a:headEnd len="med" w="med" type="none"/>
-            <a:tailEnd len="med" w="med" type="triangle"/>
+            <a:headEnd type="none" w="med" len="med"/>
+            <a:tailEnd type="triangle" w="med" len="med"/>
           </a:ln>
         </p:spPr>
       </p:cxnSp>
@@ -8569,11 +8774,11 @@
 </file>
 
 <file path=ppt/slides/slide7.xml><?xml version="1.0" encoding="utf-8"?>
-<p:sld xmlns:a="http://schemas.openxmlformats.org/drawingml/2006/main" xmlns:r="http://schemas.openxmlformats.org/officeDocument/2006/relationships" xmlns:mc="http://schemas.openxmlformats.org/markup-compatibility/2006" xmlns:mv="urn:schemas-microsoft-com:mac:vml" xmlns:p="http://schemas.openxmlformats.org/presentationml/2006/main" xmlns:c="http://schemas.openxmlformats.org/drawingml/2006/chart" xmlns:dgm="http://schemas.openxmlformats.org/drawingml/2006/diagram" xmlns:o="urn:schemas-microsoft-com:office:office" xmlns:v="urn:schemas-microsoft-com:vml" xmlns:pvml="urn:schemas-microsoft-com:office:powerpoint" xmlns:com="http://schemas.openxmlformats.org/drawingml/2006/compatibility" xmlns:p14="http://schemas.microsoft.com/office/powerpoint/2010/main" xmlns:p15="http://schemas.microsoft.com/office/powerpoint/2012/main" xmlns:ahyp="http://schemas.microsoft.com/office/drawing/2018/hyperlinkcolor">
+<p:sld xmlns:a="http://schemas.openxmlformats.org/drawingml/2006/main" xmlns:r="http://schemas.openxmlformats.org/officeDocument/2006/relationships" xmlns:p="http://schemas.openxmlformats.org/presentationml/2006/main">
   <p:cSld>
     <p:spTree>
       <p:nvGrpSpPr>
-        <p:cNvPr id="101" name="Shape 101"/>
+        <p:cNvPr id="1" name="Shape 101"/>
         <p:cNvGrpSpPr/>
         <p:nvPr/>
       </p:nvGrpSpPr>
@@ -8588,7 +8793,9 @@
       <p:sp>
         <p:nvSpPr>
           <p:cNvPr id="102" name="Google Shape;102;p19"/>
-          <p:cNvSpPr txBox="1"/>
+          <p:cNvSpPr txBox="1">
+            <a:spLocks noGrp="1"/>
+          </p:cNvSpPr>
           <p:nvPr>
             <p:ph type="title"/>
           </p:nvPr>
@@ -8603,12 +8810,12 @@
           </a:prstGeom>
         </p:spPr>
         <p:txBody>
-          <a:bodyPr anchorCtr="0" anchor="t" bIns="91425" lIns="91425" spcFirstLastPara="1" rIns="91425" wrap="square" tIns="91425">
+          <a:bodyPr spcFirstLastPara="1" wrap="square" lIns="91425" tIns="91425" rIns="91425" bIns="91425" anchor="t" anchorCtr="0">
             <a:noAutofit/>
           </a:bodyPr>
           <a:lstStyle/>
           <a:p>
-            <a:pPr indent="0" lvl="0" marL="0" rtl="0" algn="l">
+            <a:pPr marL="0" lvl="0" indent="0" algn="l" rtl="0">
               <a:spcBef>
                 <a:spcPts val="0"/>
               </a:spcBef>
@@ -8628,9 +8835,11 @@
       <p:sp>
         <p:nvSpPr>
           <p:cNvPr id="103" name="Google Shape;103;p19"/>
-          <p:cNvSpPr txBox="1"/>
+          <p:cNvSpPr txBox="1">
+            <a:spLocks noGrp="1"/>
+          </p:cNvSpPr>
           <p:nvPr>
-            <p:ph idx="1" type="body"/>
+            <p:ph type="body" idx="1"/>
           </p:nvPr>
         </p:nvSpPr>
         <p:spPr>
@@ -8643,12 +8852,12 @@
           </a:prstGeom>
         </p:spPr>
         <p:txBody>
-          <a:bodyPr anchorCtr="0" anchor="t" bIns="91425" lIns="91425" spcFirstLastPara="1" rIns="91425" wrap="square" tIns="91425">
+          <a:bodyPr spcFirstLastPara="1" wrap="square" lIns="91425" tIns="91425" rIns="91425" bIns="91425" anchor="t" anchorCtr="0">
             <a:noAutofit/>
           </a:bodyPr>
           <a:lstStyle/>
           <a:p>
-            <a:pPr indent="0" lvl="0" marL="0" rtl="0" algn="l">
+            <a:pPr marL="0" lvl="0" indent="0" algn="l" rtl="0">
               <a:spcBef>
                 <a:spcPts val="0"/>
               </a:spcBef>
@@ -8662,13 +8871,13 @@
               <a:t>The main component we are missing are </a:t>
             </a:r>
             <a:r>
-              <a:rPr b="1" lang="en"/>
+              <a:rPr lang="en" b="1"/>
               <a:t>classical constructs</a:t>
             </a:r>
             <a:endParaRPr/>
           </a:p>
           <a:p>
-            <a:pPr indent="0" lvl="0" marL="0" rtl="0" algn="l">
+            <a:pPr marL="0" lvl="0" indent="0" algn="l" rtl="0">
               <a:spcBef>
                 <a:spcPts val="1600"/>
               </a:spcBef>
@@ -8682,7 +8891,7 @@
               <a:t>The ARTIQ system supports running classical code on the FPGA so it is efficient to </a:t>
             </a:r>
             <a:r>
-              <a:rPr b="1" lang="en"/>
+              <a:rPr lang="en" b="1"/>
               <a:t>encode as much classical information into the quantum circuit</a:t>
             </a:r>
             <a:r>
@@ -8692,7 +8901,7 @@
             <a:endParaRPr/>
           </a:p>
           <a:p>
-            <a:pPr indent="0" lvl="0" marL="0" rtl="0" algn="l">
+            <a:pPr marL="0" lvl="0" indent="0" algn="l" rtl="0">
               <a:spcBef>
                 <a:spcPts val="1600"/>
               </a:spcBef>
@@ -8708,7 +8917,7 @@
             <a:endParaRPr/>
           </a:p>
           <a:p>
-            <a:pPr indent="0" lvl="0" marL="0" rtl="0" algn="l">
+            <a:pPr marL="0" lvl="0" indent="0" algn="l" rtl="0">
               <a:spcBef>
                 <a:spcPts val="1600"/>
               </a:spcBef>
@@ -8722,7 +8931,7 @@
               <a:t>We propose the following </a:t>
             </a:r>
             <a:r>
-              <a:rPr b="1" lang="en"/>
+              <a:rPr lang="en" b="1"/>
               <a:t>extension</a:t>
             </a:r>
             <a:r>
@@ -8770,11 +8979,11 @@
 </file>
 
 <file path=ppt/slides/slide8.xml><?xml version="1.0" encoding="utf-8"?>
-<p:sld xmlns:a="http://schemas.openxmlformats.org/drawingml/2006/main" xmlns:r="http://schemas.openxmlformats.org/officeDocument/2006/relationships" xmlns:mc="http://schemas.openxmlformats.org/markup-compatibility/2006" xmlns:mv="urn:schemas-microsoft-com:mac:vml" xmlns:p="http://schemas.openxmlformats.org/presentationml/2006/main" xmlns:c="http://schemas.openxmlformats.org/drawingml/2006/chart" xmlns:dgm="http://schemas.openxmlformats.org/drawingml/2006/diagram" xmlns:o="urn:schemas-microsoft-com:office:office" xmlns:v="urn:schemas-microsoft-com:vml" xmlns:pvml="urn:schemas-microsoft-com:office:powerpoint" xmlns:com="http://schemas.openxmlformats.org/drawingml/2006/compatibility" xmlns:p14="http://schemas.microsoft.com/office/powerpoint/2010/main" xmlns:p15="http://schemas.microsoft.com/office/powerpoint/2012/main" xmlns:ahyp="http://schemas.microsoft.com/office/drawing/2018/hyperlinkcolor">
+<p:sld xmlns:a="http://schemas.openxmlformats.org/drawingml/2006/main" xmlns:r="http://schemas.openxmlformats.org/officeDocument/2006/relationships" xmlns:p="http://schemas.openxmlformats.org/presentationml/2006/main">
   <p:cSld>
     <p:spTree>
       <p:nvGrpSpPr>
-        <p:cNvPr id="108" name="Shape 108"/>
+        <p:cNvPr id="1" name="Shape 108"/>
         <p:cNvGrpSpPr/>
         <p:nvPr/>
       </p:nvGrpSpPr>
@@ -8789,7 +8998,9 @@
       <p:sp>
         <p:nvSpPr>
           <p:cNvPr id="109" name="Google Shape;109;p20"/>
-          <p:cNvSpPr txBox="1"/>
+          <p:cNvSpPr txBox="1">
+            <a:spLocks noGrp="1"/>
+          </p:cNvSpPr>
           <p:nvPr>
             <p:ph type="title"/>
           </p:nvPr>
@@ -8804,12 +9015,12 @@
           </a:prstGeom>
         </p:spPr>
         <p:txBody>
-          <a:bodyPr anchorCtr="0" anchor="ctr" bIns="91425" lIns="91425" spcFirstLastPara="1" rIns="91425" wrap="square" tIns="91425">
+          <a:bodyPr spcFirstLastPara="1" wrap="square" lIns="91425" tIns="91425" rIns="91425" bIns="91425" anchor="ctr" anchorCtr="0">
             <a:noAutofit/>
           </a:bodyPr>
           <a:lstStyle/>
           <a:p>
-            <a:pPr indent="0" lvl="0" marL="0" rtl="0" algn="ctr">
+            <a:pPr marL="0" lvl="0" indent="0" algn="ctr" rtl="0">
               <a:spcBef>
                 <a:spcPts val="0"/>
               </a:spcBef>
@@ -8835,11 +9046,11 @@
 </file>
 
 <file path=ppt/slides/slide9.xml><?xml version="1.0" encoding="utf-8"?>
-<p:sld xmlns:a="http://schemas.openxmlformats.org/drawingml/2006/main" xmlns:r="http://schemas.openxmlformats.org/officeDocument/2006/relationships" xmlns:mc="http://schemas.openxmlformats.org/markup-compatibility/2006" xmlns:mv="urn:schemas-microsoft-com:mac:vml" xmlns:p="http://schemas.openxmlformats.org/presentationml/2006/main" xmlns:c="http://schemas.openxmlformats.org/drawingml/2006/chart" xmlns:dgm="http://schemas.openxmlformats.org/drawingml/2006/diagram" xmlns:o="urn:schemas-microsoft-com:office:office" xmlns:v="urn:schemas-microsoft-com:vml" xmlns:pvml="urn:schemas-microsoft-com:office:powerpoint" xmlns:com="http://schemas.openxmlformats.org/drawingml/2006/compatibility" xmlns:p14="http://schemas.microsoft.com/office/powerpoint/2010/main" xmlns:p15="http://schemas.microsoft.com/office/powerpoint/2012/main" xmlns:ahyp="http://schemas.microsoft.com/office/drawing/2018/hyperlinkcolor">
+<p:sld xmlns:a="http://schemas.openxmlformats.org/drawingml/2006/main" xmlns:r="http://schemas.openxmlformats.org/officeDocument/2006/relationships" xmlns:p="http://schemas.openxmlformats.org/presentationml/2006/main">
   <p:cSld>
     <p:spTree>
       <p:nvGrpSpPr>
-        <p:cNvPr id="113" name="Shape 113"/>
+        <p:cNvPr id="1" name="Shape 113"/>
         <p:cNvGrpSpPr/>
         <p:nvPr/>
       </p:nvGrpSpPr>
@@ -8854,7 +9065,9 @@
       <p:sp>
         <p:nvSpPr>
           <p:cNvPr id="114" name="Google Shape;114;p21"/>
-          <p:cNvSpPr txBox="1"/>
+          <p:cNvSpPr txBox="1">
+            <a:spLocks noGrp="1"/>
+          </p:cNvSpPr>
           <p:nvPr>
             <p:ph type="title"/>
           </p:nvPr>
@@ -8869,12 +9082,12 @@
           </a:prstGeom>
         </p:spPr>
         <p:txBody>
-          <a:bodyPr anchorCtr="0" anchor="b" bIns="91425" lIns="91425" spcFirstLastPara="1" rIns="91425" wrap="square" tIns="91425">
+          <a:bodyPr spcFirstLastPara="1" wrap="square" lIns="91425" tIns="91425" rIns="91425" bIns="91425" anchor="b" anchorCtr="0">
             <a:noAutofit/>
           </a:bodyPr>
           <a:lstStyle/>
           <a:p>
-            <a:pPr indent="0" lvl="0" marL="0" rtl="0" algn="ctr">
+            <a:pPr marL="0" lvl="0" indent="0" algn="ctr" rtl="0">
               <a:spcBef>
                 <a:spcPts val="0"/>
               </a:spcBef>
@@ -8894,9 +9107,11 @@
       <p:sp>
         <p:nvSpPr>
           <p:cNvPr id="115" name="Google Shape;115;p21"/>
-          <p:cNvSpPr txBox="1"/>
+          <p:cNvSpPr txBox="1">
+            <a:spLocks noGrp="1"/>
+          </p:cNvSpPr>
           <p:nvPr>
-            <p:ph idx="1" type="subTitle"/>
+            <p:ph type="subTitle" idx="1"/>
           </p:nvPr>
         </p:nvSpPr>
         <p:spPr>
@@ -8909,12 +9124,12 @@
           </a:prstGeom>
         </p:spPr>
         <p:txBody>
-          <a:bodyPr anchorCtr="0" anchor="t" bIns="91425" lIns="91425" spcFirstLastPara="1" rIns="91425" wrap="square" tIns="91425">
+          <a:bodyPr spcFirstLastPara="1" wrap="square" lIns="91425" tIns="91425" rIns="91425" bIns="91425" anchor="t" anchorCtr="0">
             <a:noAutofit/>
           </a:bodyPr>
           <a:lstStyle/>
           <a:p>
-            <a:pPr indent="0" lvl="0" marL="0" rtl="0" algn="ctr">
+            <a:pPr marL="0" lvl="0" indent="0" algn="ctr" rtl="0">
               <a:spcBef>
                 <a:spcPts val="0"/>
               </a:spcBef>
@@ -8968,7 +9183,7 @@
 </file>
 
 <file path=ppt/theme/theme1.xml><?xml version="1.0" encoding="utf-8"?>
-<a:theme xmlns:a="http://schemas.openxmlformats.org/drawingml/2006/main" xmlns:r="http://schemas.openxmlformats.org/officeDocument/2006/relationships" name="Simple Light">
+<a:theme xmlns:a="http://schemas.openxmlformats.org/drawingml/2006/main" name="Simple Light">
   <a:themeElements>
     <a:clrScheme name="Simple Light">
       <a:dk1>
@@ -9243,11 +9458,13 @@
       </a:bgFillStyleLst>
     </a:fmtScheme>
   </a:themeElements>
+  <a:objectDefaults/>
+  <a:extraClrSchemeLst/>
 </a:theme>
 </file>
 
 <file path=ppt/theme/theme2.xml><?xml version="1.0" encoding="utf-8"?>
-<a:theme xmlns:a="http://schemas.openxmlformats.org/drawingml/2006/main" xmlns:r="http://schemas.openxmlformats.org/officeDocument/2006/relationships">
+<a:theme xmlns:a="http://schemas.openxmlformats.org/drawingml/2006/main">
   <a:themeElements>
     <a:clrScheme name="Default">
       <a:dk1>
@@ -9522,5 +9739,7 @@
       </a:bgFillStyleLst>
     </a:fmtScheme>
   </a:themeElements>
+  <a:objectDefaults/>
+  <a:extraClrSchemeLst/>
 </a:theme>
 </file>